--- a/과제PPT/기업업무 4강 JSP_DB연동.pptx
+++ b/과제PPT/기업업무 4강 JSP_DB연동.pptx
@@ -8,18 +8,26 @@
     <p:sldId id="256" r:id="rId2"/>
     <p:sldId id="293" r:id="rId3"/>
     <p:sldId id="281" r:id="rId4"/>
-    <p:sldId id="294" r:id="rId5"/>
-    <p:sldId id="295" r:id="rId6"/>
-    <p:sldId id="296" r:id="rId7"/>
-    <p:sldId id="297" r:id="rId8"/>
-    <p:sldId id="298" r:id="rId9"/>
-    <p:sldId id="299" r:id="rId10"/>
-    <p:sldId id="300" r:id="rId11"/>
-    <p:sldId id="301" r:id="rId12"/>
-    <p:sldId id="302" r:id="rId13"/>
-    <p:sldId id="303" r:id="rId14"/>
-    <p:sldId id="304" r:id="rId15"/>
-    <p:sldId id="305" r:id="rId16"/>
+    <p:sldId id="316" r:id="rId5"/>
+    <p:sldId id="310" r:id="rId6"/>
+    <p:sldId id="311" r:id="rId7"/>
+    <p:sldId id="312" r:id="rId8"/>
+    <p:sldId id="313" r:id="rId9"/>
+    <p:sldId id="314" r:id="rId10"/>
+    <p:sldId id="315" r:id="rId11"/>
+    <p:sldId id="297" r:id="rId12"/>
+    <p:sldId id="295" r:id="rId13"/>
+    <p:sldId id="294" r:id="rId14"/>
+    <p:sldId id="298" r:id="rId15"/>
+    <p:sldId id="306" r:id="rId16"/>
+    <p:sldId id="299" r:id="rId17"/>
+    <p:sldId id="307" r:id="rId18"/>
+    <p:sldId id="300" r:id="rId19"/>
+    <p:sldId id="308" r:id="rId20"/>
+    <p:sldId id="301" r:id="rId21"/>
+    <p:sldId id="309" r:id="rId22"/>
+    <p:sldId id="302" r:id="rId23"/>
+    <p:sldId id="303" r:id="rId24"/>
   </p:sldIdLst>
   <p:sldSz cx="12192000" cy="6858000"/>
   <p:notesSz cx="6858000" cy="9144000"/>
@@ -126,6 +134,37 @@
 </p:presentation>
 </file>
 
+<file path=ppt/ink/ink1.xml><?xml version="1.0" encoding="utf-8"?>
+<inkml:ink xmlns:inkml="http://www.w3.org/2003/InkML">
+  <inkml:definitions>
+    <inkml:context xml:id="ctx0">
+      <inkml:inkSource xml:id="inkSrc0">
+        <inkml:traceFormat>
+          <inkml:channel name="X" type="integer" min="-2.14748E9" max="2.14748E9" units="cm"/>
+          <inkml:channel name="Y" type="integer" min="-2.14748E9" max="2.14748E9" units="cm"/>
+        </inkml:traceFormat>
+        <inkml:channelProperties>
+          <inkml:channelProperty channel="X" name="resolution" value="1000" units="1/cm"/>
+          <inkml:channelProperty channel="Y" name="resolution" value="1000" units="1/cm"/>
+        </inkml:channelProperties>
+      </inkml:inkSource>
+      <inkml:timestamp xml:id="ts0" timeString="2023-05-28T16:42:19.080"/>
+    </inkml:context>
+    <inkml:brush xml:id="br0">
+      <inkml:brushProperty name="width" value="0.35" units="cm"/>
+      <inkml:brushProperty name="height" value="0.35" units="cm"/>
+      <inkml:brushProperty name="color" value="#EEB3A6"/>
+      <inkml:brushProperty name="ignorePressure" value="1"/>
+      <inkml:brushProperty name="inkEffects" value="rosegold"/>
+      <inkml:brushProperty name="anchorX" value="-10680.40625"/>
+      <inkml:brushProperty name="anchorY" value="-1693.33374"/>
+      <inkml:brushProperty name="scaleFactor" value="0.5"/>
+    </inkml:brush>
+  </inkml:definitions>
+  <inkml:trace contextRef="#ctx0" brushRef="#br0">1 0,'0'0,"9"0,9 0,9 0,4 0,7 0,1 0,3 0,-2 0,3 0,-2 0,-10 0,3 0,2 0,0 0,3 0,-6 0,-3 0,3 0,-1 0,5 0,-1 0,3 0,0 0,2 0,-2 0,3 0,-9 0,-2 0,3 0,3 0,-1 0,5 0,-2 0,3 0,-3 0,3 0,-3 0,3 0,-3 0,-36 0,2 0,-1 0,1 0,-1 0,6 0,23 0,-2 0,4 0,4 0,0 0,3 0,9 0,14 0,7 0,6 0,10 0,6 0,0 0,4 0,-13 0,2 0,-14 0,-8 0,-11 0,6 0,-7 0,-1 0,-5 0,9 0,-3 0,0 0,-6 0,1 0,5 0,-4 0,0 0,2 0,-6 0,2 0,-6 0,2 0,7 0,-2 0,1 0,1 0,-4 0,0 0,-4 0,1 0,-3 0,2 0,7 0,3 0,-3 0,1 0,-5 0,1 0,-5 0,22 0,-2 0,2 0,4 0,4 0,-3 0,14 0,-3 0,-9 0,-6 0,11 0,-8 0,-3 0,-9 0,18 0,-7 0,0 0,-10 0,-2 0,-8 0,-1 0,5 0,2 0,7 0,-4 0,11 0,31 0,11 0,3 0,-3 0,-1 0,10 0,-5 0,-2 0,10 0,-6 0,-1 0,8 0,-7 0,-11 0,-20 0,-7 0,0 0,-5 0,-11 0,2 0,-3 0,3 0,-2 0,-5 0,-3 0,5 0,-1 0,-5 0,0 0,4 0,-4 0,-1 0,1 0,-5 0,0 0,-4 0,1 0,-4 0,2 0,-2 0,2 0,-3 0,3 0,-8 0,-2 0,-9 0</inkml:trace>
+</inkml:ink>
+</file>
+
 <file path=ppt/slideLayouts/slideLayout1.xml><?xml version="1.0" encoding="utf-8"?>
 <p:sldLayout xmlns:a="http://schemas.openxmlformats.org/drawingml/2006/main" xmlns:r="http://schemas.openxmlformats.org/officeDocument/2006/relationships" xmlns:p="http://schemas.openxmlformats.org/presentationml/2006/main" type="title" preserve="1">
   <p:cSld name="제목 슬라이드">
@@ -338,7 +377,7 @@
             <a:fld id="{96DFF08F-DC6B-4601-B491-B0F83F6DD2DA}" type="datetimeFigureOut">
               <a:rPr lang="en-US" dirty="0"/>
               <a:pPr/>
-              <a:t>5/25/2023</a:t>
+              <a:t>5/28/2023</a:t>
             </a:fld>
             <a:endParaRPr lang="en-US" dirty="0"/>
           </a:p>
@@ -555,7 +594,7 @@
           <a:p>
             <a:fld id="{96DFF08F-DC6B-4601-B491-B0F83F6DD2DA}" type="datetimeFigureOut">
               <a:rPr lang="en-US" dirty="0"/>
-              <a:t>5/25/2023</a:t>
+              <a:t>5/28/2023</a:t>
             </a:fld>
             <a:endParaRPr lang="en-US" dirty="0"/>
           </a:p>
@@ -730,7 +769,7 @@
           <a:p>
             <a:fld id="{96DFF08F-DC6B-4601-B491-B0F83F6DD2DA}" type="datetimeFigureOut">
               <a:rPr lang="en-US" dirty="0"/>
-              <a:t>5/25/2023</a:t>
+              <a:t>5/28/2023</a:t>
             </a:fld>
             <a:endParaRPr lang="en-US" dirty="0"/>
           </a:p>
@@ -895,7 +934,7 @@
           <a:p>
             <a:fld id="{96DFF08F-DC6B-4601-B491-B0F83F6DD2DA}" type="datetimeFigureOut">
               <a:rPr lang="en-US" dirty="0"/>
-              <a:t>5/25/2023</a:t>
+              <a:t>5/28/2023</a:t>
             </a:fld>
             <a:endParaRPr lang="en-US" dirty="0"/>
           </a:p>
@@ -1164,7 +1203,7 @@
           <a:p>
             <a:fld id="{96DFF08F-DC6B-4601-B491-B0F83F6DD2DA}" type="datetimeFigureOut">
               <a:rPr lang="en-US" dirty="0"/>
-              <a:t>5/25/2023</a:t>
+              <a:t>5/28/2023</a:t>
             </a:fld>
             <a:endParaRPr lang="en-US" dirty="0"/>
           </a:p>
@@ -1482,7 +1521,7 @@
           <a:p>
             <a:fld id="{96DFF08F-DC6B-4601-B491-B0F83F6DD2DA}" type="datetimeFigureOut">
               <a:rPr lang="en-US" dirty="0"/>
-              <a:t>5/25/2023</a:t>
+              <a:t>5/28/2023</a:t>
             </a:fld>
             <a:endParaRPr lang="en-US" dirty="0"/>
           </a:p>
@@ -1901,7 +1940,7 @@
           <a:p>
             <a:fld id="{96DFF08F-DC6B-4601-B491-B0F83F6DD2DA}" type="datetimeFigureOut">
               <a:rPr lang="en-US" dirty="0"/>
-              <a:t>5/25/2023</a:t>
+              <a:t>5/28/2023</a:t>
             </a:fld>
             <a:endParaRPr lang="en-US" dirty="0"/>
           </a:p>
@@ -2014,7 +2053,7 @@
           <a:p>
             <a:fld id="{96DFF08F-DC6B-4601-B491-B0F83F6DD2DA}" type="datetimeFigureOut">
               <a:rPr lang="en-US" dirty="0"/>
-              <a:t>5/25/2023</a:t>
+              <a:t>5/28/2023</a:t>
             </a:fld>
             <a:endParaRPr lang="en-US" dirty="0"/>
           </a:p>
@@ -2104,7 +2143,7 @@
           <a:p>
             <a:fld id="{96DFF08F-DC6B-4601-B491-B0F83F6DD2DA}" type="datetimeFigureOut">
               <a:rPr lang="en-US" dirty="0"/>
-              <a:t>5/25/2023</a:t>
+              <a:t>5/28/2023</a:t>
             </a:fld>
             <a:endParaRPr lang="en-US" dirty="0"/>
           </a:p>
@@ -2389,7 +2428,7 @@
           <a:p>
             <a:fld id="{96DFF08F-DC6B-4601-B491-B0F83F6DD2DA}" type="datetimeFigureOut">
               <a:rPr lang="en-US" dirty="0"/>
-              <a:t>5/25/2023</a:t>
+              <a:t>5/28/2023</a:t>
             </a:fld>
             <a:endParaRPr lang="en-US" dirty="0"/>
           </a:p>
@@ -2656,7 +2695,7 @@
           <a:p>
             <a:fld id="{96DFF08F-DC6B-4601-B491-B0F83F6DD2DA}" type="datetimeFigureOut">
               <a:rPr lang="en-US" dirty="0"/>
-              <a:t>5/25/2023</a:t>
+              <a:t>5/28/2023</a:t>
             </a:fld>
             <a:endParaRPr lang="en-US" dirty="0"/>
           </a:p>
@@ -2906,7 +2945,7 @@
             <a:fld id="{96DFF08F-DC6B-4601-B491-B0F83F6DD2DA}" type="datetimeFigureOut">
               <a:rPr lang="en-US" dirty="0"/>
               <a:pPr/>
-              <a:t>5/25/2023</a:t>
+              <a:t>5/28/2023</a:t>
             </a:fld>
             <a:endParaRPr lang="en-US" dirty="0"/>
           </a:p>
@@ -3418,7 +3457,7 @@
               <a:t>4</a:t>
             </a:r>
             <a:r>
-              <a:rPr lang="ko-KR" altLang="en-US" dirty="0" smtClean="0">
+              <a:rPr lang="ko-KR" altLang="en-US" dirty="0">
                 <a:solidFill>
                   <a:schemeClr val="accent1"/>
                 </a:solidFill>
@@ -3434,20 +3473,6 @@
               </a:rPr>
               <a:t>강</a:t>
             </a:r>
-            <a:endParaRPr lang="ko-KR" altLang="en-US" dirty="0">
-              <a:solidFill>
-                <a:schemeClr val="accent1"/>
-              </a:solidFill>
-              <a:effectLst>
-                <a:outerShdw blurRad="38100" dist="38100" dir="2700000" algn="tl">
-                  <a:srgbClr val="000000">
-                    <a:alpha val="43137"/>
-                  </a:srgbClr>
-                </a:outerShdw>
-              </a:effectLst>
-              <a:latin typeface="+mj-ea"/>
-              <a:ea typeface="+mj-ea"/>
-            </a:endParaRPr>
           </a:p>
         </p:txBody>
       </p:sp>
@@ -3596,155 +3621,66 @@
           <p:cNvPr id="2" name="제목 1">
             <a:extLst>
               <a:ext uri="{FF2B5EF4-FFF2-40B4-BE49-F238E27FC236}">
-                <a16:creationId xmlns:a16="http://schemas.microsoft.com/office/drawing/2014/main" xmlns="" id="{635C47BF-19DD-7A68-913E-EF8F14DBA234}"/>
-              </a:ext>
-            </a:extLst>
-          </p:cNvPr>
-          <p:cNvSpPr>
-            <a:spLocks noGrp="1"/>
+                <a16:creationId xmlns:a16="http://schemas.microsoft.com/office/drawing/2014/main" id="{DBBC62B1-AFF9-68AE-E65C-59741AB50C64}"/>
+              </a:ext>
+            </a:extLst>
+          </p:cNvPr>
+          <p:cNvSpPr txBox="1">
+            <a:spLocks/>
           </p:cNvSpPr>
-          <p:nvPr>
-            <p:ph type="title"/>
-          </p:nvPr>
-        </p:nvSpPr>
-        <p:spPr>
-          <a:xfrm>
-            <a:off x="479323" y="550605"/>
-            <a:ext cx="9875520" cy="481781"/>
-          </a:xfrm>
-        </p:spPr>
-        <p:txBody>
-          <a:bodyPr>
-            <a:noAutofit/>
-          </a:bodyPr>
-          <a:lstStyle/>
-          <a:p>
-            <a:pPr marL="571500" indent="-571500">
-              <a:buFont typeface="Arial" panose="020B0604020202020204" pitchFamily="34" charset="0"/>
-              <a:buChar char="•"/>
-            </a:pPr>
-            <a:r>
-              <a:rPr lang="ko-KR" altLang="en-US" sz="3200" dirty="0" err="1" smtClean="0">
-                <a:latin typeface="+mj-ea"/>
-              </a:rPr>
-              <a:t>ㅇ</a:t>
-            </a:r>
-            <a:endParaRPr lang="ko-KR" altLang="en-US" sz="3200" dirty="0">
-              <a:latin typeface="+mj-ea"/>
-            </a:endParaRPr>
-          </a:p>
-        </p:txBody>
-      </p:sp>
-      <p:sp>
-        <p:nvSpPr>
-          <p:cNvPr id="11" name="화살표: 오른쪽 2">
-            <a:extLst>
-              <a:ext uri="{FF2B5EF4-FFF2-40B4-BE49-F238E27FC236}">
-                <a16:creationId xmlns:a16="http://schemas.microsoft.com/office/drawing/2014/main" xmlns="" id="{5F46D10A-AEFB-C08C-F009-C76E5C32C589}"/>
-              </a:ext>
-            </a:extLst>
-          </p:cNvPr>
-          <p:cNvSpPr/>
           <p:nvPr/>
         </p:nvSpPr>
         <p:spPr>
           <a:xfrm>
-            <a:off x="10461507" y="935233"/>
-            <a:ext cx="1335428" cy="666891"/>
-          </a:xfrm>
-          <a:prstGeom prst="rightArrow">
-            <a:avLst/>
-          </a:prstGeom>
-        </p:spPr>
-        <p:style>
-          <a:lnRef idx="2">
-            <a:schemeClr val="accent1">
-              <a:shade val="50000"/>
-            </a:schemeClr>
-          </a:lnRef>
-          <a:fillRef idx="1">
-            <a:schemeClr val="accent1"/>
-          </a:fillRef>
-          <a:effectRef idx="0">
-            <a:schemeClr val="accent1"/>
-          </a:effectRef>
-          <a:fontRef idx="minor">
-            <a:schemeClr val="lt1"/>
-          </a:fontRef>
-        </p:style>
-        <p:txBody>
-          <a:bodyPr rtlCol="0" anchor="ctr"/>
-          <a:lstStyle/>
-          <a:p>
-            <a:pPr algn="ctr"/>
-            <a:endParaRPr lang="ko-KR" altLang="en-US"/>
-          </a:p>
-        </p:txBody>
-      </p:sp>
-      <p:sp>
-        <p:nvSpPr>
-          <p:cNvPr id="12" name="TextBox 11">
-            <a:extLst>
-              <a:ext uri="{FF2B5EF4-FFF2-40B4-BE49-F238E27FC236}">
-                <a16:creationId xmlns:a16="http://schemas.microsoft.com/office/drawing/2014/main" xmlns="" id="{6215690D-0311-7CF3-12F2-BCBF28FE0859}"/>
-              </a:ext>
-            </a:extLst>
-          </p:cNvPr>
-          <p:cNvSpPr txBox="1"/>
-          <p:nvPr/>
-        </p:nvSpPr>
-        <p:spPr>
-          <a:xfrm>
-            <a:off x="10354843" y="313307"/>
-            <a:ext cx="1442092" cy="523220"/>
+            <a:off x="1158240" y="2563528"/>
+            <a:ext cx="9875520" cy="1356360"/>
           </a:xfrm>
           <a:prstGeom prst="rect">
             <a:avLst/>
           </a:prstGeom>
-          <a:noFill/>
-        </p:spPr>
-        <p:txBody>
-          <a:bodyPr wrap="square" rtlCol="0">
-            <a:spAutoFit/>
-          </a:bodyPr>
-          <a:lstStyle/>
-          <a:p>
-            <a:r>
-              <a:rPr lang="en-US" altLang="ko-KR" sz="2800" dirty="0">
+        </p:spPr>
+        <p:txBody>
+          <a:bodyPr/>
+          <a:lstStyle>
+            <a:lvl1pPr algn="l" defTabSz="914400" rtl="0" eaLnBrk="1" latinLnBrk="1" hangingPunct="1">
+              <a:lnSpc>
+                <a:spcPct val="90000"/>
+              </a:lnSpc>
+              <a:spcBef>
+                <a:spcPct val="0"/>
+              </a:spcBef>
+              <a:buNone/>
+              <a:defRPr sz="4400" kern="1200">
                 <a:solidFill>
                   <a:schemeClr val="accent1"/>
                 </a:solidFill>
+                <a:latin typeface="+mj-lt"/>
+                <a:ea typeface="+mj-ea"/>
+                <a:cs typeface="+mj-cs"/>
+              </a:defRPr>
+            </a:lvl1pPr>
+          </a:lstStyle>
+          <a:p>
+            <a:pPr algn="ctr"/>
+            <a:r>
+              <a:rPr lang="en-US" altLang="ko-KR" b="1" dirty="0">
+                <a:latin typeface="+mj-ea"/>
               </a:rPr>
-              <a:t>&lt; </a:t>
-            </a:r>
-            <a:r>
-              <a:rPr lang="ko-KR" altLang="en-US" sz="2800" dirty="0">
-                <a:solidFill>
-                  <a:schemeClr val="accent1"/>
-                </a:solidFill>
+              <a:t>4</a:t>
+            </a:r>
+            <a:r>
+              <a:rPr lang="ko-KR" altLang="en-US" b="1" dirty="0">
+                <a:latin typeface="+mj-ea"/>
               </a:rPr>
-              <a:t>결과 </a:t>
-            </a:r>
-            <a:r>
-              <a:rPr lang="en-US" altLang="ko-KR" sz="2800" dirty="0">
-                <a:solidFill>
-                  <a:schemeClr val="accent1"/>
-                </a:solidFill>
-              </a:rPr>
-              <a:t>&gt;</a:t>
-            </a:r>
-            <a:endParaRPr lang="ko-KR" altLang="en-US" sz="2800" dirty="0">
-              <a:solidFill>
-                <a:schemeClr val="accent1"/>
-              </a:solidFill>
-            </a:endParaRPr>
+              <a:t>강 실습</a:t>
+            </a:r>
           </a:p>
         </p:txBody>
       </p:sp>
     </p:spTree>
     <p:extLst>
       <p:ext uri="{BB962C8B-B14F-4D97-AF65-F5344CB8AC3E}">
-        <p14:creationId xmlns:p14="http://schemas.microsoft.com/office/powerpoint/2010/main" val="3657462666"/>
+        <p14:creationId xmlns:p14="http://schemas.microsoft.com/office/powerpoint/2010/main" val="1173481715"/>
       </p:ext>
     </p:extLst>
   </p:cSld>
@@ -3776,7 +3712,7 @@
           <p:cNvPr id="2" name="제목 1">
             <a:extLst>
               <a:ext uri="{FF2B5EF4-FFF2-40B4-BE49-F238E27FC236}">
-                <a16:creationId xmlns:a16="http://schemas.microsoft.com/office/drawing/2014/main" xmlns="" id="{635C47BF-19DD-7A68-913E-EF8F14DBA234}"/>
+                <a16:creationId xmlns:a16="http://schemas.microsoft.com/office/drawing/2014/main" id="{635C47BF-19DD-7A68-913E-EF8F14DBA234}"/>
               </a:ext>
             </a:extLst>
           </p:cNvPr>
@@ -3804,10 +3740,22 @@
               <a:buChar char="•"/>
             </a:pPr>
             <a:r>
-              <a:rPr lang="ko-KR" altLang="en-US" sz="3200" dirty="0" err="1" smtClean="0">
+              <a:rPr lang="en-US" altLang="ko-KR" sz="3200" dirty="0">
                 <a:latin typeface="+mj-ea"/>
               </a:rPr>
-              <a:t>ㅇ</a:t>
+              <a:t>Database</a:t>
+            </a:r>
+            <a:r>
+              <a:rPr lang="ko-KR" altLang="en-US" sz="3200" dirty="0">
+                <a:latin typeface="+mj-ea"/>
+              </a:rPr>
+              <a:t> 실습 </a:t>
+            </a:r>
+            <a:r>
+              <a:rPr lang="en-US" altLang="ko-KR" sz="3200" dirty="0">
+                <a:latin typeface="+mj-ea"/>
+              </a:rPr>
+              <a:t>1</a:t>
             </a:r>
             <a:endParaRPr lang="ko-KR" altLang="en-US" sz="3200" dirty="0">
               <a:latin typeface="+mj-ea"/>
@@ -3817,56 +3765,10 @@
       </p:sp>
       <p:sp>
         <p:nvSpPr>
-          <p:cNvPr id="11" name="화살표: 오른쪽 2">
-            <a:extLst>
-              <a:ext uri="{FF2B5EF4-FFF2-40B4-BE49-F238E27FC236}">
-                <a16:creationId xmlns:a16="http://schemas.microsoft.com/office/drawing/2014/main" xmlns="" id="{5F46D10A-AEFB-C08C-F009-C76E5C32C589}"/>
-              </a:ext>
-            </a:extLst>
-          </p:cNvPr>
-          <p:cNvSpPr/>
-          <p:nvPr/>
-        </p:nvSpPr>
-        <p:spPr>
-          <a:xfrm>
-            <a:off x="10461507" y="935233"/>
-            <a:ext cx="1335428" cy="666891"/>
-          </a:xfrm>
-          <a:prstGeom prst="rightArrow">
-            <a:avLst/>
-          </a:prstGeom>
-        </p:spPr>
-        <p:style>
-          <a:lnRef idx="2">
-            <a:schemeClr val="accent1">
-              <a:shade val="50000"/>
-            </a:schemeClr>
-          </a:lnRef>
-          <a:fillRef idx="1">
-            <a:schemeClr val="accent1"/>
-          </a:fillRef>
-          <a:effectRef idx="0">
-            <a:schemeClr val="accent1"/>
-          </a:effectRef>
-          <a:fontRef idx="minor">
-            <a:schemeClr val="lt1"/>
-          </a:fontRef>
-        </p:style>
-        <p:txBody>
-          <a:bodyPr rtlCol="0" anchor="ctr"/>
-          <a:lstStyle/>
-          <a:p>
-            <a:pPr algn="ctr"/>
-            <a:endParaRPr lang="ko-KR" altLang="en-US"/>
-          </a:p>
-        </p:txBody>
-      </p:sp>
-      <p:sp>
-        <p:nvSpPr>
-          <p:cNvPr id="12" name="TextBox 11">
-            <a:extLst>
-              <a:ext uri="{FF2B5EF4-FFF2-40B4-BE49-F238E27FC236}">
-                <a16:creationId xmlns:a16="http://schemas.microsoft.com/office/drawing/2014/main" xmlns="" id="{6215690D-0311-7CF3-12F2-BCBF28FE0859}"/>
+          <p:cNvPr id="7" name="TextBox 6">
+            <a:extLst>
+              <a:ext uri="{FF2B5EF4-FFF2-40B4-BE49-F238E27FC236}">
+                <a16:creationId xmlns:a16="http://schemas.microsoft.com/office/drawing/2014/main" id="{BBE37598-1FC2-5986-188D-E73D2840335E}"/>
               </a:ext>
             </a:extLst>
           </p:cNvPr>
@@ -3875,8 +3777,8 @@
         </p:nvSpPr>
         <p:spPr>
           <a:xfrm>
-            <a:off x="10354843" y="313307"/>
-            <a:ext cx="1442092" cy="523220"/>
+            <a:off x="479323" y="5389429"/>
+            <a:ext cx="6315760" cy="369332"/>
           </a:xfrm>
           <a:prstGeom prst="rect">
             <a:avLst/>
@@ -3889,42 +3791,124 @@
           </a:bodyPr>
           <a:lstStyle/>
           <a:p>
-            <a:r>
-              <a:rPr lang="en-US" altLang="ko-KR" sz="2800" dirty="0">
-                <a:solidFill>
-                  <a:schemeClr val="accent1"/>
-                </a:solidFill>
-              </a:rPr>
-              <a:t>&lt; </a:t>
-            </a:r>
-            <a:r>
-              <a:rPr lang="ko-KR" altLang="en-US" sz="2800" dirty="0">
-                <a:solidFill>
-                  <a:schemeClr val="accent1"/>
-                </a:solidFill>
-              </a:rPr>
-              <a:t>결과 </a:t>
-            </a:r>
-            <a:r>
-              <a:rPr lang="en-US" altLang="ko-KR" sz="2800" dirty="0">
-                <a:solidFill>
-                  <a:schemeClr val="accent1"/>
-                </a:solidFill>
-              </a:rPr>
-              <a:t>&gt;</a:t>
-            </a:r>
-            <a:endParaRPr lang="ko-KR" altLang="en-US" sz="2800" dirty="0">
-              <a:solidFill>
-                <a:schemeClr val="accent1"/>
-              </a:solidFill>
-            </a:endParaRPr>
-          </a:p>
-        </p:txBody>
-      </p:sp>
+            <a:pPr marL="285750" indent="-285750">
+              <a:buFont typeface="Arial" panose="020B0604020202020204" pitchFamily="34" charset="0"/>
+              <a:buChar char="•"/>
+            </a:pPr>
+            <a:r>
+              <a:rPr lang="en-US" altLang="ko-KR" dirty="0"/>
+              <a:t>intro.html </a:t>
+            </a:r>
+            <a:r>
+              <a:rPr lang="ko-KR" altLang="en-US" dirty="0"/>
+              <a:t>의 메뉴 제목 작성</a:t>
+            </a:r>
+          </a:p>
+        </p:txBody>
+      </p:sp>
+      <p:sp>
+        <p:nvSpPr>
+          <p:cNvPr id="8" name="TextBox 7">
+            <a:extLst>
+              <a:ext uri="{FF2B5EF4-FFF2-40B4-BE49-F238E27FC236}">
+                <a16:creationId xmlns:a16="http://schemas.microsoft.com/office/drawing/2014/main" id="{D12A3956-BFCB-B8B6-9A9F-B0CDD3864CB8}"/>
+              </a:ext>
+            </a:extLst>
+          </p:cNvPr>
+          <p:cNvSpPr txBox="1"/>
+          <p:nvPr/>
+        </p:nvSpPr>
+        <p:spPr>
+          <a:xfrm>
+            <a:off x="8792806" y="5381517"/>
+            <a:ext cx="3288577" cy="377244"/>
+          </a:xfrm>
+          <a:prstGeom prst="rect">
+            <a:avLst/>
+          </a:prstGeom>
+          <a:noFill/>
+        </p:spPr>
+        <p:txBody>
+          <a:bodyPr wrap="square" rtlCol="0">
+            <a:spAutoFit/>
+          </a:bodyPr>
+          <a:lstStyle/>
+          <a:p>
+            <a:pPr marL="285750" indent="-285750">
+              <a:buFont typeface="Arial" panose="020B0604020202020204" pitchFamily="34" charset="0"/>
+              <a:buChar char="•"/>
+            </a:pPr>
+            <a:r>
+              <a:rPr lang="ko-KR" altLang="en-US" dirty="0"/>
+              <a:t>메뉴 연결할 파일들 생성</a:t>
+            </a:r>
+          </a:p>
+        </p:txBody>
+      </p:sp>
+      <p:pic>
+        <p:nvPicPr>
+          <p:cNvPr id="10" name="그림 9">
+            <a:extLst>
+              <a:ext uri="{FF2B5EF4-FFF2-40B4-BE49-F238E27FC236}">
+                <a16:creationId xmlns:a16="http://schemas.microsoft.com/office/drawing/2014/main" id="{B875D464-D1DD-D250-192D-2542AACAEC16}"/>
+              </a:ext>
+            </a:extLst>
+          </p:cNvPr>
+          <p:cNvPicPr>
+            <a:picLocks noChangeAspect="1"/>
+          </p:cNvPicPr>
+          <p:nvPr/>
+        </p:nvPicPr>
+        <p:blipFill>
+          <a:blip r:embed="rId2"/>
+          <a:stretch>
+            <a:fillRect/>
+          </a:stretch>
+        </p:blipFill>
+        <p:spPr>
+          <a:xfrm>
+            <a:off x="479323" y="1275748"/>
+            <a:ext cx="8211670" cy="3125549"/>
+          </a:xfrm>
+          <a:prstGeom prst="rect">
+            <a:avLst/>
+          </a:prstGeom>
+        </p:spPr>
+      </p:pic>
+      <p:pic>
+        <p:nvPicPr>
+          <p:cNvPr id="14" name="그림 13">
+            <a:extLst>
+              <a:ext uri="{FF2B5EF4-FFF2-40B4-BE49-F238E27FC236}">
+                <a16:creationId xmlns:a16="http://schemas.microsoft.com/office/drawing/2014/main" id="{FFC018AD-F56A-6B2D-30FD-BEFC47B4756F}"/>
+              </a:ext>
+            </a:extLst>
+          </p:cNvPr>
+          <p:cNvPicPr>
+            <a:picLocks noChangeAspect="1"/>
+          </p:cNvPicPr>
+          <p:nvPr/>
+        </p:nvPicPr>
+        <p:blipFill>
+          <a:blip r:embed="rId3"/>
+          <a:stretch>
+            <a:fillRect/>
+          </a:stretch>
+        </p:blipFill>
+        <p:spPr>
+          <a:xfrm>
+            <a:off x="8992285" y="1275748"/>
+            <a:ext cx="2596532" cy="3821032"/>
+          </a:xfrm>
+          <a:prstGeom prst="rect">
+            <a:avLst/>
+          </a:prstGeom>
+        </p:spPr>
+      </p:pic>
     </p:spTree>
     <p:extLst>
       <p:ext uri="{BB962C8B-B14F-4D97-AF65-F5344CB8AC3E}">
-        <p14:creationId xmlns:p14="http://schemas.microsoft.com/office/powerpoint/2010/main" val="3075737409"/>
+        <p14:creationId xmlns:p14="http://schemas.microsoft.com/office/powerpoint/2010/main" val="1763487357"/>
       </p:ext>
     </p:extLst>
   </p:cSld>
@@ -3956,7 +3940,7 @@
           <p:cNvPr id="2" name="제목 1">
             <a:extLst>
               <a:ext uri="{FF2B5EF4-FFF2-40B4-BE49-F238E27FC236}">
-                <a16:creationId xmlns:a16="http://schemas.microsoft.com/office/drawing/2014/main" xmlns="" id="{635C47BF-19DD-7A68-913E-EF8F14DBA234}"/>
+                <a16:creationId xmlns:a16="http://schemas.microsoft.com/office/drawing/2014/main" id="{635C47BF-19DD-7A68-913E-EF8F14DBA234}"/>
               </a:ext>
             </a:extLst>
           </p:cNvPr>
@@ -3984,10 +3968,22 @@
               <a:buChar char="•"/>
             </a:pPr>
             <a:r>
-              <a:rPr lang="ko-KR" altLang="en-US" sz="3200" dirty="0" err="1" smtClean="0">
+              <a:rPr lang="en-US" altLang="ko-KR" sz="3200" dirty="0">
                 <a:latin typeface="+mj-ea"/>
               </a:rPr>
-              <a:t>ㅇ</a:t>
+              <a:t>Database</a:t>
+            </a:r>
+            <a:r>
+              <a:rPr lang="ko-KR" altLang="en-US" sz="3200" dirty="0">
+                <a:latin typeface="+mj-ea"/>
+              </a:rPr>
+              <a:t> 실습 </a:t>
+            </a:r>
+            <a:r>
+              <a:rPr lang="en-US" altLang="ko-KR" sz="3200" dirty="0">
+                <a:latin typeface="+mj-ea"/>
+              </a:rPr>
+              <a:t>1</a:t>
             </a:r>
             <a:endParaRPr lang="ko-KR" altLang="en-US" sz="3200" dirty="0">
               <a:latin typeface="+mj-ea"/>
@@ -3997,56 +3993,10 @@
       </p:sp>
       <p:sp>
         <p:nvSpPr>
-          <p:cNvPr id="11" name="화살표: 오른쪽 2">
-            <a:extLst>
-              <a:ext uri="{FF2B5EF4-FFF2-40B4-BE49-F238E27FC236}">
-                <a16:creationId xmlns:a16="http://schemas.microsoft.com/office/drawing/2014/main" xmlns="" id="{5F46D10A-AEFB-C08C-F009-C76E5C32C589}"/>
-              </a:ext>
-            </a:extLst>
-          </p:cNvPr>
-          <p:cNvSpPr/>
-          <p:nvPr/>
-        </p:nvSpPr>
-        <p:spPr>
-          <a:xfrm>
-            <a:off x="10461507" y="935233"/>
-            <a:ext cx="1335428" cy="666891"/>
-          </a:xfrm>
-          <a:prstGeom prst="rightArrow">
-            <a:avLst/>
-          </a:prstGeom>
-        </p:spPr>
-        <p:style>
-          <a:lnRef idx="2">
-            <a:schemeClr val="accent1">
-              <a:shade val="50000"/>
-            </a:schemeClr>
-          </a:lnRef>
-          <a:fillRef idx="1">
-            <a:schemeClr val="accent1"/>
-          </a:fillRef>
-          <a:effectRef idx="0">
-            <a:schemeClr val="accent1"/>
-          </a:effectRef>
-          <a:fontRef idx="minor">
-            <a:schemeClr val="lt1"/>
-          </a:fontRef>
-        </p:style>
-        <p:txBody>
-          <a:bodyPr rtlCol="0" anchor="ctr"/>
-          <a:lstStyle/>
-          <a:p>
-            <a:pPr algn="ctr"/>
-            <a:endParaRPr lang="ko-KR" altLang="en-US"/>
-          </a:p>
-        </p:txBody>
-      </p:sp>
-      <p:sp>
-        <p:nvSpPr>
-          <p:cNvPr id="12" name="TextBox 11">
-            <a:extLst>
-              <a:ext uri="{FF2B5EF4-FFF2-40B4-BE49-F238E27FC236}">
-                <a16:creationId xmlns:a16="http://schemas.microsoft.com/office/drawing/2014/main" xmlns="" id="{6215690D-0311-7CF3-12F2-BCBF28FE0859}"/>
+          <p:cNvPr id="5" name="TextBox 4">
+            <a:extLst>
+              <a:ext uri="{FF2B5EF4-FFF2-40B4-BE49-F238E27FC236}">
+                <a16:creationId xmlns:a16="http://schemas.microsoft.com/office/drawing/2014/main" id="{695B5B5E-2B24-FAD1-71E4-74529657DBD4}"/>
               </a:ext>
             </a:extLst>
           </p:cNvPr>
@@ -4055,8 +4005,8 @@
         </p:nvSpPr>
         <p:spPr>
           <a:xfrm>
-            <a:off x="10354843" y="313307"/>
-            <a:ext cx="1442092" cy="523220"/>
+            <a:off x="479323" y="6060548"/>
+            <a:ext cx="6315760" cy="369332"/>
           </a:xfrm>
           <a:prstGeom prst="rect">
             <a:avLst/>
@@ -4069,42 +4019,67 @@
           </a:bodyPr>
           <a:lstStyle/>
           <a:p>
-            <a:r>
-              <a:rPr lang="en-US" altLang="ko-KR" sz="2800" dirty="0">
-                <a:solidFill>
-                  <a:schemeClr val="accent1"/>
-                </a:solidFill>
-              </a:rPr>
-              <a:t>&lt; </a:t>
-            </a:r>
-            <a:r>
-              <a:rPr lang="ko-KR" altLang="en-US" sz="2800" dirty="0">
-                <a:solidFill>
-                  <a:schemeClr val="accent1"/>
-                </a:solidFill>
-              </a:rPr>
-              <a:t>결과 </a:t>
-            </a:r>
-            <a:r>
-              <a:rPr lang="en-US" altLang="ko-KR" sz="2800" dirty="0">
-                <a:solidFill>
-                  <a:schemeClr val="accent1"/>
-                </a:solidFill>
-              </a:rPr>
-              <a:t>&gt;</a:t>
-            </a:r>
-            <a:endParaRPr lang="ko-KR" altLang="en-US" sz="2800" dirty="0">
-              <a:solidFill>
-                <a:schemeClr val="accent1"/>
-              </a:solidFill>
-            </a:endParaRPr>
-          </a:p>
-        </p:txBody>
-      </p:sp>
+            <a:pPr marL="285750" indent="-285750">
+              <a:buFont typeface="Arial" panose="020B0604020202020204" pitchFamily="34" charset="0"/>
+              <a:buChar char="•"/>
+            </a:pPr>
+            <a:r>
+              <a:rPr lang="en-US" altLang="ko-KR" dirty="0"/>
+              <a:t>menu.html </a:t>
+            </a:r>
+            <a:r>
+              <a:rPr lang="ko-KR" altLang="en-US" dirty="0"/>
+              <a:t>의 메뉴 </a:t>
+            </a:r>
+            <a:r>
+              <a:rPr lang="en-US" altLang="ko-KR" dirty="0" err="1"/>
+              <a:t>url</a:t>
+            </a:r>
+            <a:r>
+              <a:rPr lang="en-US" altLang="ko-KR" dirty="0"/>
+              <a:t> </a:t>
+            </a:r>
+            <a:r>
+              <a:rPr lang="ko-KR" altLang="en-US" dirty="0"/>
+              <a:t>연결 코드 작성</a:t>
+            </a:r>
+          </a:p>
+        </p:txBody>
+      </p:sp>
+      <p:pic>
+        <p:nvPicPr>
+          <p:cNvPr id="7" name="그림 6">
+            <a:extLst>
+              <a:ext uri="{FF2B5EF4-FFF2-40B4-BE49-F238E27FC236}">
+                <a16:creationId xmlns:a16="http://schemas.microsoft.com/office/drawing/2014/main" id="{FA19736E-F22D-93F6-FE89-5A19585FC55F}"/>
+              </a:ext>
+            </a:extLst>
+          </p:cNvPr>
+          <p:cNvPicPr>
+            <a:picLocks noChangeAspect="1"/>
+          </p:cNvPicPr>
+          <p:nvPr/>
+        </p:nvPicPr>
+        <p:blipFill>
+          <a:blip r:embed="rId2"/>
+          <a:stretch>
+            <a:fillRect/>
+          </a:stretch>
+        </p:blipFill>
+        <p:spPr>
+          <a:xfrm>
+            <a:off x="479323" y="1128391"/>
+            <a:ext cx="10474226" cy="4777197"/>
+          </a:xfrm>
+          <a:prstGeom prst="rect">
+            <a:avLst/>
+          </a:prstGeom>
+        </p:spPr>
+      </p:pic>
     </p:spTree>
     <p:extLst>
       <p:ext uri="{BB962C8B-B14F-4D97-AF65-F5344CB8AC3E}">
-        <p14:creationId xmlns:p14="http://schemas.microsoft.com/office/powerpoint/2010/main" val="207953235"/>
+        <p14:creationId xmlns:p14="http://schemas.microsoft.com/office/powerpoint/2010/main" val="2609123305"/>
       </p:ext>
     </p:extLst>
   </p:cSld>
@@ -4136,7 +4111,7 @@
           <p:cNvPr id="2" name="제목 1">
             <a:extLst>
               <a:ext uri="{FF2B5EF4-FFF2-40B4-BE49-F238E27FC236}">
-                <a16:creationId xmlns:a16="http://schemas.microsoft.com/office/drawing/2014/main" xmlns="" id="{635C47BF-19DD-7A68-913E-EF8F14DBA234}"/>
+                <a16:creationId xmlns:a16="http://schemas.microsoft.com/office/drawing/2014/main" id="{635C47BF-19DD-7A68-913E-EF8F14DBA234}"/>
               </a:ext>
             </a:extLst>
           </p:cNvPr>
@@ -4164,10 +4139,22 @@
               <a:buChar char="•"/>
             </a:pPr>
             <a:r>
-              <a:rPr lang="ko-KR" altLang="en-US" sz="3200" dirty="0" err="1" smtClean="0">
+              <a:rPr lang="en-US" altLang="ko-KR" sz="3200" dirty="0">
                 <a:latin typeface="+mj-ea"/>
               </a:rPr>
-              <a:t>ㅇ</a:t>
+              <a:t>Database</a:t>
+            </a:r>
+            <a:r>
+              <a:rPr lang="ko-KR" altLang="en-US" sz="3200" dirty="0">
+                <a:latin typeface="+mj-ea"/>
+              </a:rPr>
+              <a:t> 실습 </a:t>
+            </a:r>
+            <a:r>
+              <a:rPr lang="en-US" altLang="ko-KR" sz="3200" dirty="0">
+                <a:latin typeface="+mj-ea"/>
+              </a:rPr>
+              <a:t>1</a:t>
             </a:r>
             <a:endParaRPr lang="ko-KR" altLang="en-US" sz="3200" dirty="0">
               <a:latin typeface="+mj-ea"/>
@@ -4177,10 +4164,83 @@
       </p:sp>
       <p:sp>
         <p:nvSpPr>
-          <p:cNvPr id="11" name="화살표: 오른쪽 2">
-            <a:extLst>
-              <a:ext uri="{FF2B5EF4-FFF2-40B4-BE49-F238E27FC236}">
-                <a16:creationId xmlns:a16="http://schemas.microsoft.com/office/drawing/2014/main" xmlns="" id="{5F46D10A-AEFB-C08C-F009-C76E5C32C589}"/>
+          <p:cNvPr id="5" name="TextBox 4">
+            <a:extLst>
+              <a:ext uri="{FF2B5EF4-FFF2-40B4-BE49-F238E27FC236}">
+                <a16:creationId xmlns:a16="http://schemas.microsoft.com/office/drawing/2014/main" id="{0FC5EAC4-9322-EE61-1F1D-5A92087EAA28}"/>
+              </a:ext>
+            </a:extLst>
+          </p:cNvPr>
+          <p:cNvSpPr txBox="1"/>
+          <p:nvPr/>
+        </p:nvSpPr>
+        <p:spPr>
+          <a:xfrm>
+            <a:off x="479323" y="4309327"/>
+            <a:ext cx="6315760" cy="369332"/>
+          </a:xfrm>
+          <a:prstGeom prst="rect">
+            <a:avLst/>
+          </a:prstGeom>
+          <a:noFill/>
+        </p:spPr>
+        <p:txBody>
+          <a:bodyPr wrap="square" rtlCol="0">
+            <a:spAutoFit/>
+          </a:bodyPr>
+          <a:lstStyle/>
+          <a:p>
+            <a:pPr marL="285750" indent="-285750">
+              <a:buFont typeface="Arial" panose="020B0604020202020204" pitchFamily="34" charset="0"/>
+              <a:buChar char="•"/>
+            </a:pPr>
+            <a:r>
+              <a:rPr lang="en-US" altLang="ko-KR" dirty="0"/>
+              <a:t>index.html </a:t>
+            </a:r>
+            <a:r>
+              <a:rPr lang="ko-KR" altLang="en-US" dirty="0"/>
+              <a:t>의 프레임 분할 코드 작성</a:t>
+            </a:r>
+          </a:p>
+        </p:txBody>
+      </p:sp>
+      <p:pic>
+        <p:nvPicPr>
+          <p:cNvPr id="6" name="그림 5">
+            <a:extLst>
+              <a:ext uri="{FF2B5EF4-FFF2-40B4-BE49-F238E27FC236}">
+                <a16:creationId xmlns:a16="http://schemas.microsoft.com/office/drawing/2014/main" id="{59DF7162-DBAC-FEB4-21B5-E32A7227207D}"/>
+              </a:ext>
+            </a:extLst>
+          </p:cNvPr>
+          <p:cNvPicPr>
+            <a:picLocks noChangeAspect="1"/>
+          </p:cNvPicPr>
+          <p:nvPr/>
+        </p:nvPicPr>
+        <p:blipFill>
+          <a:blip r:embed="rId2"/>
+          <a:stretch>
+            <a:fillRect/>
+          </a:stretch>
+        </p:blipFill>
+        <p:spPr>
+          <a:xfrm>
+            <a:off x="5431935" y="4934100"/>
+            <a:ext cx="6365000" cy="1478525"/>
+          </a:xfrm>
+          <a:prstGeom prst="rect">
+            <a:avLst/>
+          </a:prstGeom>
+        </p:spPr>
+      </p:pic>
+      <p:sp>
+        <p:nvSpPr>
+          <p:cNvPr id="7" name="화살표: 오른쪽 2">
+            <a:extLst>
+              <a:ext uri="{FF2B5EF4-FFF2-40B4-BE49-F238E27FC236}">
+                <a16:creationId xmlns:a16="http://schemas.microsoft.com/office/drawing/2014/main" id="{209CDD8D-DDE4-704D-B727-D15F2BF28F5B}"/>
               </a:ext>
             </a:extLst>
           </p:cNvPr>
@@ -4189,7 +4249,7 @@
         </p:nvSpPr>
         <p:spPr>
           <a:xfrm>
-            <a:off x="10461507" y="935233"/>
+            <a:off x="4102652" y="5640504"/>
             <a:ext cx="1335428" cy="666891"/>
           </a:xfrm>
           <a:prstGeom prst="rightArrow">
@@ -4223,10 +4283,10 @@
       </p:sp>
       <p:sp>
         <p:nvSpPr>
-          <p:cNvPr id="12" name="TextBox 11">
-            <a:extLst>
-              <a:ext uri="{FF2B5EF4-FFF2-40B4-BE49-F238E27FC236}">
-                <a16:creationId xmlns:a16="http://schemas.microsoft.com/office/drawing/2014/main" xmlns="" id="{6215690D-0311-7CF3-12F2-BCBF28FE0859}"/>
+          <p:cNvPr id="8" name="TextBox 7">
+            <a:extLst>
+              <a:ext uri="{FF2B5EF4-FFF2-40B4-BE49-F238E27FC236}">
+                <a16:creationId xmlns:a16="http://schemas.microsoft.com/office/drawing/2014/main" id="{C40C7C38-A0B8-82FD-2609-ACA5B75CB3A6}"/>
               </a:ext>
             </a:extLst>
           </p:cNvPr>
@@ -4235,7 +4295,7 @@
         </p:nvSpPr>
         <p:spPr>
           <a:xfrm>
-            <a:off x="10354843" y="313307"/>
+            <a:off x="3995988" y="5018578"/>
             <a:ext cx="1442092" cy="523220"/>
           </a:xfrm>
           <a:prstGeom prst="rect">
@@ -4281,10 +4341,40 @@
           </a:p>
         </p:txBody>
       </p:sp>
+      <p:pic>
+        <p:nvPicPr>
+          <p:cNvPr id="10" name="그림 9">
+            <a:extLst>
+              <a:ext uri="{FF2B5EF4-FFF2-40B4-BE49-F238E27FC236}">
+                <a16:creationId xmlns:a16="http://schemas.microsoft.com/office/drawing/2014/main" id="{232A0EB2-20C8-9FC3-FEF4-0B4C50F1F09C}"/>
+              </a:ext>
+            </a:extLst>
+          </p:cNvPr>
+          <p:cNvPicPr>
+            <a:picLocks noChangeAspect="1"/>
+          </p:cNvPicPr>
+          <p:nvPr/>
+        </p:nvPicPr>
+        <p:blipFill>
+          <a:blip r:embed="rId3"/>
+          <a:stretch>
+            <a:fillRect/>
+          </a:stretch>
+        </p:blipFill>
+        <p:spPr>
+          <a:xfrm>
+            <a:off x="479323" y="1215570"/>
+            <a:ext cx="11362452" cy="2838317"/>
+          </a:xfrm>
+          <a:prstGeom prst="rect">
+            <a:avLst/>
+          </a:prstGeom>
+        </p:spPr>
+      </p:pic>
     </p:spTree>
     <p:extLst>
       <p:ext uri="{BB962C8B-B14F-4D97-AF65-F5344CB8AC3E}">
-        <p14:creationId xmlns:p14="http://schemas.microsoft.com/office/powerpoint/2010/main" val="3521061060"/>
+        <p14:creationId xmlns:p14="http://schemas.microsoft.com/office/powerpoint/2010/main" val="1407723158"/>
       </p:ext>
     </p:extLst>
   </p:cSld>
@@ -4316,7 +4406,7 @@
           <p:cNvPr id="2" name="제목 1">
             <a:extLst>
               <a:ext uri="{FF2B5EF4-FFF2-40B4-BE49-F238E27FC236}">
-                <a16:creationId xmlns:a16="http://schemas.microsoft.com/office/drawing/2014/main" xmlns="" id="{635C47BF-19DD-7A68-913E-EF8F14DBA234}"/>
+                <a16:creationId xmlns:a16="http://schemas.microsoft.com/office/drawing/2014/main" id="{635C47BF-19DD-7A68-913E-EF8F14DBA234}"/>
               </a:ext>
             </a:extLst>
           </p:cNvPr>
@@ -4344,69 +4434,50 @@
               <a:buChar char="•"/>
             </a:pPr>
             <a:r>
-              <a:rPr lang="ko-KR" altLang="en-US" sz="3200" dirty="0" err="1" smtClean="0">
+              <a:rPr lang="ko-KR" altLang="en-US" sz="3200" dirty="0">
                 <a:latin typeface="+mj-ea"/>
               </a:rPr>
-              <a:t>ㅇ</a:t>
-            </a:r>
-            <a:endParaRPr lang="ko-KR" altLang="en-US" sz="3200" dirty="0">
-              <a:latin typeface="+mj-ea"/>
-            </a:endParaRPr>
-          </a:p>
-        </p:txBody>
-      </p:sp>
-      <p:sp>
-        <p:nvSpPr>
-          <p:cNvPr id="11" name="화살표: 오른쪽 2">
-            <a:extLst>
-              <a:ext uri="{FF2B5EF4-FFF2-40B4-BE49-F238E27FC236}">
-                <a16:creationId xmlns:a16="http://schemas.microsoft.com/office/drawing/2014/main" xmlns="" id="{5F46D10A-AEFB-C08C-F009-C76E5C32C589}"/>
-              </a:ext>
-            </a:extLst>
-          </p:cNvPr>
-          <p:cNvSpPr/>
+              <a:t>테이블 만들기</a:t>
+            </a:r>
+          </a:p>
+        </p:txBody>
+      </p:sp>
+      <p:pic>
+        <p:nvPicPr>
+          <p:cNvPr id="4" name="그림 3">
+            <a:extLst>
+              <a:ext uri="{FF2B5EF4-FFF2-40B4-BE49-F238E27FC236}">
+                <a16:creationId xmlns:a16="http://schemas.microsoft.com/office/drawing/2014/main" id="{6BBD7ADE-8125-18C3-6BBA-DB47E9E6665D}"/>
+              </a:ext>
+            </a:extLst>
+          </p:cNvPr>
+          <p:cNvPicPr>
+            <a:picLocks noChangeAspect="1"/>
+          </p:cNvPicPr>
           <p:nvPr/>
-        </p:nvSpPr>
-        <p:spPr>
-          <a:xfrm>
-            <a:off x="10461507" y="935233"/>
-            <a:ext cx="1335428" cy="666891"/>
-          </a:xfrm>
-          <a:prstGeom prst="rightArrow">
-            <a:avLst/>
-          </a:prstGeom>
-        </p:spPr>
-        <p:style>
-          <a:lnRef idx="2">
-            <a:schemeClr val="accent1">
-              <a:shade val="50000"/>
-            </a:schemeClr>
-          </a:lnRef>
-          <a:fillRef idx="1">
-            <a:schemeClr val="accent1"/>
-          </a:fillRef>
-          <a:effectRef idx="0">
-            <a:schemeClr val="accent1"/>
-          </a:effectRef>
-          <a:fontRef idx="minor">
-            <a:schemeClr val="lt1"/>
-          </a:fontRef>
-        </p:style>
-        <p:txBody>
-          <a:bodyPr rtlCol="0" anchor="ctr"/>
-          <a:lstStyle/>
-          <a:p>
-            <a:pPr algn="ctr"/>
-            <a:endParaRPr lang="ko-KR" altLang="en-US"/>
-          </a:p>
-        </p:txBody>
-      </p:sp>
-      <p:sp>
-        <p:nvSpPr>
-          <p:cNvPr id="12" name="TextBox 11">
-            <a:extLst>
-              <a:ext uri="{FF2B5EF4-FFF2-40B4-BE49-F238E27FC236}">
-                <a16:creationId xmlns:a16="http://schemas.microsoft.com/office/drawing/2014/main" xmlns="" id="{6215690D-0311-7CF3-12F2-BCBF28FE0859}"/>
+        </p:nvPicPr>
+        <p:blipFill>
+          <a:blip r:embed="rId2"/>
+          <a:stretch>
+            <a:fillRect/>
+          </a:stretch>
+        </p:blipFill>
+        <p:spPr>
+          <a:xfrm>
+            <a:off x="606820" y="1185449"/>
+            <a:ext cx="8392801" cy="4731039"/>
+          </a:xfrm>
+          <a:prstGeom prst="rect">
+            <a:avLst/>
+          </a:prstGeom>
+        </p:spPr>
+      </p:pic>
+      <p:sp>
+        <p:nvSpPr>
+          <p:cNvPr id="5" name="TextBox 4">
+            <a:extLst>
+              <a:ext uri="{FF2B5EF4-FFF2-40B4-BE49-F238E27FC236}">
+                <a16:creationId xmlns:a16="http://schemas.microsoft.com/office/drawing/2014/main" id="{46653619-3395-431C-C854-5BC4A107AE33}"/>
               </a:ext>
             </a:extLst>
           </p:cNvPr>
@@ -4415,8 +4486,8 @@
         </p:nvSpPr>
         <p:spPr>
           <a:xfrm>
-            <a:off x="10354843" y="313307"/>
-            <a:ext cx="1442092" cy="523220"/>
+            <a:off x="606820" y="6122729"/>
+            <a:ext cx="6315760" cy="369332"/>
           </a:xfrm>
           <a:prstGeom prst="rect">
             <a:avLst/>
@@ -4429,42 +4500,25 @@
           </a:bodyPr>
           <a:lstStyle/>
           <a:p>
-            <a:r>
-              <a:rPr lang="en-US" altLang="ko-KR" sz="2800" dirty="0">
-                <a:solidFill>
-                  <a:schemeClr val="accent1"/>
-                </a:solidFill>
-              </a:rPr>
-              <a:t>&lt; </a:t>
-            </a:r>
-            <a:r>
-              <a:rPr lang="ko-KR" altLang="en-US" sz="2800" dirty="0">
-                <a:solidFill>
-                  <a:schemeClr val="accent1"/>
-                </a:solidFill>
-              </a:rPr>
-              <a:t>결과 </a:t>
-            </a:r>
-            <a:r>
-              <a:rPr lang="en-US" altLang="ko-KR" sz="2800" dirty="0">
-                <a:solidFill>
-                  <a:schemeClr val="accent1"/>
-                </a:solidFill>
-              </a:rPr>
-              <a:t>&gt;</a:t>
-            </a:r>
-            <a:endParaRPr lang="ko-KR" altLang="en-US" sz="2800" dirty="0">
-              <a:solidFill>
-                <a:schemeClr val="accent1"/>
-              </a:solidFill>
-            </a:endParaRPr>
+            <a:pPr marL="285750" indent="-285750">
+              <a:buFont typeface="Arial" panose="020B0604020202020204" pitchFamily="34" charset="0"/>
+              <a:buChar char="•"/>
+            </a:pPr>
+            <a:r>
+              <a:rPr lang="en-US" altLang="ko-KR" dirty="0" err="1"/>
+              <a:t>createDB.jsp</a:t>
+            </a:r>
+            <a:r>
+              <a:rPr lang="ko-KR" altLang="en-US" dirty="0"/>
+              <a:t> 의 테이블 생성 코드 작성</a:t>
+            </a:r>
           </a:p>
         </p:txBody>
       </p:sp>
     </p:spTree>
     <p:extLst>
       <p:ext uri="{BB962C8B-B14F-4D97-AF65-F5344CB8AC3E}">
-        <p14:creationId xmlns:p14="http://schemas.microsoft.com/office/powerpoint/2010/main" val="2699532495"/>
+        <p14:creationId xmlns:p14="http://schemas.microsoft.com/office/powerpoint/2010/main" val="3738198476"/>
       </p:ext>
     </p:extLst>
   </p:cSld>
@@ -4493,54 +4547,10 @@
       </p:grpSpPr>
       <p:sp>
         <p:nvSpPr>
-          <p:cNvPr id="2" name="제목 1">
-            <a:extLst>
-              <a:ext uri="{FF2B5EF4-FFF2-40B4-BE49-F238E27FC236}">
-                <a16:creationId xmlns:a16="http://schemas.microsoft.com/office/drawing/2014/main" xmlns="" id="{635C47BF-19DD-7A68-913E-EF8F14DBA234}"/>
-              </a:ext>
-            </a:extLst>
-          </p:cNvPr>
-          <p:cNvSpPr>
-            <a:spLocks noGrp="1"/>
-          </p:cNvSpPr>
-          <p:nvPr>
-            <p:ph type="title"/>
-          </p:nvPr>
-        </p:nvSpPr>
-        <p:spPr>
-          <a:xfrm>
-            <a:off x="479323" y="550605"/>
-            <a:ext cx="9875520" cy="481781"/>
-          </a:xfrm>
-        </p:spPr>
-        <p:txBody>
-          <a:bodyPr>
-            <a:noAutofit/>
-          </a:bodyPr>
-          <a:lstStyle/>
-          <a:p>
-            <a:pPr marL="571500" indent="-571500">
-              <a:buFont typeface="Arial" panose="020B0604020202020204" pitchFamily="34" charset="0"/>
-              <a:buChar char="•"/>
-            </a:pPr>
-            <a:r>
-              <a:rPr lang="ko-KR" altLang="en-US" sz="3200" dirty="0" err="1" smtClean="0">
-                <a:latin typeface="+mj-ea"/>
-              </a:rPr>
-              <a:t>ㅇ</a:t>
-            </a:r>
-            <a:endParaRPr lang="ko-KR" altLang="en-US" sz="3200" dirty="0">
-              <a:latin typeface="+mj-ea"/>
-            </a:endParaRPr>
-          </a:p>
-        </p:txBody>
-      </p:sp>
-      <p:sp>
-        <p:nvSpPr>
-          <p:cNvPr id="11" name="화살표: 오른쪽 2">
-            <a:extLst>
-              <a:ext uri="{FF2B5EF4-FFF2-40B4-BE49-F238E27FC236}">
-                <a16:creationId xmlns:a16="http://schemas.microsoft.com/office/drawing/2014/main" xmlns="" id="{5F46D10A-AEFB-C08C-F009-C76E5C32C589}"/>
+          <p:cNvPr id="3" name="화살표: 오른쪽 2">
+            <a:extLst>
+              <a:ext uri="{FF2B5EF4-FFF2-40B4-BE49-F238E27FC236}">
+                <a16:creationId xmlns:a16="http://schemas.microsoft.com/office/drawing/2014/main" id="{B88BF7BC-9C0E-F63D-3E9E-F810BD02A8C0}"/>
               </a:ext>
             </a:extLst>
           </p:cNvPr>
@@ -4549,7 +4559,7 @@
         </p:nvSpPr>
         <p:spPr>
           <a:xfrm>
-            <a:off x="10461507" y="935233"/>
+            <a:off x="653364" y="1166240"/>
             <a:ext cx="1335428" cy="666891"/>
           </a:xfrm>
           <a:prstGeom prst="rightArrow">
@@ -4583,10 +4593,10 @@
       </p:sp>
       <p:sp>
         <p:nvSpPr>
-          <p:cNvPr id="12" name="TextBox 11">
-            <a:extLst>
-              <a:ext uri="{FF2B5EF4-FFF2-40B4-BE49-F238E27FC236}">
-                <a16:creationId xmlns:a16="http://schemas.microsoft.com/office/drawing/2014/main" xmlns="" id="{6215690D-0311-7CF3-12F2-BCBF28FE0859}"/>
+          <p:cNvPr id="4" name="TextBox 3">
+            <a:extLst>
+              <a:ext uri="{FF2B5EF4-FFF2-40B4-BE49-F238E27FC236}">
+                <a16:creationId xmlns:a16="http://schemas.microsoft.com/office/drawing/2014/main" id="{B70F0763-7B03-C9CC-68F4-B31D249AE540}"/>
               </a:ext>
             </a:extLst>
           </p:cNvPr>
@@ -4595,7 +4605,7 @@
         </p:nvSpPr>
         <p:spPr>
           <a:xfrm>
-            <a:off x="10354843" y="313307"/>
+            <a:off x="546700" y="544314"/>
             <a:ext cx="1442092" cy="523220"/>
           </a:xfrm>
           <a:prstGeom prst="rect">
@@ -4641,10 +4651,1032 @@
           </a:p>
         </p:txBody>
       </p:sp>
+      <p:pic>
+        <p:nvPicPr>
+          <p:cNvPr id="6" name="그림 5">
+            <a:extLst>
+              <a:ext uri="{FF2B5EF4-FFF2-40B4-BE49-F238E27FC236}">
+                <a16:creationId xmlns:a16="http://schemas.microsoft.com/office/drawing/2014/main" id="{129CD2DD-E35A-8B37-0290-32C3A3691267}"/>
+              </a:ext>
+            </a:extLst>
+          </p:cNvPr>
+          <p:cNvPicPr>
+            <a:picLocks noChangeAspect="1"/>
+          </p:cNvPicPr>
+          <p:nvPr/>
+        </p:nvPicPr>
+        <p:blipFill>
+          <a:blip r:embed="rId2"/>
+          <a:stretch>
+            <a:fillRect/>
+          </a:stretch>
+        </p:blipFill>
+        <p:spPr>
+          <a:xfrm>
+            <a:off x="2526341" y="1166240"/>
+            <a:ext cx="9012295" cy="3390591"/>
+          </a:xfrm>
+          <a:prstGeom prst="rect">
+            <a:avLst/>
+          </a:prstGeom>
+        </p:spPr>
+      </p:pic>
+      <p:sp>
+        <p:nvSpPr>
+          <p:cNvPr id="7" name="TextBox 6">
+            <a:extLst>
+              <a:ext uri="{FF2B5EF4-FFF2-40B4-BE49-F238E27FC236}">
+                <a16:creationId xmlns:a16="http://schemas.microsoft.com/office/drawing/2014/main" id="{C31A5312-651E-1C65-8E1C-8D3CBE2AFC54}"/>
+              </a:ext>
+            </a:extLst>
+          </p:cNvPr>
+          <p:cNvSpPr txBox="1"/>
+          <p:nvPr/>
+        </p:nvSpPr>
+        <p:spPr>
+          <a:xfrm>
+            <a:off x="546700" y="5429710"/>
+            <a:ext cx="6315760" cy="369332"/>
+          </a:xfrm>
+          <a:prstGeom prst="rect">
+            <a:avLst/>
+          </a:prstGeom>
+          <a:noFill/>
+        </p:spPr>
+        <p:txBody>
+          <a:bodyPr wrap="square" rtlCol="0">
+            <a:spAutoFit/>
+          </a:bodyPr>
+          <a:lstStyle/>
+          <a:p>
+            <a:pPr marL="285750" indent="-285750">
+              <a:buFont typeface="Arial" panose="020B0604020202020204" pitchFamily="34" charset="0"/>
+              <a:buChar char="•"/>
+            </a:pPr>
+            <a:r>
+              <a:rPr lang="en-US" altLang="ko-KR" dirty="0" err="1"/>
+              <a:t>createDB.jsp</a:t>
+            </a:r>
+            <a:r>
+              <a:rPr lang="ko-KR" altLang="en-US" dirty="0"/>
+              <a:t> 의 테이블 생성 코드 작동 확인 </a:t>
+            </a:r>
+            <a:r>
+              <a:rPr lang="en-US" altLang="ko-KR" dirty="0"/>
+              <a:t>OK</a:t>
+            </a:r>
+            <a:endParaRPr lang="ko-KR" altLang="en-US" dirty="0"/>
+          </a:p>
+        </p:txBody>
+      </p:sp>
+      <p:pic>
+        <p:nvPicPr>
+          <p:cNvPr id="9" name="그림 8">
+            <a:extLst>
+              <a:ext uri="{FF2B5EF4-FFF2-40B4-BE49-F238E27FC236}">
+                <a16:creationId xmlns:a16="http://schemas.microsoft.com/office/drawing/2014/main" id="{EAD4EA26-3BD7-7291-6934-D052AFD5EAFD}"/>
+              </a:ext>
+            </a:extLst>
+          </p:cNvPr>
+          <p:cNvPicPr>
+            <a:picLocks noChangeAspect="1"/>
+          </p:cNvPicPr>
+          <p:nvPr/>
+        </p:nvPicPr>
+        <p:blipFill>
+          <a:blip r:embed="rId3"/>
+          <a:stretch>
+            <a:fillRect/>
+          </a:stretch>
+        </p:blipFill>
+        <p:spPr>
+          <a:xfrm>
+            <a:off x="8532761" y="4170116"/>
+            <a:ext cx="3112539" cy="2236417"/>
+          </a:xfrm>
+          <a:prstGeom prst="rect">
+            <a:avLst/>
+          </a:prstGeom>
+        </p:spPr>
+      </p:pic>
+      <p:sp>
+        <p:nvSpPr>
+          <p:cNvPr id="10" name="화살표: 오른쪽 9">
+            <a:extLst>
+              <a:ext uri="{FF2B5EF4-FFF2-40B4-BE49-F238E27FC236}">
+                <a16:creationId xmlns:a16="http://schemas.microsoft.com/office/drawing/2014/main" id="{4EB270AC-33E9-B148-B1FB-9B5E82ED2062}"/>
+              </a:ext>
+            </a:extLst>
+          </p:cNvPr>
+          <p:cNvSpPr/>
+          <p:nvPr/>
+        </p:nvSpPr>
+        <p:spPr>
+          <a:xfrm>
+            <a:off x="6744551" y="5148236"/>
+            <a:ext cx="1335428" cy="666891"/>
+          </a:xfrm>
+          <a:prstGeom prst="rightArrow">
+            <a:avLst/>
+          </a:prstGeom>
+        </p:spPr>
+        <p:style>
+          <a:lnRef idx="2">
+            <a:schemeClr val="accent1">
+              <a:shade val="50000"/>
+            </a:schemeClr>
+          </a:lnRef>
+          <a:fillRef idx="1">
+            <a:schemeClr val="accent1"/>
+          </a:fillRef>
+          <a:effectRef idx="0">
+            <a:schemeClr val="accent1"/>
+          </a:effectRef>
+          <a:fontRef idx="minor">
+            <a:schemeClr val="lt1"/>
+          </a:fontRef>
+        </p:style>
+        <p:txBody>
+          <a:bodyPr rtlCol="0" anchor="ctr"/>
+          <a:lstStyle/>
+          <a:p>
+            <a:pPr algn="ctr"/>
+            <a:endParaRPr lang="ko-KR" altLang="en-US"/>
+          </a:p>
+        </p:txBody>
+      </p:sp>
     </p:spTree>
     <p:extLst>
       <p:ext uri="{BB962C8B-B14F-4D97-AF65-F5344CB8AC3E}">
-        <p14:creationId xmlns:p14="http://schemas.microsoft.com/office/powerpoint/2010/main" val="1003849789"/>
+        <p14:creationId xmlns:p14="http://schemas.microsoft.com/office/powerpoint/2010/main" val="2893769048"/>
+      </p:ext>
+    </p:extLst>
+  </p:cSld>
+  <p:clrMapOvr>
+    <a:masterClrMapping/>
+  </p:clrMapOvr>
+</p:sld>
+</file>
+
+<file path=ppt/slides/slide16.xml><?xml version="1.0" encoding="utf-8"?>
+<p:sld xmlns:a="http://schemas.openxmlformats.org/drawingml/2006/main" xmlns:r="http://schemas.openxmlformats.org/officeDocument/2006/relationships" xmlns:p="http://schemas.openxmlformats.org/presentationml/2006/main">
+  <p:cSld>
+    <p:spTree>
+      <p:nvGrpSpPr>
+        <p:cNvPr id="1" name=""/>
+        <p:cNvGrpSpPr/>
+        <p:nvPr/>
+      </p:nvGrpSpPr>
+      <p:grpSpPr>
+        <a:xfrm>
+          <a:off x="0" y="0"/>
+          <a:ext cx="0" cy="0"/>
+          <a:chOff x="0" y="0"/>
+          <a:chExt cx="0" cy="0"/>
+        </a:xfrm>
+      </p:grpSpPr>
+      <p:sp>
+        <p:nvSpPr>
+          <p:cNvPr id="2" name="제목 1">
+            <a:extLst>
+              <a:ext uri="{FF2B5EF4-FFF2-40B4-BE49-F238E27FC236}">
+                <a16:creationId xmlns:a16="http://schemas.microsoft.com/office/drawing/2014/main" id="{635C47BF-19DD-7A68-913E-EF8F14DBA234}"/>
+              </a:ext>
+            </a:extLst>
+          </p:cNvPr>
+          <p:cNvSpPr>
+            <a:spLocks noGrp="1"/>
+          </p:cNvSpPr>
+          <p:nvPr>
+            <p:ph type="title"/>
+          </p:nvPr>
+        </p:nvSpPr>
+        <p:spPr>
+          <a:xfrm>
+            <a:off x="479323" y="550605"/>
+            <a:ext cx="9875520" cy="481781"/>
+          </a:xfrm>
+        </p:spPr>
+        <p:txBody>
+          <a:bodyPr>
+            <a:noAutofit/>
+          </a:bodyPr>
+          <a:lstStyle/>
+          <a:p>
+            <a:pPr marL="571500" indent="-571500">
+              <a:buFont typeface="Arial" panose="020B0604020202020204" pitchFamily="34" charset="0"/>
+              <a:buChar char="•"/>
+            </a:pPr>
+            <a:r>
+              <a:rPr lang="ko-KR" altLang="en-US" sz="3200" dirty="0">
+                <a:latin typeface="+mj-ea"/>
+              </a:rPr>
+              <a:t>테이블 삭제</a:t>
+            </a:r>
+          </a:p>
+        </p:txBody>
+      </p:sp>
+      <p:pic>
+        <p:nvPicPr>
+          <p:cNvPr id="4" name="그림 3">
+            <a:extLst>
+              <a:ext uri="{FF2B5EF4-FFF2-40B4-BE49-F238E27FC236}">
+                <a16:creationId xmlns:a16="http://schemas.microsoft.com/office/drawing/2014/main" id="{29AA2856-9C7E-3889-3575-91C2A7BF1667}"/>
+              </a:ext>
+            </a:extLst>
+          </p:cNvPr>
+          <p:cNvPicPr>
+            <a:picLocks noChangeAspect="1"/>
+          </p:cNvPicPr>
+          <p:nvPr/>
+        </p:nvPicPr>
+        <p:blipFill>
+          <a:blip r:embed="rId2"/>
+          <a:stretch>
+            <a:fillRect/>
+          </a:stretch>
+        </p:blipFill>
+        <p:spPr>
+          <a:xfrm>
+            <a:off x="598163" y="1268678"/>
+            <a:ext cx="9604615" cy="4189857"/>
+          </a:xfrm>
+          <a:prstGeom prst="rect">
+            <a:avLst/>
+          </a:prstGeom>
+        </p:spPr>
+      </p:pic>
+      <p:sp>
+        <p:nvSpPr>
+          <p:cNvPr id="5" name="TextBox 4">
+            <a:extLst>
+              <a:ext uri="{FF2B5EF4-FFF2-40B4-BE49-F238E27FC236}">
+                <a16:creationId xmlns:a16="http://schemas.microsoft.com/office/drawing/2014/main" id="{D76613F1-317E-8925-D754-01A181B967F9}"/>
+              </a:ext>
+            </a:extLst>
+          </p:cNvPr>
+          <p:cNvSpPr txBox="1"/>
+          <p:nvPr/>
+        </p:nvSpPr>
+        <p:spPr>
+          <a:xfrm>
+            <a:off x="606820" y="6122729"/>
+            <a:ext cx="6315760" cy="369332"/>
+          </a:xfrm>
+          <a:prstGeom prst="rect">
+            <a:avLst/>
+          </a:prstGeom>
+          <a:noFill/>
+        </p:spPr>
+        <p:txBody>
+          <a:bodyPr wrap="square" rtlCol="0">
+            <a:spAutoFit/>
+          </a:bodyPr>
+          <a:lstStyle/>
+          <a:p>
+            <a:pPr marL="285750" indent="-285750">
+              <a:buFont typeface="Arial" panose="020B0604020202020204" pitchFamily="34" charset="0"/>
+              <a:buChar char="•"/>
+            </a:pPr>
+            <a:r>
+              <a:rPr lang="en-US" altLang="ko-KR" dirty="0" err="1"/>
+              <a:t>dropDB.jsp</a:t>
+            </a:r>
+            <a:r>
+              <a:rPr lang="ko-KR" altLang="en-US" dirty="0"/>
+              <a:t> 의 테이블 삭제 코드 작성</a:t>
+            </a:r>
+          </a:p>
+        </p:txBody>
+      </p:sp>
+    </p:spTree>
+    <p:extLst>
+      <p:ext uri="{BB962C8B-B14F-4D97-AF65-F5344CB8AC3E}">
+        <p14:creationId xmlns:p14="http://schemas.microsoft.com/office/powerpoint/2010/main" val="2948694200"/>
+      </p:ext>
+    </p:extLst>
+  </p:cSld>
+  <p:clrMapOvr>
+    <a:masterClrMapping/>
+  </p:clrMapOvr>
+</p:sld>
+</file>
+
+<file path=ppt/slides/slide17.xml><?xml version="1.0" encoding="utf-8"?>
+<p:sld xmlns:a="http://schemas.openxmlformats.org/drawingml/2006/main" xmlns:r="http://schemas.openxmlformats.org/officeDocument/2006/relationships" xmlns:p="http://schemas.openxmlformats.org/presentationml/2006/main">
+  <p:cSld>
+    <p:spTree>
+      <p:nvGrpSpPr>
+        <p:cNvPr id="1" name=""/>
+        <p:cNvGrpSpPr/>
+        <p:nvPr/>
+      </p:nvGrpSpPr>
+      <p:grpSpPr>
+        <a:xfrm>
+          <a:off x="0" y="0"/>
+          <a:ext cx="0" cy="0"/>
+          <a:chOff x="0" y="0"/>
+          <a:chExt cx="0" cy="0"/>
+        </a:xfrm>
+      </p:grpSpPr>
+      <p:sp>
+        <p:nvSpPr>
+          <p:cNvPr id="2" name="TextBox 1">
+            <a:extLst>
+              <a:ext uri="{FF2B5EF4-FFF2-40B4-BE49-F238E27FC236}">
+                <a16:creationId xmlns:a16="http://schemas.microsoft.com/office/drawing/2014/main" id="{10796154-6A53-3DD7-62F1-8373A510A62C}"/>
+              </a:ext>
+            </a:extLst>
+          </p:cNvPr>
+          <p:cNvSpPr txBox="1"/>
+          <p:nvPr/>
+        </p:nvSpPr>
+        <p:spPr>
+          <a:xfrm>
+            <a:off x="546700" y="5429710"/>
+            <a:ext cx="6315760" cy="369332"/>
+          </a:xfrm>
+          <a:prstGeom prst="rect">
+            <a:avLst/>
+          </a:prstGeom>
+          <a:noFill/>
+        </p:spPr>
+        <p:txBody>
+          <a:bodyPr wrap="square" rtlCol="0">
+            <a:spAutoFit/>
+          </a:bodyPr>
+          <a:lstStyle/>
+          <a:p>
+            <a:pPr marL="285750" indent="-285750">
+              <a:buFont typeface="Arial" panose="020B0604020202020204" pitchFamily="34" charset="0"/>
+              <a:buChar char="•"/>
+            </a:pPr>
+            <a:r>
+              <a:rPr lang="en-US" altLang="ko-KR" dirty="0" err="1"/>
+              <a:t>dropDB.jsp</a:t>
+            </a:r>
+            <a:r>
+              <a:rPr lang="ko-KR" altLang="en-US" dirty="0"/>
+              <a:t> 의 테이블 삭제 코드 작동 확인 </a:t>
+            </a:r>
+            <a:r>
+              <a:rPr lang="en-US" altLang="ko-KR" dirty="0"/>
+              <a:t>OK</a:t>
+            </a:r>
+            <a:endParaRPr lang="ko-KR" altLang="en-US" dirty="0"/>
+          </a:p>
+        </p:txBody>
+      </p:sp>
+      <p:pic>
+        <p:nvPicPr>
+          <p:cNvPr id="4" name="그림 3">
+            <a:extLst>
+              <a:ext uri="{FF2B5EF4-FFF2-40B4-BE49-F238E27FC236}">
+                <a16:creationId xmlns:a16="http://schemas.microsoft.com/office/drawing/2014/main" id="{FFC02C83-81D8-FF99-4B98-ABDC63222266}"/>
+              </a:ext>
+            </a:extLst>
+          </p:cNvPr>
+          <p:cNvPicPr>
+            <a:picLocks noChangeAspect="1"/>
+          </p:cNvPicPr>
+          <p:nvPr/>
+        </p:nvPicPr>
+        <p:blipFill>
+          <a:blip r:embed="rId2"/>
+          <a:stretch>
+            <a:fillRect/>
+          </a:stretch>
+        </p:blipFill>
+        <p:spPr>
+          <a:xfrm>
+            <a:off x="2487245" y="1067534"/>
+            <a:ext cx="9051391" cy="3432664"/>
+          </a:xfrm>
+          <a:prstGeom prst="rect">
+            <a:avLst/>
+          </a:prstGeom>
+        </p:spPr>
+      </p:pic>
+      <p:sp>
+        <p:nvSpPr>
+          <p:cNvPr id="5" name="화살표: 오른쪽 4">
+            <a:extLst>
+              <a:ext uri="{FF2B5EF4-FFF2-40B4-BE49-F238E27FC236}">
+                <a16:creationId xmlns:a16="http://schemas.microsoft.com/office/drawing/2014/main" id="{78913909-697F-7C81-ACF6-A5F2E18B273D}"/>
+              </a:ext>
+            </a:extLst>
+          </p:cNvPr>
+          <p:cNvSpPr/>
+          <p:nvPr/>
+        </p:nvSpPr>
+        <p:spPr>
+          <a:xfrm>
+            <a:off x="653364" y="1166240"/>
+            <a:ext cx="1335428" cy="666891"/>
+          </a:xfrm>
+          <a:prstGeom prst="rightArrow">
+            <a:avLst/>
+          </a:prstGeom>
+        </p:spPr>
+        <p:style>
+          <a:lnRef idx="2">
+            <a:schemeClr val="accent1">
+              <a:shade val="50000"/>
+            </a:schemeClr>
+          </a:lnRef>
+          <a:fillRef idx="1">
+            <a:schemeClr val="accent1"/>
+          </a:fillRef>
+          <a:effectRef idx="0">
+            <a:schemeClr val="accent1"/>
+          </a:effectRef>
+          <a:fontRef idx="minor">
+            <a:schemeClr val="lt1"/>
+          </a:fontRef>
+        </p:style>
+        <p:txBody>
+          <a:bodyPr rtlCol="0" anchor="ctr"/>
+          <a:lstStyle/>
+          <a:p>
+            <a:pPr algn="ctr"/>
+            <a:endParaRPr lang="ko-KR" altLang="en-US"/>
+          </a:p>
+        </p:txBody>
+      </p:sp>
+      <p:sp>
+        <p:nvSpPr>
+          <p:cNvPr id="6" name="TextBox 5">
+            <a:extLst>
+              <a:ext uri="{FF2B5EF4-FFF2-40B4-BE49-F238E27FC236}">
+                <a16:creationId xmlns:a16="http://schemas.microsoft.com/office/drawing/2014/main" id="{41049352-11B3-5311-5703-D2D1E9FDCF27}"/>
+              </a:ext>
+            </a:extLst>
+          </p:cNvPr>
+          <p:cNvSpPr txBox="1"/>
+          <p:nvPr/>
+        </p:nvSpPr>
+        <p:spPr>
+          <a:xfrm>
+            <a:off x="546700" y="544314"/>
+            <a:ext cx="1442092" cy="523220"/>
+          </a:xfrm>
+          <a:prstGeom prst="rect">
+            <a:avLst/>
+          </a:prstGeom>
+          <a:noFill/>
+        </p:spPr>
+        <p:txBody>
+          <a:bodyPr wrap="square" rtlCol="0">
+            <a:spAutoFit/>
+          </a:bodyPr>
+          <a:lstStyle/>
+          <a:p>
+            <a:r>
+              <a:rPr lang="en-US" altLang="ko-KR" sz="2800" dirty="0">
+                <a:solidFill>
+                  <a:schemeClr val="accent1"/>
+                </a:solidFill>
+              </a:rPr>
+              <a:t>&lt; </a:t>
+            </a:r>
+            <a:r>
+              <a:rPr lang="ko-KR" altLang="en-US" sz="2800" dirty="0">
+                <a:solidFill>
+                  <a:schemeClr val="accent1"/>
+                </a:solidFill>
+              </a:rPr>
+              <a:t>결과 </a:t>
+            </a:r>
+            <a:r>
+              <a:rPr lang="en-US" altLang="ko-KR" sz="2800" dirty="0">
+                <a:solidFill>
+                  <a:schemeClr val="accent1"/>
+                </a:solidFill>
+              </a:rPr>
+              <a:t>&gt;</a:t>
+            </a:r>
+            <a:endParaRPr lang="ko-KR" altLang="en-US" sz="2800" dirty="0">
+              <a:solidFill>
+                <a:schemeClr val="accent1"/>
+              </a:solidFill>
+            </a:endParaRPr>
+          </a:p>
+        </p:txBody>
+      </p:sp>
+      <p:sp>
+        <p:nvSpPr>
+          <p:cNvPr id="7" name="화살표: 오른쪽 6">
+            <a:extLst>
+              <a:ext uri="{FF2B5EF4-FFF2-40B4-BE49-F238E27FC236}">
+                <a16:creationId xmlns:a16="http://schemas.microsoft.com/office/drawing/2014/main" id="{67677413-1CA4-5D88-2645-792F0BA5301D}"/>
+              </a:ext>
+            </a:extLst>
+          </p:cNvPr>
+          <p:cNvSpPr/>
+          <p:nvPr/>
+        </p:nvSpPr>
+        <p:spPr>
+          <a:xfrm>
+            <a:off x="6744551" y="5148236"/>
+            <a:ext cx="1335428" cy="666891"/>
+          </a:xfrm>
+          <a:prstGeom prst="rightArrow">
+            <a:avLst/>
+          </a:prstGeom>
+        </p:spPr>
+        <p:style>
+          <a:lnRef idx="2">
+            <a:schemeClr val="accent1">
+              <a:shade val="50000"/>
+            </a:schemeClr>
+          </a:lnRef>
+          <a:fillRef idx="1">
+            <a:schemeClr val="accent1"/>
+          </a:fillRef>
+          <a:effectRef idx="0">
+            <a:schemeClr val="accent1"/>
+          </a:effectRef>
+          <a:fontRef idx="minor">
+            <a:schemeClr val="lt1"/>
+          </a:fontRef>
+        </p:style>
+        <p:txBody>
+          <a:bodyPr rtlCol="0" anchor="ctr"/>
+          <a:lstStyle/>
+          <a:p>
+            <a:pPr algn="ctr"/>
+            <a:endParaRPr lang="ko-KR" altLang="en-US"/>
+          </a:p>
+        </p:txBody>
+      </p:sp>
+      <p:pic>
+        <p:nvPicPr>
+          <p:cNvPr id="9" name="그림 8">
+            <a:extLst>
+              <a:ext uri="{FF2B5EF4-FFF2-40B4-BE49-F238E27FC236}">
+                <a16:creationId xmlns:a16="http://schemas.microsoft.com/office/drawing/2014/main" id="{F9557D15-6830-CA0E-24C4-178899CD336F}"/>
+              </a:ext>
+            </a:extLst>
+          </p:cNvPr>
+          <p:cNvPicPr>
+            <a:picLocks noChangeAspect="1"/>
+          </p:cNvPicPr>
+          <p:nvPr/>
+        </p:nvPicPr>
+        <p:blipFill>
+          <a:blip r:embed="rId3"/>
+          <a:stretch>
+            <a:fillRect/>
+          </a:stretch>
+        </p:blipFill>
+        <p:spPr>
+          <a:xfrm>
+            <a:off x="8785251" y="4354661"/>
+            <a:ext cx="3044197" cy="2150098"/>
+          </a:xfrm>
+          <a:prstGeom prst="rect">
+            <a:avLst/>
+          </a:prstGeom>
+        </p:spPr>
+      </p:pic>
+    </p:spTree>
+    <p:extLst>
+      <p:ext uri="{BB962C8B-B14F-4D97-AF65-F5344CB8AC3E}">
+        <p14:creationId xmlns:p14="http://schemas.microsoft.com/office/powerpoint/2010/main" val="1053930064"/>
+      </p:ext>
+    </p:extLst>
+  </p:cSld>
+  <p:clrMapOvr>
+    <a:masterClrMapping/>
+  </p:clrMapOvr>
+</p:sld>
+</file>
+
+<file path=ppt/slides/slide18.xml><?xml version="1.0" encoding="utf-8"?>
+<p:sld xmlns:a="http://schemas.openxmlformats.org/drawingml/2006/main" xmlns:r="http://schemas.openxmlformats.org/officeDocument/2006/relationships" xmlns:p="http://schemas.openxmlformats.org/presentationml/2006/main">
+  <p:cSld>
+    <p:spTree>
+      <p:nvGrpSpPr>
+        <p:cNvPr id="1" name=""/>
+        <p:cNvGrpSpPr/>
+        <p:nvPr/>
+      </p:nvGrpSpPr>
+      <p:grpSpPr>
+        <a:xfrm>
+          <a:off x="0" y="0"/>
+          <a:ext cx="0" cy="0"/>
+          <a:chOff x="0" y="0"/>
+          <a:chExt cx="0" cy="0"/>
+        </a:xfrm>
+      </p:grpSpPr>
+      <p:sp>
+        <p:nvSpPr>
+          <p:cNvPr id="2" name="제목 1">
+            <a:extLst>
+              <a:ext uri="{FF2B5EF4-FFF2-40B4-BE49-F238E27FC236}">
+                <a16:creationId xmlns:a16="http://schemas.microsoft.com/office/drawing/2014/main" id="{635C47BF-19DD-7A68-913E-EF8F14DBA234}"/>
+              </a:ext>
+            </a:extLst>
+          </p:cNvPr>
+          <p:cNvSpPr>
+            <a:spLocks noGrp="1"/>
+          </p:cNvSpPr>
+          <p:nvPr>
+            <p:ph type="title"/>
+          </p:nvPr>
+        </p:nvSpPr>
+        <p:spPr>
+          <a:xfrm>
+            <a:off x="479323" y="550605"/>
+            <a:ext cx="9875520" cy="481781"/>
+          </a:xfrm>
+        </p:spPr>
+        <p:txBody>
+          <a:bodyPr>
+            <a:noAutofit/>
+          </a:bodyPr>
+          <a:lstStyle/>
+          <a:p>
+            <a:pPr marL="571500" indent="-571500">
+              <a:buFont typeface="Arial" panose="020B0604020202020204" pitchFamily="34" charset="0"/>
+              <a:buChar char="•"/>
+            </a:pPr>
+            <a:r>
+              <a:rPr lang="ko-KR" altLang="en-US" sz="3200" dirty="0">
+                <a:latin typeface="+mj-ea"/>
+              </a:rPr>
+              <a:t>테이블 값 입력</a:t>
+            </a:r>
+          </a:p>
+        </p:txBody>
+      </p:sp>
+      <p:pic>
+        <p:nvPicPr>
+          <p:cNvPr id="4" name="그림 3">
+            <a:extLst>
+              <a:ext uri="{FF2B5EF4-FFF2-40B4-BE49-F238E27FC236}">
+                <a16:creationId xmlns:a16="http://schemas.microsoft.com/office/drawing/2014/main" id="{51396846-5B24-9FAE-5B46-B00070658C29}"/>
+              </a:ext>
+            </a:extLst>
+          </p:cNvPr>
+          <p:cNvPicPr>
+            <a:picLocks noChangeAspect="1"/>
+          </p:cNvPicPr>
+          <p:nvPr/>
+        </p:nvPicPr>
+        <p:blipFill>
+          <a:blip r:embed="rId2"/>
+          <a:stretch>
+            <a:fillRect/>
+          </a:stretch>
+        </p:blipFill>
+        <p:spPr>
+          <a:xfrm>
+            <a:off x="654911" y="1123628"/>
+            <a:ext cx="8941476" cy="4724535"/>
+          </a:xfrm>
+          <a:prstGeom prst="rect">
+            <a:avLst/>
+          </a:prstGeom>
+        </p:spPr>
+      </p:pic>
+      <p:sp>
+        <p:nvSpPr>
+          <p:cNvPr id="5" name="TextBox 4">
+            <a:extLst>
+              <a:ext uri="{FF2B5EF4-FFF2-40B4-BE49-F238E27FC236}">
+                <a16:creationId xmlns:a16="http://schemas.microsoft.com/office/drawing/2014/main" id="{4BA907B3-D2AB-778F-3483-2CA126F01732}"/>
+              </a:ext>
+            </a:extLst>
+          </p:cNvPr>
+          <p:cNvSpPr txBox="1"/>
+          <p:nvPr/>
+        </p:nvSpPr>
+        <p:spPr>
+          <a:xfrm>
+            <a:off x="606820" y="6122729"/>
+            <a:ext cx="6315760" cy="369332"/>
+          </a:xfrm>
+          <a:prstGeom prst="rect">
+            <a:avLst/>
+          </a:prstGeom>
+          <a:noFill/>
+        </p:spPr>
+        <p:txBody>
+          <a:bodyPr wrap="square" rtlCol="0">
+            <a:spAutoFit/>
+          </a:bodyPr>
+          <a:lstStyle/>
+          <a:p>
+            <a:pPr marL="285750" indent="-285750">
+              <a:buFont typeface="Arial" panose="020B0604020202020204" pitchFamily="34" charset="0"/>
+              <a:buChar char="•"/>
+            </a:pPr>
+            <a:r>
+              <a:rPr lang="en-US" altLang="ko-KR" dirty="0" err="1"/>
+              <a:t>AllsetDB.jsp</a:t>
+            </a:r>
+            <a:r>
+              <a:rPr lang="ko-KR" altLang="en-US" dirty="0"/>
+              <a:t> 의 테이블 값 입력코드 작성</a:t>
+            </a:r>
+          </a:p>
+        </p:txBody>
+      </p:sp>
+    </p:spTree>
+    <p:extLst>
+      <p:ext uri="{BB962C8B-B14F-4D97-AF65-F5344CB8AC3E}">
+        <p14:creationId xmlns:p14="http://schemas.microsoft.com/office/powerpoint/2010/main" val="3657462666"/>
+      </p:ext>
+    </p:extLst>
+  </p:cSld>
+  <p:clrMapOvr>
+    <a:masterClrMapping/>
+  </p:clrMapOvr>
+</p:sld>
+</file>
+
+<file path=ppt/slides/slide19.xml><?xml version="1.0" encoding="utf-8"?>
+<p:sld xmlns:a="http://schemas.openxmlformats.org/drawingml/2006/main" xmlns:r="http://schemas.openxmlformats.org/officeDocument/2006/relationships" xmlns:p="http://schemas.openxmlformats.org/presentationml/2006/main">
+  <p:cSld>
+    <p:spTree>
+      <p:nvGrpSpPr>
+        <p:cNvPr id="1" name=""/>
+        <p:cNvGrpSpPr/>
+        <p:nvPr/>
+      </p:nvGrpSpPr>
+      <p:grpSpPr>
+        <a:xfrm>
+          <a:off x="0" y="0"/>
+          <a:ext cx="0" cy="0"/>
+          <a:chOff x="0" y="0"/>
+          <a:chExt cx="0" cy="0"/>
+        </a:xfrm>
+      </p:grpSpPr>
+      <p:pic>
+        <p:nvPicPr>
+          <p:cNvPr id="3" name="그림 2">
+            <a:extLst>
+              <a:ext uri="{FF2B5EF4-FFF2-40B4-BE49-F238E27FC236}">
+                <a16:creationId xmlns:a16="http://schemas.microsoft.com/office/drawing/2014/main" id="{41BF0198-B24D-AA82-CCBF-3816E685CFDD}"/>
+              </a:ext>
+            </a:extLst>
+          </p:cNvPr>
+          <p:cNvPicPr>
+            <a:picLocks noChangeAspect="1"/>
+          </p:cNvPicPr>
+          <p:nvPr/>
+        </p:nvPicPr>
+        <p:blipFill>
+          <a:blip r:embed="rId2"/>
+          <a:stretch>
+            <a:fillRect/>
+          </a:stretch>
+        </p:blipFill>
+        <p:spPr>
+          <a:xfrm>
+            <a:off x="2468100" y="1166239"/>
+            <a:ext cx="9265096" cy="3570365"/>
+          </a:xfrm>
+          <a:prstGeom prst="rect">
+            <a:avLst/>
+          </a:prstGeom>
+        </p:spPr>
+      </p:pic>
+      <p:sp>
+        <p:nvSpPr>
+          <p:cNvPr id="6" name="TextBox 5">
+            <a:extLst>
+              <a:ext uri="{FF2B5EF4-FFF2-40B4-BE49-F238E27FC236}">
+                <a16:creationId xmlns:a16="http://schemas.microsoft.com/office/drawing/2014/main" id="{337F7AFA-EF71-D892-1BFB-8FCCDFCE35FA}"/>
+              </a:ext>
+            </a:extLst>
+          </p:cNvPr>
+          <p:cNvSpPr txBox="1"/>
+          <p:nvPr/>
+        </p:nvSpPr>
+        <p:spPr>
+          <a:xfrm>
+            <a:off x="546700" y="5429710"/>
+            <a:ext cx="6315760" cy="369332"/>
+          </a:xfrm>
+          <a:prstGeom prst="rect">
+            <a:avLst/>
+          </a:prstGeom>
+          <a:noFill/>
+        </p:spPr>
+        <p:txBody>
+          <a:bodyPr wrap="square" rtlCol="0">
+            <a:spAutoFit/>
+          </a:bodyPr>
+          <a:lstStyle/>
+          <a:p>
+            <a:pPr marL="285750" indent="-285750">
+              <a:buFont typeface="Arial" panose="020B0604020202020204" pitchFamily="34" charset="0"/>
+              <a:buChar char="•"/>
+            </a:pPr>
+            <a:r>
+              <a:rPr lang="en-US" altLang="ko-KR" dirty="0" err="1"/>
+              <a:t>AllsetDB.jsp</a:t>
+            </a:r>
+            <a:r>
+              <a:rPr lang="ko-KR" altLang="en-US" dirty="0"/>
+              <a:t> 의 테이블 값 입력 코드 작동 확인 </a:t>
+            </a:r>
+            <a:r>
+              <a:rPr lang="en-US" altLang="ko-KR" dirty="0"/>
+              <a:t>OK</a:t>
+            </a:r>
+            <a:endParaRPr lang="ko-KR" altLang="en-US" dirty="0"/>
+          </a:p>
+        </p:txBody>
+      </p:sp>
+      <p:sp>
+        <p:nvSpPr>
+          <p:cNvPr id="7" name="화살표: 오른쪽 6">
+            <a:extLst>
+              <a:ext uri="{FF2B5EF4-FFF2-40B4-BE49-F238E27FC236}">
+                <a16:creationId xmlns:a16="http://schemas.microsoft.com/office/drawing/2014/main" id="{44A00592-285E-7356-A7A5-F7A4DE3288D5}"/>
+              </a:ext>
+            </a:extLst>
+          </p:cNvPr>
+          <p:cNvSpPr/>
+          <p:nvPr/>
+        </p:nvSpPr>
+        <p:spPr>
+          <a:xfrm>
+            <a:off x="653364" y="1166240"/>
+            <a:ext cx="1335428" cy="666891"/>
+          </a:xfrm>
+          <a:prstGeom prst="rightArrow">
+            <a:avLst/>
+          </a:prstGeom>
+        </p:spPr>
+        <p:style>
+          <a:lnRef idx="2">
+            <a:schemeClr val="accent1">
+              <a:shade val="50000"/>
+            </a:schemeClr>
+          </a:lnRef>
+          <a:fillRef idx="1">
+            <a:schemeClr val="accent1"/>
+          </a:fillRef>
+          <a:effectRef idx="0">
+            <a:schemeClr val="accent1"/>
+          </a:effectRef>
+          <a:fontRef idx="minor">
+            <a:schemeClr val="lt1"/>
+          </a:fontRef>
+        </p:style>
+        <p:txBody>
+          <a:bodyPr rtlCol="0" anchor="ctr"/>
+          <a:lstStyle/>
+          <a:p>
+            <a:pPr algn="ctr"/>
+            <a:endParaRPr lang="ko-KR" altLang="en-US"/>
+          </a:p>
+        </p:txBody>
+      </p:sp>
+      <p:sp>
+        <p:nvSpPr>
+          <p:cNvPr id="8" name="TextBox 7">
+            <a:extLst>
+              <a:ext uri="{FF2B5EF4-FFF2-40B4-BE49-F238E27FC236}">
+                <a16:creationId xmlns:a16="http://schemas.microsoft.com/office/drawing/2014/main" id="{672AF6AA-DB71-B510-2708-902F09412E39}"/>
+              </a:ext>
+            </a:extLst>
+          </p:cNvPr>
+          <p:cNvSpPr txBox="1"/>
+          <p:nvPr/>
+        </p:nvSpPr>
+        <p:spPr>
+          <a:xfrm>
+            <a:off x="546700" y="544314"/>
+            <a:ext cx="1442092" cy="523220"/>
+          </a:xfrm>
+          <a:prstGeom prst="rect">
+            <a:avLst/>
+          </a:prstGeom>
+          <a:noFill/>
+        </p:spPr>
+        <p:txBody>
+          <a:bodyPr wrap="square" rtlCol="0">
+            <a:spAutoFit/>
+          </a:bodyPr>
+          <a:lstStyle/>
+          <a:p>
+            <a:r>
+              <a:rPr lang="en-US" altLang="ko-KR" sz="2800" dirty="0">
+                <a:solidFill>
+                  <a:schemeClr val="accent1"/>
+                </a:solidFill>
+              </a:rPr>
+              <a:t>&lt; </a:t>
+            </a:r>
+            <a:r>
+              <a:rPr lang="ko-KR" altLang="en-US" sz="2800" dirty="0">
+                <a:solidFill>
+                  <a:schemeClr val="accent1"/>
+                </a:solidFill>
+              </a:rPr>
+              <a:t>결과 </a:t>
+            </a:r>
+            <a:r>
+              <a:rPr lang="en-US" altLang="ko-KR" sz="2800" dirty="0">
+                <a:solidFill>
+                  <a:schemeClr val="accent1"/>
+                </a:solidFill>
+              </a:rPr>
+              <a:t>&gt;</a:t>
+            </a:r>
+            <a:endParaRPr lang="ko-KR" altLang="en-US" sz="2800" dirty="0">
+              <a:solidFill>
+                <a:schemeClr val="accent1"/>
+              </a:solidFill>
+            </a:endParaRPr>
+          </a:p>
+        </p:txBody>
+      </p:sp>
+      <p:sp>
+        <p:nvSpPr>
+          <p:cNvPr id="9" name="화살표: 오른쪽 8">
+            <a:extLst>
+              <a:ext uri="{FF2B5EF4-FFF2-40B4-BE49-F238E27FC236}">
+                <a16:creationId xmlns:a16="http://schemas.microsoft.com/office/drawing/2014/main" id="{2E0F25A1-B9C9-DBEF-9C4C-09A5B06ADD68}"/>
+              </a:ext>
+            </a:extLst>
+          </p:cNvPr>
+          <p:cNvSpPr/>
+          <p:nvPr/>
+        </p:nvSpPr>
+        <p:spPr>
+          <a:xfrm>
+            <a:off x="6744551" y="5148236"/>
+            <a:ext cx="1335428" cy="666891"/>
+          </a:xfrm>
+          <a:prstGeom prst="rightArrow">
+            <a:avLst/>
+          </a:prstGeom>
+        </p:spPr>
+        <p:style>
+          <a:lnRef idx="2">
+            <a:schemeClr val="accent1">
+              <a:shade val="50000"/>
+            </a:schemeClr>
+          </a:lnRef>
+          <a:fillRef idx="1">
+            <a:schemeClr val="accent1"/>
+          </a:fillRef>
+          <a:effectRef idx="0">
+            <a:schemeClr val="accent1"/>
+          </a:effectRef>
+          <a:fontRef idx="minor">
+            <a:schemeClr val="lt1"/>
+          </a:fontRef>
+        </p:style>
+        <p:txBody>
+          <a:bodyPr rtlCol="0" anchor="ctr"/>
+          <a:lstStyle/>
+          <a:p>
+            <a:pPr algn="ctr"/>
+            <a:endParaRPr lang="ko-KR" altLang="en-US"/>
+          </a:p>
+        </p:txBody>
+      </p:sp>
+      <p:pic>
+        <p:nvPicPr>
+          <p:cNvPr id="13" name="그림 12">
+            <a:extLst>
+              <a:ext uri="{FF2B5EF4-FFF2-40B4-BE49-F238E27FC236}">
+                <a16:creationId xmlns:a16="http://schemas.microsoft.com/office/drawing/2014/main" id="{80C3F680-77A1-F9D1-5366-408D9CEB5D56}"/>
+              </a:ext>
+            </a:extLst>
+          </p:cNvPr>
+          <p:cNvPicPr>
+            <a:picLocks noChangeAspect="1"/>
+          </p:cNvPicPr>
+          <p:nvPr/>
+        </p:nvPicPr>
+        <p:blipFill>
+          <a:blip r:embed="rId3"/>
+          <a:stretch>
+            <a:fillRect/>
+          </a:stretch>
+        </p:blipFill>
+        <p:spPr>
+          <a:xfrm>
+            <a:off x="8428647" y="3804249"/>
+            <a:ext cx="3102417" cy="2687973"/>
+          </a:xfrm>
+          <a:prstGeom prst="rect">
+            <a:avLst/>
+          </a:prstGeom>
+        </p:spPr>
+      </p:pic>
+    </p:spTree>
+    <p:extLst>
+      <p:ext uri="{BB962C8B-B14F-4D97-AF65-F5344CB8AC3E}">
+        <p14:creationId xmlns:p14="http://schemas.microsoft.com/office/powerpoint/2010/main" val="886637212"/>
       </p:ext>
     </p:extLst>
   </p:cSld>
@@ -4676,7 +5708,7 @@
           <p:cNvPr id="2" name="제목 1">
             <a:extLst>
               <a:ext uri="{FF2B5EF4-FFF2-40B4-BE49-F238E27FC236}">
-                <a16:creationId xmlns:a16="http://schemas.microsoft.com/office/drawing/2014/main" xmlns="" id="{FB32A8CE-07CC-9609-7A69-E66CD99D4153}"/>
+                <a16:creationId xmlns:a16="http://schemas.microsoft.com/office/drawing/2014/main" id="{FB32A8CE-07CC-9609-7A69-E66CD99D4153}"/>
               </a:ext>
             </a:extLst>
           </p:cNvPr>
@@ -4703,22 +5735,16 @@
               <a:rPr lang="en-US" altLang="ko-KR" b="1" dirty="0">
                 <a:latin typeface="+mj-ea"/>
               </a:rPr>
-              <a:t>1. </a:t>
-            </a:r>
-            <a:r>
-              <a:rPr lang="en-US" altLang="ko-KR" b="1" dirty="0" smtClean="0">
-                <a:latin typeface="+mj-ea"/>
-              </a:rPr>
-              <a:t>JSP </a:t>
-            </a:r>
-            <a:r>
-              <a:rPr lang="ko-KR" altLang="en-US" b="1" dirty="0" smtClean="0">
+              <a:t>1. JSP </a:t>
+            </a:r>
+            <a:r>
+              <a:rPr lang="ko-KR" altLang="en-US" b="1" dirty="0">
                 <a:latin typeface="+mj-ea"/>
               </a:rPr>
               <a:t>실습</a:t>
             </a:r>
             <a:r>
-              <a:rPr lang="en-US" altLang="ko-KR" b="1" dirty="0" smtClean="0">
+              <a:rPr lang="en-US" altLang="ko-KR" b="1" dirty="0">
                 <a:latin typeface="+mj-ea"/>
               </a:rPr>
               <a:t>2</a:t>
@@ -4734,7 +5760,7 @@
           <p:cNvPr id="3" name="TextBox 2">
             <a:extLst>
               <a:ext uri="{FF2B5EF4-FFF2-40B4-BE49-F238E27FC236}">
-                <a16:creationId xmlns:a16="http://schemas.microsoft.com/office/drawing/2014/main" xmlns="" id="{DDCEE8A9-2178-BDAB-9AA1-73F5EC93914F}"/>
+                <a16:creationId xmlns:a16="http://schemas.microsoft.com/office/drawing/2014/main" id="{DDCEE8A9-2178-BDAB-9AA1-73F5EC93914F}"/>
               </a:ext>
             </a:extLst>
           </p:cNvPr>
@@ -4765,20 +5791,20 @@
               <a:buAutoNum type="arabicPeriod"/>
             </a:pPr>
             <a:r>
-              <a:rPr lang="en-US" altLang="ko-KR" sz="2000" dirty="0" smtClean="0">
+              <a:rPr lang="en-US" altLang="ko-KR" sz="2000" dirty="0">
                 <a:latin typeface="+mj-ea"/>
                 <a:ea typeface="+mj-ea"/>
               </a:rPr>
               <a:t>JSP Database </a:t>
             </a:r>
             <a:r>
-              <a:rPr lang="ko-KR" altLang="en-US" sz="2000" dirty="0" smtClean="0">
+              <a:rPr lang="ko-KR" altLang="en-US" sz="2000" dirty="0">
                 <a:latin typeface="+mj-ea"/>
                 <a:ea typeface="+mj-ea"/>
               </a:rPr>
               <a:t>실습환경 구성</a:t>
             </a:r>
-            <a:endParaRPr lang="en-US" altLang="ko-KR" sz="2000" dirty="0" smtClean="0">
+            <a:endParaRPr lang="en-US" altLang="ko-KR" sz="2000" dirty="0">
               <a:latin typeface="+mj-ea"/>
               <a:ea typeface="+mj-ea"/>
             </a:endParaRPr>
@@ -4792,76 +5818,76 @@
               <a:buAutoNum type="arabicPeriod"/>
             </a:pPr>
             <a:r>
-              <a:rPr lang="en-US" altLang="ko-KR" sz="2000" dirty="0" smtClean="0">
+              <a:rPr lang="en-US" altLang="ko-KR" sz="2000" dirty="0">
                 <a:latin typeface="+mj-ea"/>
                 <a:ea typeface="+mj-ea"/>
               </a:rPr>
               <a:t>Database – </a:t>
             </a:r>
             <a:r>
-              <a:rPr lang="ko-KR" altLang="en-US" sz="2000" dirty="0" smtClean="0">
+              <a:rPr lang="ko-KR" altLang="en-US" sz="2000" dirty="0">
                 <a:latin typeface="+mj-ea"/>
                 <a:ea typeface="+mj-ea"/>
               </a:rPr>
               <a:t>테이블 만들기</a:t>
             </a:r>
             <a:r>
-              <a:rPr lang="en-US" altLang="ko-KR" sz="2000" dirty="0" smtClean="0">
+              <a:rPr lang="en-US" altLang="ko-KR" sz="2000" dirty="0">
                 <a:latin typeface="+mj-ea"/>
                 <a:ea typeface="+mj-ea"/>
               </a:rPr>
               <a:t>, </a:t>
             </a:r>
             <a:r>
-              <a:rPr lang="ko-KR" altLang="en-US" sz="2000" dirty="0" smtClean="0">
+              <a:rPr lang="ko-KR" altLang="en-US" sz="2000" dirty="0">
                 <a:latin typeface="+mj-ea"/>
                 <a:ea typeface="+mj-ea"/>
               </a:rPr>
               <a:t>지우기</a:t>
             </a:r>
             <a:r>
-              <a:rPr lang="en-US" altLang="ko-KR" sz="2000" dirty="0" smtClean="0">
+              <a:rPr lang="en-US" altLang="ko-KR" sz="2000" dirty="0">
                 <a:latin typeface="+mj-ea"/>
                 <a:ea typeface="+mj-ea"/>
               </a:rPr>
               <a:t>, </a:t>
             </a:r>
             <a:r>
-              <a:rPr lang="ko-KR" altLang="en-US" sz="2000" dirty="0" smtClean="0">
+              <a:rPr lang="ko-KR" altLang="en-US" sz="2000" dirty="0">
                 <a:latin typeface="+mj-ea"/>
                 <a:ea typeface="+mj-ea"/>
               </a:rPr>
               <a:t>값 넣기</a:t>
             </a:r>
             <a:r>
-              <a:rPr lang="en-US" altLang="ko-KR" sz="2000" dirty="0" smtClean="0">
+              <a:rPr lang="en-US" altLang="ko-KR" sz="2000" dirty="0">
                 <a:latin typeface="+mj-ea"/>
                 <a:ea typeface="+mj-ea"/>
               </a:rPr>
               <a:t>, </a:t>
             </a:r>
             <a:r>
-              <a:rPr lang="ko-KR" altLang="en-US" sz="2000" dirty="0" smtClean="0">
+              <a:rPr lang="ko-KR" altLang="en-US" sz="2000" dirty="0">
                 <a:latin typeface="+mj-ea"/>
                 <a:ea typeface="+mj-ea"/>
               </a:rPr>
               <a:t>전체조회</a:t>
             </a:r>
             <a:r>
-              <a:rPr lang="en-US" altLang="ko-KR" sz="2000" dirty="0" smtClean="0">
+              <a:rPr lang="en-US" altLang="ko-KR" sz="2000" dirty="0">
                 <a:latin typeface="+mj-ea"/>
                 <a:ea typeface="+mj-ea"/>
               </a:rPr>
               <a:t>, </a:t>
             </a:r>
             <a:r>
-              <a:rPr lang="ko-KR" altLang="en-US" sz="2000" dirty="0" smtClean="0">
+              <a:rPr lang="ko-KR" altLang="en-US" sz="2000" dirty="0">
                 <a:latin typeface="+mj-ea"/>
                 <a:ea typeface="+mj-ea"/>
               </a:rPr>
               <a:t>하나조회</a:t>
             </a:r>
-            <a:endParaRPr lang="en-US" altLang="ko-KR" sz="2000" dirty="0" smtClean="0">
+            <a:endParaRPr lang="en-US" altLang="ko-KR" sz="2000" dirty="0">
               <a:latin typeface="+mj-ea"/>
               <a:ea typeface="+mj-ea"/>
             </a:endParaRPr>
@@ -4875,48 +5901,48 @@
               <a:buAutoNum type="arabicPeriod"/>
             </a:pPr>
             <a:r>
-              <a:rPr lang="en-US" altLang="ko-KR" sz="2000" dirty="0" smtClean="0">
+              <a:rPr lang="en-US" altLang="ko-KR" sz="2000" dirty="0">
                 <a:latin typeface="+mj-ea"/>
                 <a:ea typeface="+mj-ea"/>
               </a:rPr>
               <a:t>Database – </a:t>
             </a:r>
             <a:r>
-              <a:rPr lang="ko-KR" altLang="en-US" sz="2000" dirty="0" smtClean="0">
+              <a:rPr lang="ko-KR" altLang="en-US" sz="2000" dirty="0">
                 <a:latin typeface="+mj-ea"/>
                 <a:ea typeface="+mj-ea"/>
               </a:rPr>
               <a:t>레코드 추가</a:t>
             </a:r>
             <a:r>
-              <a:rPr lang="en-US" altLang="ko-KR" sz="2000" dirty="0" smtClean="0">
+              <a:rPr lang="en-US" altLang="ko-KR" sz="2000" dirty="0">
                 <a:latin typeface="+mj-ea"/>
                 <a:ea typeface="+mj-ea"/>
               </a:rPr>
               <a:t>, </a:t>
             </a:r>
             <a:r>
-              <a:rPr lang="ko-KR" altLang="en-US" sz="2000" dirty="0" smtClean="0">
+              <a:rPr lang="ko-KR" altLang="en-US" sz="2000" dirty="0">
                 <a:latin typeface="+mj-ea"/>
                 <a:ea typeface="+mj-ea"/>
               </a:rPr>
               <a:t>조회 후 정정</a:t>
             </a:r>
             <a:r>
-              <a:rPr lang="en-US" altLang="ko-KR" sz="2000" dirty="0" smtClean="0">
+              <a:rPr lang="en-US" altLang="ko-KR" sz="2000" dirty="0">
                 <a:latin typeface="+mj-ea"/>
                 <a:ea typeface="+mj-ea"/>
               </a:rPr>
               <a:t>/</a:t>
             </a:r>
             <a:r>
-              <a:rPr lang="ko-KR" altLang="en-US" sz="2000" dirty="0" smtClean="0">
+              <a:rPr lang="ko-KR" altLang="en-US" sz="2000" dirty="0">
                 <a:latin typeface="+mj-ea"/>
                 <a:ea typeface="+mj-ea"/>
               </a:rPr>
               <a:t>삭제</a:t>
             </a:r>
-            <a:endParaRPr lang="en-US" altLang="ko-KR" sz="2000" dirty="0" smtClean="0">
+            <a:endParaRPr lang="en-US" altLang="ko-KR" sz="2000" dirty="0">
               <a:latin typeface="+mj-ea"/>
               <a:ea typeface="+mj-ea"/>
             </a:endParaRPr>
@@ -4930,7 +5956,7 @@
               <a:buAutoNum type="arabicPeriod"/>
             </a:pPr>
             <a:r>
-              <a:rPr lang="ko-KR" altLang="en-US" sz="2000" dirty="0" smtClean="0">
+              <a:rPr lang="ko-KR" altLang="en-US" sz="2000" dirty="0">
                 <a:latin typeface="+mj-ea"/>
                 <a:ea typeface="+mj-ea"/>
               </a:rPr>
@@ -4947,6 +5973,809 @@
     <p:extLst>
       <p:ext uri="{BB962C8B-B14F-4D97-AF65-F5344CB8AC3E}">
         <p14:creationId xmlns:p14="http://schemas.microsoft.com/office/powerpoint/2010/main" val="2496712913"/>
+      </p:ext>
+    </p:extLst>
+  </p:cSld>
+  <p:clrMapOvr>
+    <a:masterClrMapping/>
+  </p:clrMapOvr>
+</p:sld>
+</file>
+
+<file path=ppt/slides/slide20.xml><?xml version="1.0" encoding="utf-8"?>
+<p:sld xmlns:a="http://schemas.openxmlformats.org/drawingml/2006/main" xmlns:r="http://schemas.openxmlformats.org/officeDocument/2006/relationships" xmlns:p="http://schemas.openxmlformats.org/presentationml/2006/main">
+  <p:cSld>
+    <p:spTree>
+      <p:nvGrpSpPr>
+        <p:cNvPr id="1" name=""/>
+        <p:cNvGrpSpPr/>
+        <p:nvPr/>
+      </p:nvGrpSpPr>
+      <p:grpSpPr>
+        <a:xfrm>
+          <a:off x="0" y="0"/>
+          <a:ext cx="0" cy="0"/>
+          <a:chOff x="0" y="0"/>
+          <a:chExt cx="0" cy="0"/>
+        </a:xfrm>
+      </p:grpSpPr>
+      <p:sp>
+        <p:nvSpPr>
+          <p:cNvPr id="2" name="제목 1">
+            <a:extLst>
+              <a:ext uri="{FF2B5EF4-FFF2-40B4-BE49-F238E27FC236}">
+                <a16:creationId xmlns:a16="http://schemas.microsoft.com/office/drawing/2014/main" id="{635C47BF-19DD-7A68-913E-EF8F14DBA234}"/>
+              </a:ext>
+            </a:extLst>
+          </p:cNvPr>
+          <p:cNvSpPr>
+            <a:spLocks noGrp="1"/>
+          </p:cNvSpPr>
+          <p:nvPr>
+            <p:ph type="title"/>
+          </p:nvPr>
+        </p:nvSpPr>
+        <p:spPr>
+          <a:xfrm>
+            <a:off x="479323" y="550605"/>
+            <a:ext cx="9875520" cy="481781"/>
+          </a:xfrm>
+        </p:spPr>
+        <p:txBody>
+          <a:bodyPr>
+            <a:noAutofit/>
+          </a:bodyPr>
+          <a:lstStyle/>
+          <a:p>
+            <a:pPr marL="571500" indent="-571500">
+              <a:buFont typeface="Arial" panose="020B0604020202020204" pitchFamily="34" charset="0"/>
+              <a:buChar char="•"/>
+            </a:pPr>
+            <a:r>
+              <a:rPr lang="ko-KR" altLang="en-US" sz="3200" dirty="0">
+                <a:latin typeface="+mj-ea"/>
+              </a:rPr>
+              <a:t>테이블 전체 조회</a:t>
+            </a:r>
+          </a:p>
+        </p:txBody>
+      </p:sp>
+      <p:pic>
+        <p:nvPicPr>
+          <p:cNvPr id="4" name="그림 3">
+            <a:extLst>
+              <a:ext uri="{FF2B5EF4-FFF2-40B4-BE49-F238E27FC236}">
+                <a16:creationId xmlns:a16="http://schemas.microsoft.com/office/drawing/2014/main" id="{A8D3EC3E-4D16-BE3B-F9F3-A6142AA2CB7A}"/>
+              </a:ext>
+            </a:extLst>
+          </p:cNvPr>
+          <p:cNvPicPr>
+            <a:picLocks noChangeAspect="1"/>
+          </p:cNvPicPr>
+          <p:nvPr/>
+        </p:nvPicPr>
+        <p:blipFill>
+          <a:blip r:embed="rId2"/>
+          <a:stretch>
+            <a:fillRect/>
+          </a:stretch>
+        </p:blipFill>
+        <p:spPr>
+          <a:xfrm>
+            <a:off x="395065" y="1156614"/>
+            <a:ext cx="8155324" cy="5371135"/>
+          </a:xfrm>
+          <a:prstGeom prst="rect">
+            <a:avLst/>
+          </a:prstGeom>
+        </p:spPr>
+      </p:pic>
+      <p:sp>
+        <p:nvSpPr>
+          <p:cNvPr id="5" name="TextBox 4">
+            <a:extLst>
+              <a:ext uri="{FF2B5EF4-FFF2-40B4-BE49-F238E27FC236}">
+                <a16:creationId xmlns:a16="http://schemas.microsoft.com/office/drawing/2014/main" id="{DF8ECF44-069C-1951-3223-16AEE2CAE7FD}"/>
+              </a:ext>
+            </a:extLst>
+          </p:cNvPr>
+          <p:cNvSpPr txBox="1"/>
+          <p:nvPr/>
+        </p:nvSpPr>
+        <p:spPr>
+          <a:xfrm>
+            <a:off x="8550389" y="1156614"/>
+            <a:ext cx="3246546" cy="1120500"/>
+          </a:xfrm>
+          <a:prstGeom prst="rect">
+            <a:avLst/>
+          </a:prstGeom>
+          <a:noFill/>
+        </p:spPr>
+        <p:txBody>
+          <a:bodyPr wrap="square" rtlCol="0">
+            <a:spAutoFit/>
+          </a:bodyPr>
+          <a:lstStyle/>
+          <a:p>
+            <a:pPr marL="285750" indent="-285750">
+              <a:lnSpc>
+                <a:spcPct val="200000"/>
+              </a:lnSpc>
+              <a:buFont typeface="Arial" panose="020B0604020202020204" pitchFamily="34" charset="0"/>
+              <a:buChar char="•"/>
+            </a:pPr>
+            <a:r>
+              <a:rPr lang="en-US" altLang="ko-KR" dirty="0" err="1"/>
+              <a:t>AllviewDB.jsp</a:t>
+            </a:r>
+            <a:r>
+              <a:rPr lang="ko-KR" altLang="en-US" dirty="0"/>
+              <a:t> 의 테이블 값 전체 조회 코드 작성</a:t>
+            </a:r>
+          </a:p>
+        </p:txBody>
+      </p:sp>
+    </p:spTree>
+    <p:extLst>
+      <p:ext uri="{BB962C8B-B14F-4D97-AF65-F5344CB8AC3E}">
+        <p14:creationId xmlns:p14="http://schemas.microsoft.com/office/powerpoint/2010/main" val="3075737409"/>
+      </p:ext>
+    </p:extLst>
+  </p:cSld>
+  <p:clrMapOvr>
+    <a:masterClrMapping/>
+  </p:clrMapOvr>
+</p:sld>
+</file>
+
+<file path=ppt/slides/slide21.xml><?xml version="1.0" encoding="utf-8"?>
+<p:sld xmlns:a="http://schemas.openxmlformats.org/drawingml/2006/main" xmlns:r="http://schemas.openxmlformats.org/officeDocument/2006/relationships" xmlns:p="http://schemas.openxmlformats.org/presentationml/2006/main">
+  <p:cSld>
+    <p:spTree>
+      <p:nvGrpSpPr>
+        <p:cNvPr id="1" name=""/>
+        <p:cNvGrpSpPr/>
+        <p:nvPr/>
+      </p:nvGrpSpPr>
+      <p:grpSpPr>
+        <a:xfrm>
+          <a:off x="0" y="0"/>
+          <a:ext cx="0" cy="0"/>
+          <a:chOff x="0" y="0"/>
+          <a:chExt cx="0" cy="0"/>
+        </a:xfrm>
+      </p:grpSpPr>
+      <p:pic>
+        <p:nvPicPr>
+          <p:cNvPr id="3" name="그림 2">
+            <a:extLst>
+              <a:ext uri="{FF2B5EF4-FFF2-40B4-BE49-F238E27FC236}">
+                <a16:creationId xmlns:a16="http://schemas.microsoft.com/office/drawing/2014/main" id="{29C6373D-40FA-17C1-9A44-6EF319E6A0D6}"/>
+              </a:ext>
+            </a:extLst>
+          </p:cNvPr>
+          <p:cNvPicPr>
+            <a:picLocks noChangeAspect="1"/>
+          </p:cNvPicPr>
+          <p:nvPr/>
+        </p:nvPicPr>
+        <p:blipFill>
+          <a:blip r:embed="rId2"/>
+          <a:stretch>
+            <a:fillRect/>
+          </a:stretch>
+        </p:blipFill>
+        <p:spPr>
+          <a:xfrm>
+            <a:off x="2227504" y="1166240"/>
+            <a:ext cx="9505692" cy="3895950"/>
+          </a:xfrm>
+          <a:prstGeom prst="rect">
+            <a:avLst/>
+          </a:prstGeom>
+        </p:spPr>
+      </p:pic>
+      <p:sp>
+        <p:nvSpPr>
+          <p:cNvPr id="4" name="TextBox 3">
+            <a:extLst>
+              <a:ext uri="{FF2B5EF4-FFF2-40B4-BE49-F238E27FC236}">
+                <a16:creationId xmlns:a16="http://schemas.microsoft.com/office/drawing/2014/main" id="{2BFC9046-482B-C306-0E08-8F5800D677A3}"/>
+              </a:ext>
+            </a:extLst>
+          </p:cNvPr>
+          <p:cNvSpPr txBox="1"/>
+          <p:nvPr/>
+        </p:nvSpPr>
+        <p:spPr>
+          <a:xfrm>
+            <a:off x="546700" y="5429710"/>
+            <a:ext cx="6315760" cy="369332"/>
+          </a:xfrm>
+          <a:prstGeom prst="rect">
+            <a:avLst/>
+          </a:prstGeom>
+          <a:noFill/>
+        </p:spPr>
+        <p:txBody>
+          <a:bodyPr wrap="square" rtlCol="0">
+            <a:spAutoFit/>
+          </a:bodyPr>
+          <a:lstStyle/>
+          <a:p>
+            <a:pPr marL="285750" indent="-285750">
+              <a:buFont typeface="Arial" panose="020B0604020202020204" pitchFamily="34" charset="0"/>
+              <a:buChar char="•"/>
+            </a:pPr>
+            <a:r>
+              <a:rPr lang="en-US" altLang="ko-KR" dirty="0" err="1"/>
+              <a:t>AllviewDB.jsp</a:t>
+            </a:r>
+            <a:r>
+              <a:rPr lang="ko-KR" altLang="en-US" dirty="0"/>
+              <a:t> 의 테이블 값 전체 조회 코드 작동 확인 </a:t>
+            </a:r>
+            <a:r>
+              <a:rPr lang="en-US" altLang="ko-KR" dirty="0"/>
+              <a:t>OK</a:t>
+            </a:r>
+            <a:endParaRPr lang="ko-KR" altLang="en-US" dirty="0"/>
+          </a:p>
+        </p:txBody>
+      </p:sp>
+      <p:sp>
+        <p:nvSpPr>
+          <p:cNvPr id="5" name="화살표: 오른쪽 4">
+            <a:extLst>
+              <a:ext uri="{FF2B5EF4-FFF2-40B4-BE49-F238E27FC236}">
+                <a16:creationId xmlns:a16="http://schemas.microsoft.com/office/drawing/2014/main" id="{8184F7C4-B5B2-C4D0-8F74-56BE2897C7ED}"/>
+              </a:ext>
+            </a:extLst>
+          </p:cNvPr>
+          <p:cNvSpPr/>
+          <p:nvPr/>
+        </p:nvSpPr>
+        <p:spPr>
+          <a:xfrm>
+            <a:off x="653364" y="1166240"/>
+            <a:ext cx="1335428" cy="666891"/>
+          </a:xfrm>
+          <a:prstGeom prst="rightArrow">
+            <a:avLst/>
+          </a:prstGeom>
+        </p:spPr>
+        <p:style>
+          <a:lnRef idx="2">
+            <a:schemeClr val="accent1">
+              <a:shade val="50000"/>
+            </a:schemeClr>
+          </a:lnRef>
+          <a:fillRef idx="1">
+            <a:schemeClr val="accent1"/>
+          </a:fillRef>
+          <a:effectRef idx="0">
+            <a:schemeClr val="accent1"/>
+          </a:effectRef>
+          <a:fontRef idx="minor">
+            <a:schemeClr val="lt1"/>
+          </a:fontRef>
+        </p:style>
+        <p:txBody>
+          <a:bodyPr rtlCol="0" anchor="ctr"/>
+          <a:lstStyle/>
+          <a:p>
+            <a:pPr algn="ctr"/>
+            <a:endParaRPr lang="ko-KR" altLang="en-US"/>
+          </a:p>
+        </p:txBody>
+      </p:sp>
+      <p:sp>
+        <p:nvSpPr>
+          <p:cNvPr id="6" name="TextBox 5">
+            <a:extLst>
+              <a:ext uri="{FF2B5EF4-FFF2-40B4-BE49-F238E27FC236}">
+                <a16:creationId xmlns:a16="http://schemas.microsoft.com/office/drawing/2014/main" id="{6B6D1646-B1B6-E0DE-3FD3-0403F1C43BFD}"/>
+              </a:ext>
+            </a:extLst>
+          </p:cNvPr>
+          <p:cNvSpPr txBox="1"/>
+          <p:nvPr/>
+        </p:nvSpPr>
+        <p:spPr>
+          <a:xfrm>
+            <a:off x="546700" y="544314"/>
+            <a:ext cx="1442092" cy="523220"/>
+          </a:xfrm>
+          <a:prstGeom prst="rect">
+            <a:avLst/>
+          </a:prstGeom>
+          <a:noFill/>
+        </p:spPr>
+        <p:txBody>
+          <a:bodyPr wrap="square" rtlCol="0">
+            <a:spAutoFit/>
+          </a:bodyPr>
+          <a:lstStyle/>
+          <a:p>
+            <a:r>
+              <a:rPr lang="en-US" altLang="ko-KR" sz="2800" dirty="0">
+                <a:solidFill>
+                  <a:schemeClr val="accent1"/>
+                </a:solidFill>
+              </a:rPr>
+              <a:t>&lt; </a:t>
+            </a:r>
+            <a:r>
+              <a:rPr lang="ko-KR" altLang="en-US" sz="2800" dirty="0">
+                <a:solidFill>
+                  <a:schemeClr val="accent1"/>
+                </a:solidFill>
+              </a:rPr>
+              <a:t>결과 </a:t>
+            </a:r>
+            <a:r>
+              <a:rPr lang="en-US" altLang="ko-KR" sz="2800" dirty="0">
+                <a:solidFill>
+                  <a:schemeClr val="accent1"/>
+                </a:solidFill>
+              </a:rPr>
+              <a:t>&gt;</a:t>
+            </a:r>
+            <a:endParaRPr lang="ko-KR" altLang="en-US" sz="2800" dirty="0">
+              <a:solidFill>
+                <a:schemeClr val="accent1"/>
+              </a:solidFill>
+            </a:endParaRPr>
+          </a:p>
+        </p:txBody>
+      </p:sp>
+    </p:spTree>
+    <p:extLst>
+      <p:ext uri="{BB962C8B-B14F-4D97-AF65-F5344CB8AC3E}">
+        <p14:creationId xmlns:p14="http://schemas.microsoft.com/office/powerpoint/2010/main" val="3946903337"/>
+      </p:ext>
+    </p:extLst>
+  </p:cSld>
+  <p:clrMapOvr>
+    <a:masterClrMapping/>
+  </p:clrMapOvr>
+</p:sld>
+</file>
+
+<file path=ppt/slides/slide22.xml><?xml version="1.0" encoding="utf-8"?>
+<p:sld xmlns:a="http://schemas.openxmlformats.org/drawingml/2006/main" xmlns:r="http://schemas.openxmlformats.org/officeDocument/2006/relationships" xmlns:p="http://schemas.openxmlformats.org/presentationml/2006/main">
+  <p:cSld>
+    <p:spTree>
+      <p:nvGrpSpPr>
+        <p:cNvPr id="1" name=""/>
+        <p:cNvGrpSpPr/>
+        <p:nvPr/>
+      </p:nvGrpSpPr>
+      <p:grpSpPr>
+        <a:xfrm>
+          <a:off x="0" y="0"/>
+          <a:ext cx="0" cy="0"/>
+          <a:chOff x="0" y="0"/>
+          <a:chExt cx="0" cy="0"/>
+        </a:xfrm>
+      </p:grpSpPr>
+      <p:pic>
+        <p:nvPicPr>
+          <p:cNvPr id="4" name="그림 3">
+            <a:extLst>
+              <a:ext uri="{FF2B5EF4-FFF2-40B4-BE49-F238E27FC236}">
+                <a16:creationId xmlns:a16="http://schemas.microsoft.com/office/drawing/2014/main" id="{F886F2E5-4F6A-F510-3708-5F53A9AE3A63}"/>
+              </a:ext>
+            </a:extLst>
+          </p:cNvPr>
+          <p:cNvPicPr>
+            <a:picLocks noChangeAspect="1"/>
+          </p:cNvPicPr>
+          <p:nvPr/>
+        </p:nvPicPr>
+        <p:blipFill>
+          <a:blip r:embed="rId2"/>
+          <a:stretch>
+            <a:fillRect/>
+          </a:stretch>
+        </p:blipFill>
+        <p:spPr>
+          <a:xfrm>
+            <a:off x="372659" y="372176"/>
+            <a:ext cx="6327357" cy="6113647"/>
+          </a:xfrm>
+          <a:prstGeom prst="rect">
+            <a:avLst/>
+          </a:prstGeom>
+        </p:spPr>
+      </p:pic>
+      <p:sp>
+        <p:nvSpPr>
+          <p:cNvPr id="2" name="제목 1">
+            <a:extLst>
+              <a:ext uri="{FF2B5EF4-FFF2-40B4-BE49-F238E27FC236}">
+                <a16:creationId xmlns:a16="http://schemas.microsoft.com/office/drawing/2014/main" id="{635C47BF-19DD-7A68-913E-EF8F14DBA234}"/>
+              </a:ext>
+            </a:extLst>
+          </p:cNvPr>
+          <p:cNvSpPr>
+            <a:spLocks noGrp="1"/>
+          </p:cNvSpPr>
+          <p:nvPr>
+            <p:ph type="title"/>
+          </p:nvPr>
+        </p:nvSpPr>
+        <p:spPr>
+          <a:xfrm>
+            <a:off x="6928249" y="372176"/>
+            <a:ext cx="4891092" cy="1610629"/>
+          </a:xfrm>
+        </p:spPr>
+        <p:txBody>
+          <a:bodyPr>
+            <a:noAutofit/>
+          </a:bodyPr>
+          <a:lstStyle/>
+          <a:p>
+            <a:pPr marL="571500" indent="-571500">
+              <a:lnSpc>
+                <a:spcPct val="150000"/>
+              </a:lnSpc>
+              <a:buFont typeface="Arial" panose="020B0604020202020204" pitchFamily="34" charset="0"/>
+              <a:buChar char="•"/>
+            </a:pPr>
+            <a:r>
+              <a:rPr lang="ko-KR" altLang="en-US" sz="3200" dirty="0">
+                <a:latin typeface="+mj-ea"/>
+              </a:rPr>
+              <a:t>테이블 </a:t>
+            </a:r>
+            <a:r>
+              <a:rPr lang="en-US" altLang="ko-KR" sz="3200" dirty="0">
+                <a:latin typeface="+mj-ea"/>
+              </a:rPr>
+              <a:t>key</a:t>
+            </a:r>
+            <a:r>
+              <a:rPr lang="ko-KR" altLang="en-US" sz="3200" dirty="0">
+                <a:latin typeface="+mj-ea"/>
+              </a:rPr>
+              <a:t>값으로    </a:t>
+            </a:r>
+            <a:r>
+              <a:rPr lang="ko-KR" altLang="en-US" sz="3200" dirty="0" err="1">
+                <a:latin typeface="+mj-ea"/>
+              </a:rPr>
+              <a:t>한건</a:t>
+            </a:r>
+            <a:r>
+              <a:rPr lang="ko-KR" altLang="en-US" sz="3200" dirty="0">
+                <a:latin typeface="+mj-ea"/>
+              </a:rPr>
+              <a:t> 조회</a:t>
+            </a:r>
+          </a:p>
+        </p:txBody>
+      </p:sp>
+      <p:sp>
+        <p:nvSpPr>
+          <p:cNvPr id="5" name="TextBox 4">
+            <a:extLst>
+              <a:ext uri="{FF2B5EF4-FFF2-40B4-BE49-F238E27FC236}">
+                <a16:creationId xmlns:a16="http://schemas.microsoft.com/office/drawing/2014/main" id="{D6FF5125-D5EB-F893-1AEA-71C9AE5B9F7B}"/>
+              </a:ext>
+            </a:extLst>
+          </p:cNvPr>
+          <p:cNvSpPr txBox="1"/>
+          <p:nvPr/>
+        </p:nvSpPr>
+        <p:spPr>
+          <a:xfrm>
+            <a:off x="6928249" y="2308498"/>
+            <a:ext cx="4891092" cy="1120500"/>
+          </a:xfrm>
+          <a:prstGeom prst="rect">
+            <a:avLst/>
+          </a:prstGeom>
+          <a:noFill/>
+        </p:spPr>
+        <p:txBody>
+          <a:bodyPr wrap="square" rtlCol="0">
+            <a:spAutoFit/>
+          </a:bodyPr>
+          <a:lstStyle/>
+          <a:p>
+            <a:pPr marL="285750" indent="-285750">
+              <a:lnSpc>
+                <a:spcPct val="200000"/>
+              </a:lnSpc>
+              <a:buFont typeface="Arial" panose="020B0604020202020204" pitchFamily="34" charset="0"/>
+              <a:buChar char="•"/>
+            </a:pPr>
+            <a:r>
+              <a:rPr lang="en-US" altLang="ko-KR" dirty="0" err="1"/>
+              <a:t>oneviewDB.jsp</a:t>
+            </a:r>
+            <a:r>
+              <a:rPr lang="ko-KR" altLang="en-US" dirty="0"/>
+              <a:t> 의 테이블 </a:t>
+            </a:r>
+            <a:r>
+              <a:rPr lang="en-US" altLang="ko-KR" dirty="0"/>
+              <a:t>key</a:t>
+            </a:r>
+            <a:r>
+              <a:rPr lang="ko-KR" altLang="en-US" dirty="0"/>
+              <a:t>값으로 </a:t>
+            </a:r>
+            <a:r>
+              <a:rPr lang="ko-KR" altLang="en-US" dirty="0" err="1"/>
+              <a:t>한건</a:t>
+            </a:r>
+            <a:r>
+              <a:rPr lang="ko-KR" altLang="en-US" dirty="0"/>
+              <a:t> 조회 코드 작성</a:t>
+            </a:r>
+          </a:p>
+        </p:txBody>
+      </p:sp>
+    </p:spTree>
+    <p:extLst>
+      <p:ext uri="{BB962C8B-B14F-4D97-AF65-F5344CB8AC3E}">
+        <p14:creationId xmlns:p14="http://schemas.microsoft.com/office/powerpoint/2010/main" val="207953235"/>
+      </p:ext>
+    </p:extLst>
+  </p:cSld>
+  <p:clrMapOvr>
+    <a:masterClrMapping/>
+  </p:clrMapOvr>
+</p:sld>
+</file>
+
+<file path=ppt/slides/slide23.xml><?xml version="1.0" encoding="utf-8"?>
+<p:sld xmlns:a="http://schemas.openxmlformats.org/drawingml/2006/main" xmlns:r="http://schemas.openxmlformats.org/officeDocument/2006/relationships" xmlns:p="http://schemas.openxmlformats.org/presentationml/2006/main">
+  <p:cSld>
+    <p:spTree>
+      <p:nvGrpSpPr>
+        <p:cNvPr id="1" name=""/>
+        <p:cNvGrpSpPr/>
+        <p:nvPr/>
+      </p:nvGrpSpPr>
+      <p:grpSpPr>
+        <a:xfrm>
+          <a:off x="0" y="0"/>
+          <a:ext cx="0" cy="0"/>
+          <a:chOff x="0" y="0"/>
+          <a:chExt cx="0" cy="0"/>
+        </a:xfrm>
+      </p:grpSpPr>
+      <p:sp>
+        <p:nvSpPr>
+          <p:cNvPr id="6" name="TextBox 5">
+            <a:extLst>
+              <a:ext uri="{FF2B5EF4-FFF2-40B4-BE49-F238E27FC236}">
+                <a16:creationId xmlns:a16="http://schemas.microsoft.com/office/drawing/2014/main" id="{1C4313EE-B097-D31A-8FFF-1E9570392972}"/>
+              </a:ext>
+            </a:extLst>
+          </p:cNvPr>
+          <p:cNvSpPr txBox="1"/>
+          <p:nvPr/>
+        </p:nvSpPr>
+        <p:spPr>
+          <a:xfrm>
+            <a:off x="546700" y="5429710"/>
+            <a:ext cx="6315760" cy="369332"/>
+          </a:xfrm>
+          <a:prstGeom prst="rect">
+            <a:avLst/>
+          </a:prstGeom>
+          <a:noFill/>
+        </p:spPr>
+        <p:txBody>
+          <a:bodyPr wrap="square" rtlCol="0">
+            <a:spAutoFit/>
+          </a:bodyPr>
+          <a:lstStyle/>
+          <a:p>
+            <a:pPr marL="285750" indent="-285750">
+              <a:buFont typeface="Arial" panose="020B0604020202020204" pitchFamily="34" charset="0"/>
+              <a:buChar char="•"/>
+            </a:pPr>
+            <a:r>
+              <a:rPr lang="en-US" altLang="ko-KR" dirty="0" err="1"/>
+              <a:t>oneviewDB.jsp</a:t>
+            </a:r>
+            <a:r>
+              <a:rPr lang="ko-KR" altLang="en-US" dirty="0"/>
+              <a:t> 의 테이블 값 </a:t>
+            </a:r>
+            <a:r>
+              <a:rPr lang="ko-KR" altLang="en-US" dirty="0" err="1"/>
+              <a:t>한건씩</a:t>
+            </a:r>
+            <a:r>
+              <a:rPr lang="ko-KR" altLang="en-US" dirty="0"/>
+              <a:t> 조회 코드 작동 확인 </a:t>
+            </a:r>
+            <a:r>
+              <a:rPr lang="en-US" altLang="ko-KR" dirty="0"/>
+              <a:t>OK</a:t>
+            </a:r>
+            <a:endParaRPr lang="ko-KR" altLang="en-US" dirty="0"/>
+          </a:p>
+        </p:txBody>
+      </p:sp>
+      <p:sp>
+        <p:nvSpPr>
+          <p:cNvPr id="7" name="화살표: 오른쪽 6">
+            <a:extLst>
+              <a:ext uri="{FF2B5EF4-FFF2-40B4-BE49-F238E27FC236}">
+                <a16:creationId xmlns:a16="http://schemas.microsoft.com/office/drawing/2014/main" id="{8F3D6270-3833-BFF5-9AC8-D27288A51667}"/>
+              </a:ext>
+            </a:extLst>
+          </p:cNvPr>
+          <p:cNvSpPr/>
+          <p:nvPr/>
+        </p:nvSpPr>
+        <p:spPr>
+          <a:xfrm>
+            <a:off x="653364" y="1166240"/>
+            <a:ext cx="1335428" cy="666891"/>
+          </a:xfrm>
+          <a:prstGeom prst="rightArrow">
+            <a:avLst/>
+          </a:prstGeom>
+        </p:spPr>
+        <p:style>
+          <a:lnRef idx="2">
+            <a:schemeClr val="accent1">
+              <a:shade val="50000"/>
+            </a:schemeClr>
+          </a:lnRef>
+          <a:fillRef idx="1">
+            <a:schemeClr val="accent1"/>
+          </a:fillRef>
+          <a:effectRef idx="0">
+            <a:schemeClr val="accent1"/>
+          </a:effectRef>
+          <a:fontRef idx="minor">
+            <a:schemeClr val="lt1"/>
+          </a:fontRef>
+        </p:style>
+        <p:txBody>
+          <a:bodyPr rtlCol="0" anchor="ctr"/>
+          <a:lstStyle/>
+          <a:p>
+            <a:pPr algn="ctr"/>
+            <a:endParaRPr lang="ko-KR" altLang="en-US"/>
+          </a:p>
+        </p:txBody>
+      </p:sp>
+      <p:sp>
+        <p:nvSpPr>
+          <p:cNvPr id="8" name="TextBox 7">
+            <a:extLst>
+              <a:ext uri="{FF2B5EF4-FFF2-40B4-BE49-F238E27FC236}">
+                <a16:creationId xmlns:a16="http://schemas.microsoft.com/office/drawing/2014/main" id="{58E17318-41B5-0122-E5E8-6C6C0B4EA234}"/>
+              </a:ext>
+            </a:extLst>
+          </p:cNvPr>
+          <p:cNvSpPr txBox="1"/>
+          <p:nvPr/>
+        </p:nvSpPr>
+        <p:spPr>
+          <a:xfrm>
+            <a:off x="546700" y="544314"/>
+            <a:ext cx="1442092" cy="523220"/>
+          </a:xfrm>
+          <a:prstGeom prst="rect">
+            <a:avLst/>
+          </a:prstGeom>
+          <a:noFill/>
+        </p:spPr>
+        <p:txBody>
+          <a:bodyPr wrap="square" rtlCol="0">
+            <a:spAutoFit/>
+          </a:bodyPr>
+          <a:lstStyle/>
+          <a:p>
+            <a:r>
+              <a:rPr lang="en-US" altLang="ko-KR" sz="2800" dirty="0">
+                <a:solidFill>
+                  <a:schemeClr val="accent1"/>
+                </a:solidFill>
+              </a:rPr>
+              <a:t>&lt; </a:t>
+            </a:r>
+            <a:r>
+              <a:rPr lang="ko-KR" altLang="en-US" sz="2800" dirty="0">
+                <a:solidFill>
+                  <a:schemeClr val="accent1"/>
+                </a:solidFill>
+              </a:rPr>
+              <a:t>결과 </a:t>
+            </a:r>
+            <a:r>
+              <a:rPr lang="en-US" altLang="ko-KR" sz="2800" dirty="0">
+                <a:solidFill>
+                  <a:schemeClr val="accent1"/>
+                </a:solidFill>
+              </a:rPr>
+              <a:t>&gt;</a:t>
+            </a:r>
+            <a:endParaRPr lang="ko-KR" altLang="en-US" sz="2800" dirty="0">
+              <a:solidFill>
+                <a:schemeClr val="accent1"/>
+              </a:solidFill>
+            </a:endParaRPr>
+          </a:p>
+        </p:txBody>
+      </p:sp>
+      <p:pic>
+        <p:nvPicPr>
+          <p:cNvPr id="14" name="그림 13">
+            <a:extLst>
+              <a:ext uri="{FF2B5EF4-FFF2-40B4-BE49-F238E27FC236}">
+                <a16:creationId xmlns:a16="http://schemas.microsoft.com/office/drawing/2014/main" id="{92681AFC-BE23-AA12-0507-516A6F1ED3AA}"/>
+              </a:ext>
+            </a:extLst>
+          </p:cNvPr>
+          <p:cNvPicPr>
+            <a:picLocks noChangeAspect="1"/>
+          </p:cNvPicPr>
+          <p:nvPr/>
+        </p:nvPicPr>
+        <p:blipFill>
+          <a:blip r:embed="rId2"/>
+          <a:stretch>
+            <a:fillRect/>
+          </a:stretch>
+        </p:blipFill>
+        <p:spPr>
+          <a:xfrm>
+            <a:off x="2511301" y="805924"/>
+            <a:ext cx="8478433" cy="2076740"/>
+          </a:xfrm>
+          <a:prstGeom prst="rect">
+            <a:avLst/>
+          </a:prstGeom>
+        </p:spPr>
+      </p:pic>
+      <p:pic>
+        <p:nvPicPr>
+          <p:cNvPr id="16" name="그림 15">
+            <a:extLst>
+              <a:ext uri="{FF2B5EF4-FFF2-40B4-BE49-F238E27FC236}">
+                <a16:creationId xmlns:a16="http://schemas.microsoft.com/office/drawing/2014/main" id="{1A7C6A89-10BC-8735-E9B9-BE9AC8C8C9A2}"/>
+              </a:ext>
+            </a:extLst>
+          </p:cNvPr>
+          <p:cNvPicPr>
+            <a:picLocks noChangeAspect="1"/>
+          </p:cNvPicPr>
+          <p:nvPr/>
+        </p:nvPicPr>
+        <p:blipFill>
+          <a:blip r:embed="rId3"/>
+          <a:stretch>
+            <a:fillRect/>
+          </a:stretch>
+        </p:blipFill>
+        <p:spPr>
+          <a:xfrm>
+            <a:off x="2511301" y="2951256"/>
+            <a:ext cx="8516539" cy="2048161"/>
+          </a:xfrm>
+          <a:prstGeom prst="rect">
+            <a:avLst/>
+          </a:prstGeom>
+        </p:spPr>
+      </p:pic>
+    </p:spTree>
+    <p:extLst>
+      <p:ext uri="{BB962C8B-B14F-4D97-AF65-F5344CB8AC3E}">
+        <p14:creationId xmlns:p14="http://schemas.microsoft.com/office/powerpoint/2010/main" val="3521061060"/>
       </p:ext>
     </p:extLst>
   </p:cSld>
@@ -5032,7 +6861,7 @@
           <p:cNvPr id="2" name="제목 1">
             <a:extLst>
               <a:ext uri="{FF2B5EF4-FFF2-40B4-BE49-F238E27FC236}">
-                <a16:creationId xmlns:a16="http://schemas.microsoft.com/office/drawing/2014/main" xmlns="" id="{635C47BF-19DD-7A68-913E-EF8F14DBA234}"/>
+                <a16:creationId xmlns:a16="http://schemas.microsoft.com/office/drawing/2014/main" id="{E42171AC-ECD9-E4FD-E4B0-8C4292239693}"/>
               </a:ext>
             </a:extLst>
           </p:cNvPr>
@@ -5045,142 +6874,46 @@
         </p:nvSpPr>
         <p:spPr>
           <a:xfrm>
-            <a:off x="479323" y="550605"/>
-            <a:ext cx="9875520" cy="481781"/>
-          </a:xfrm>
-        </p:spPr>
-        <p:txBody>
-          <a:bodyPr>
-            <a:noAutofit/>
-          </a:bodyPr>
-          <a:lstStyle/>
-          <a:p>
-            <a:pPr marL="571500" indent="-571500">
-              <a:buFont typeface="Arial" panose="020B0604020202020204" pitchFamily="34" charset="0"/>
-              <a:buChar char="•"/>
-            </a:pPr>
-            <a:r>
-              <a:rPr lang="ko-KR" altLang="en-US" sz="3200" dirty="0" err="1" smtClean="0">
-                <a:latin typeface="+mj-ea"/>
+            <a:off x="1158240" y="2563528"/>
+            <a:ext cx="9875520" cy="1356360"/>
+          </a:xfrm>
+        </p:spPr>
+        <p:txBody>
+          <a:bodyPr/>
+          <a:lstStyle/>
+          <a:p>
+            <a:pPr algn="ctr"/>
+            <a:r>
+              <a:rPr lang="en-US" altLang="ko-KR" b="1" dirty="0">
+                <a:effectLst>
+                  <a:outerShdw blurRad="38100" dist="38100" dir="2700000" algn="tl">
+                    <a:srgbClr val="000000">
+                      <a:alpha val="43137"/>
+                    </a:srgbClr>
+                  </a:outerShdw>
+                </a:effectLst>
               </a:rPr>
-              <a:t>ㅇ</a:t>
-            </a:r>
-            <a:endParaRPr lang="ko-KR" altLang="en-US" sz="3200" dirty="0">
-              <a:latin typeface="+mj-ea"/>
-            </a:endParaRPr>
-          </a:p>
-        </p:txBody>
-      </p:sp>
-      <p:sp>
-        <p:nvSpPr>
-          <p:cNvPr id="11" name="화살표: 오른쪽 2">
-            <a:extLst>
-              <a:ext uri="{FF2B5EF4-FFF2-40B4-BE49-F238E27FC236}">
-                <a16:creationId xmlns:a16="http://schemas.microsoft.com/office/drawing/2014/main" xmlns="" id="{5F46D10A-AEFB-C08C-F009-C76E5C32C589}"/>
-              </a:ext>
-            </a:extLst>
-          </p:cNvPr>
-          <p:cNvSpPr/>
-          <p:nvPr/>
-        </p:nvSpPr>
-        <p:spPr>
-          <a:xfrm>
-            <a:off x="10461507" y="935233"/>
-            <a:ext cx="1335428" cy="666891"/>
-          </a:xfrm>
-          <a:prstGeom prst="rightArrow">
-            <a:avLst/>
-          </a:prstGeom>
-        </p:spPr>
-        <p:style>
-          <a:lnRef idx="2">
-            <a:schemeClr val="accent1">
-              <a:shade val="50000"/>
-            </a:schemeClr>
-          </a:lnRef>
-          <a:fillRef idx="1">
-            <a:schemeClr val="accent1"/>
-          </a:fillRef>
-          <a:effectRef idx="0">
-            <a:schemeClr val="accent1"/>
-          </a:effectRef>
-          <a:fontRef idx="minor">
-            <a:schemeClr val="lt1"/>
-          </a:fontRef>
-        </p:style>
-        <p:txBody>
-          <a:bodyPr rtlCol="0" anchor="ctr"/>
-          <a:lstStyle/>
-          <a:p>
-            <a:pPr algn="ctr"/>
-            <a:endParaRPr lang="ko-KR" altLang="en-US"/>
-          </a:p>
-        </p:txBody>
-      </p:sp>
-      <p:sp>
-        <p:nvSpPr>
-          <p:cNvPr id="12" name="TextBox 11">
-            <a:extLst>
-              <a:ext uri="{FF2B5EF4-FFF2-40B4-BE49-F238E27FC236}">
-                <a16:creationId xmlns:a16="http://schemas.microsoft.com/office/drawing/2014/main" xmlns="" id="{6215690D-0311-7CF3-12F2-BCBF28FE0859}"/>
-              </a:ext>
-            </a:extLst>
-          </p:cNvPr>
-          <p:cNvSpPr txBox="1"/>
-          <p:nvPr/>
-        </p:nvSpPr>
-        <p:spPr>
-          <a:xfrm>
-            <a:off x="10354843" y="313307"/>
-            <a:ext cx="1442092" cy="523220"/>
-          </a:xfrm>
-          <a:prstGeom prst="rect">
-            <a:avLst/>
-          </a:prstGeom>
-          <a:noFill/>
-        </p:spPr>
-        <p:txBody>
-          <a:bodyPr wrap="square" rtlCol="0">
-            <a:spAutoFit/>
-          </a:bodyPr>
-          <a:lstStyle/>
-          <a:p>
-            <a:r>
-              <a:rPr lang="en-US" altLang="ko-KR" sz="2800" dirty="0">
-                <a:solidFill>
-                  <a:schemeClr val="accent1"/>
-                </a:solidFill>
+              <a:t>web</a:t>
+            </a:r>
+            <a:r>
+              <a:rPr lang="ko-KR" altLang="en-US" b="1" dirty="0">
+                <a:effectLst>
+                  <a:outerShdw blurRad="38100" dist="38100" dir="2700000" algn="tl">
+                    <a:srgbClr val="000000">
+                      <a:alpha val="43137"/>
+                    </a:srgbClr>
+                  </a:outerShdw>
+                </a:effectLst>
               </a:rPr>
-              <a:t>&lt; </a:t>
-            </a:r>
-            <a:r>
-              <a:rPr lang="ko-KR" altLang="en-US" sz="2800" dirty="0">
-                <a:solidFill>
-                  <a:schemeClr val="accent1"/>
-                </a:solidFill>
-              </a:rPr>
-              <a:t>결과 </a:t>
-            </a:r>
-            <a:r>
-              <a:rPr lang="en-US" altLang="ko-KR" sz="2800" dirty="0">
-                <a:solidFill>
-                  <a:schemeClr val="accent1"/>
-                </a:solidFill>
-              </a:rPr>
-              <a:t>&gt;</a:t>
-            </a:r>
-            <a:endParaRPr lang="ko-KR" altLang="en-US" sz="2800" dirty="0">
-              <a:solidFill>
-                <a:schemeClr val="accent1"/>
-              </a:solidFill>
-            </a:endParaRPr>
+              <a:t> 이클립스 설치 과정</a:t>
+            </a:r>
           </a:p>
         </p:txBody>
       </p:sp>
     </p:spTree>
     <p:extLst>
       <p:ext uri="{BB962C8B-B14F-4D97-AF65-F5344CB8AC3E}">
-        <p14:creationId xmlns:p14="http://schemas.microsoft.com/office/powerpoint/2010/main" val="1407723158"/>
+        <p14:creationId xmlns:p14="http://schemas.microsoft.com/office/powerpoint/2010/main" val="1502619629"/>
       </p:ext>
     </p:extLst>
   </p:cSld>
@@ -5209,54 +6942,140 @@
       </p:grpSpPr>
       <p:sp>
         <p:nvSpPr>
-          <p:cNvPr id="2" name="제목 1">
-            <a:extLst>
-              <a:ext uri="{FF2B5EF4-FFF2-40B4-BE49-F238E27FC236}">
-                <a16:creationId xmlns:a16="http://schemas.microsoft.com/office/drawing/2014/main" xmlns="" id="{635C47BF-19DD-7A68-913E-EF8F14DBA234}"/>
-              </a:ext>
-            </a:extLst>
-          </p:cNvPr>
-          <p:cNvSpPr>
-            <a:spLocks noGrp="1"/>
-          </p:cNvSpPr>
-          <p:nvPr>
-            <p:ph type="title"/>
-          </p:nvPr>
-        </p:nvSpPr>
-        <p:spPr>
-          <a:xfrm>
-            <a:off x="479323" y="550605"/>
-            <a:ext cx="9875520" cy="481781"/>
-          </a:xfrm>
-        </p:spPr>
-        <p:txBody>
-          <a:bodyPr>
-            <a:noAutofit/>
+          <p:cNvPr id="3" name="TextBox 2">
+            <a:extLst>
+              <a:ext uri="{FF2B5EF4-FFF2-40B4-BE49-F238E27FC236}">
+                <a16:creationId xmlns:a16="http://schemas.microsoft.com/office/drawing/2014/main" id="{51EB2FB1-EFF6-94A7-AF7B-9E4DE745CF0E}"/>
+              </a:ext>
+            </a:extLst>
+          </p:cNvPr>
+          <p:cNvSpPr txBox="1"/>
+          <p:nvPr/>
+        </p:nvSpPr>
+        <p:spPr>
+          <a:xfrm>
+            <a:off x="536608" y="522791"/>
+            <a:ext cx="8819147" cy="461665"/>
+          </a:xfrm>
+          <a:prstGeom prst="rect">
+            <a:avLst/>
+          </a:prstGeom>
+          <a:noFill/>
+        </p:spPr>
+        <p:txBody>
+          <a:bodyPr wrap="square">
+            <a:spAutoFit/>
           </a:bodyPr>
           <a:lstStyle/>
           <a:p>
-            <a:pPr marL="571500" indent="-571500">
+            <a:r>
+              <a:rPr lang="ko-KR" altLang="en-US" sz="2400" dirty="0"/>
+              <a:t>https://www.eclipse.org/downloads/packages/installer</a:t>
+            </a:r>
+          </a:p>
+        </p:txBody>
+      </p:sp>
+      <p:pic>
+        <p:nvPicPr>
+          <p:cNvPr id="5" name="그림 4">
+            <a:extLst>
+              <a:ext uri="{FF2B5EF4-FFF2-40B4-BE49-F238E27FC236}">
+                <a16:creationId xmlns:a16="http://schemas.microsoft.com/office/drawing/2014/main" id="{9480025D-B9D0-4415-8D5D-219D330BA4D4}"/>
+              </a:ext>
+            </a:extLst>
+          </p:cNvPr>
+          <p:cNvPicPr>
+            <a:picLocks noChangeAspect="1"/>
+          </p:cNvPicPr>
+          <p:nvPr/>
+        </p:nvPicPr>
+        <p:blipFill>
+          <a:blip r:embed="rId2"/>
+          <a:stretch>
+            <a:fillRect/>
+          </a:stretch>
+        </p:blipFill>
+        <p:spPr>
+          <a:xfrm>
+            <a:off x="536608" y="1185525"/>
+            <a:ext cx="7562589" cy="5210809"/>
+          </a:xfrm>
+          <a:prstGeom prst="rect">
+            <a:avLst/>
+          </a:prstGeom>
+        </p:spPr>
+      </p:pic>
+      <p:sp>
+        <p:nvSpPr>
+          <p:cNvPr id="6" name="TextBox 5">
+            <a:extLst>
+              <a:ext uri="{FF2B5EF4-FFF2-40B4-BE49-F238E27FC236}">
+                <a16:creationId xmlns:a16="http://schemas.microsoft.com/office/drawing/2014/main" id="{C5177040-1DC4-EF83-9D98-F32EB3036BD6}"/>
+              </a:ext>
+            </a:extLst>
+          </p:cNvPr>
+          <p:cNvSpPr txBox="1"/>
+          <p:nvPr/>
+        </p:nvSpPr>
+        <p:spPr>
+          <a:xfrm>
+            <a:off x="8402855" y="1185525"/>
+            <a:ext cx="3252537" cy="923330"/>
+          </a:xfrm>
+          <a:prstGeom prst="rect">
+            <a:avLst/>
+          </a:prstGeom>
+          <a:noFill/>
+        </p:spPr>
+        <p:txBody>
+          <a:bodyPr wrap="square" rtlCol="0">
+            <a:spAutoFit/>
+          </a:bodyPr>
+          <a:lstStyle/>
+          <a:p>
+            <a:pPr marL="285750" indent="-285750">
               <a:buFont typeface="Arial" panose="020B0604020202020204" pitchFamily="34" charset="0"/>
               <a:buChar char="•"/>
             </a:pPr>
             <a:r>
-              <a:rPr lang="ko-KR" altLang="en-US" sz="3200" dirty="0" err="1" smtClean="0">
-                <a:latin typeface="+mj-ea"/>
-              </a:rPr>
-              <a:t>ㅇ</a:t>
-            </a:r>
-            <a:endParaRPr lang="ko-KR" altLang="en-US" sz="3200" dirty="0">
-              <a:latin typeface="+mj-ea"/>
-            </a:endParaRPr>
-          </a:p>
-        </p:txBody>
-      </p:sp>
-      <p:sp>
-        <p:nvSpPr>
-          <p:cNvPr id="11" name="화살표: 오른쪽 2">
-            <a:extLst>
-              <a:ext uri="{FF2B5EF4-FFF2-40B4-BE49-F238E27FC236}">
-                <a16:creationId xmlns:a16="http://schemas.microsoft.com/office/drawing/2014/main" xmlns="" id="{5F46D10A-AEFB-C08C-F009-C76E5C32C589}"/>
+              <a:rPr lang="ko-KR" altLang="en-US" dirty="0"/>
+              <a:t>해당 </a:t>
+            </a:r>
+            <a:r>
+              <a:rPr lang="en-US" altLang="ko-KR" dirty="0"/>
+              <a:t>URL</a:t>
+            </a:r>
+            <a:r>
+              <a:rPr lang="ko-KR" altLang="en-US" dirty="0"/>
+              <a:t>이동</a:t>
+            </a:r>
+            <a:endParaRPr lang="en-US" altLang="ko-KR" dirty="0"/>
+          </a:p>
+          <a:p>
+            <a:pPr marL="285750" indent="-285750">
+              <a:buFont typeface="Arial" panose="020B0604020202020204" pitchFamily="34" charset="0"/>
+              <a:buChar char="•"/>
+            </a:pPr>
+            <a:endParaRPr lang="en-US" altLang="ko-KR" dirty="0"/>
+          </a:p>
+          <a:p>
+            <a:pPr marL="285750" indent="-285750">
+              <a:buFont typeface="Arial" panose="020B0604020202020204" pitchFamily="34" charset="0"/>
+              <a:buChar char="•"/>
+            </a:pPr>
+            <a:r>
+              <a:rPr lang="ko-KR" altLang="en-US" dirty="0"/>
+              <a:t>이클립스 다운로드 설치</a:t>
+            </a:r>
+          </a:p>
+        </p:txBody>
+      </p:sp>
+      <p:sp>
+        <p:nvSpPr>
+          <p:cNvPr id="7" name="사각형: 둥근 모서리 6">
+            <a:extLst>
+              <a:ext uri="{FF2B5EF4-FFF2-40B4-BE49-F238E27FC236}">
+                <a16:creationId xmlns:a16="http://schemas.microsoft.com/office/drawing/2014/main" id="{E5C8B7C7-BEC0-72CE-4330-D2F36D8FC993}"/>
               </a:ext>
             </a:extLst>
           </p:cNvPr>
@@ -5265,12 +7084,18 @@
         </p:nvSpPr>
         <p:spPr>
           <a:xfrm>
-            <a:off x="10461507" y="935233"/>
-            <a:ext cx="1335428" cy="666891"/>
-          </a:xfrm>
-          <a:prstGeom prst="rightArrow">
-            <a:avLst/>
-          </a:prstGeom>
+            <a:off x="536608" y="413886"/>
+            <a:ext cx="7048099" cy="693019"/>
+          </a:xfrm>
+          <a:prstGeom prst="roundRect">
+            <a:avLst/>
+          </a:prstGeom>
+          <a:noFill/>
+          <a:ln w="28575">
+            <a:solidFill>
+              <a:srgbClr val="FF0000"/>
+            </a:solidFill>
+          </a:ln>
         </p:spPr>
         <p:style>
           <a:lnRef idx="2">
@@ -5299,68 +7124,102 @@
       </p:sp>
       <p:sp>
         <p:nvSpPr>
-          <p:cNvPr id="12" name="TextBox 11">
-            <a:extLst>
-              <a:ext uri="{FF2B5EF4-FFF2-40B4-BE49-F238E27FC236}">
-                <a16:creationId xmlns:a16="http://schemas.microsoft.com/office/drawing/2014/main" xmlns="" id="{6215690D-0311-7CF3-12F2-BCBF28FE0859}"/>
-              </a:ext>
-            </a:extLst>
-          </p:cNvPr>
-          <p:cNvSpPr txBox="1"/>
+          <p:cNvPr id="8" name="사각형: 둥근 모서리 7">
+            <a:extLst>
+              <a:ext uri="{FF2B5EF4-FFF2-40B4-BE49-F238E27FC236}">
+                <a16:creationId xmlns:a16="http://schemas.microsoft.com/office/drawing/2014/main" id="{17EAC6D8-ED81-2F84-BF36-FA2CA6BBDB02}"/>
+              </a:ext>
+            </a:extLst>
+          </p:cNvPr>
+          <p:cNvSpPr/>
           <p:nvPr/>
         </p:nvSpPr>
         <p:spPr>
           <a:xfrm>
-            <a:off x="10354843" y="313307"/>
-            <a:ext cx="1442092" cy="523220"/>
-          </a:xfrm>
-          <a:prstGeom prst="rect">
+            <a:off x="6233160" y="4735629"/>
+            <a:ext cx="1866037" cy="1739325"/>
+          </a:xfrm>
+          <a:prstGeom prst="roundRect">
             <a:avLst/>
           </a:prstGeom>
           <a:noFill/>
-        </p:spPr>
-        <p:txBody>
-          <a:bodyPr wrap="square" rtlCol="0">
-            <a:spAutoFit/>
-          </a:bodyPr>
-          <a:lstStyle/>
-          <a:p>
-            <a:r>
-              <a:rPr lang="en-US" altLang="ko-KR" sz="2800" dirty="0">
-                <a:solidFill>
-                  <a:schemeClr val="accent1"/>
-                </a:solidFill>
-              </a:rPr>
-              <a:t>&lt; </a:t>
-            </a:r>
-            <a:r>
-              <a:rPr lang="ko-KR" altLang="en-US" sz="2800" dirty="0">
-                <a:solidFill>
-                  <a:schemeClr val="accent1"/>
-                </a:solidFill>
-              </a:rPr>
-              <a:t>결과 </a:t>
-            </a:r>
-            <a:r>
-              <a:rPr lang="en-US" altLang="ko-KR" sz="2800" dirty="0">
-                <a:solidFill>
-                  <a:schemeClr val="accent1"/>
-                </a:solidFill>
-              </a:rPr>
-              <a:t>&gt;</a:t>
-            </a:r>
-            <a:endParaRPr lang="ko-KR" altLang="en-US" sz="2800" dirty="0">
-              <a:solidFill>
-                <a:schemeClr val="accent1"/>
-              </a:solidFill>
-            </a:endParaRPr>
-          </a:p>
-        </p:txBody>
-      </p:sp>
+          <a:ln w="28575">
+            <a:solidFill>
+              <a:srgbClr val="FF0000"/>
+            </a:solidFill>
+          </a:ln>
+        </p:spPr>
+        <p:style>
+          <a:lnRef idx="2">
+            <a:schemeClr val="accent1">
+              <a:shade val="50000"/>
+            </a:schemeClr>
+          </a:lnRef>
+          <a:fillRef idx="1">
+            <a:schemeClr val="accent1"/>
+          </a:fillRef>
+          <a:effectRef idx="0">
+            <a:schemeClr val="accent1"/>
+          </a:effectRef>
+          <a:fontRef idx="minor">
+            <a:schemeClr val="lt1"/>
+          </a:fontRef>
+        </p:style>
+        <p:txBody>
+          <a:bodyPr rtlCol="0" anchor="ctr"/>
+          <a:lstStyle/>
+          <a:p>
+            <a:pPr algn="ctr"/>
+            <a:endParaRPr lang="ko-KR" altLang="en-US"/>
+          </a:p>
+        </p:txBody>
+      </p:sp>
+      <p:cxnSp>
+        <p:nvCxnSpPr>
+          <p:cNvPr id="10" name="직선 화살표 연결선 9">
+            <a:extLst>
+              <a:ext uri="{FF2B5EF4-FFF2-40B4-BE49-F238E27FC236}">
+                <a16:creationId xmlns:a16="http://schemas.microsoft.com/office/drawing/2014/main" id="{A6410F49-F2EF-02BE-5E1F-AFFE20E1A078}"/>
+              </a:ext>
+            </a:extLst>
+          </p:cNvPr>
+          <p:cNvCxnSpPr/>
+          <p:nvPr/>
+        </p:nvCxnSpPr>
+        <p:spPr>
+          <a:xfrm flipV="1">
+            <a:off x="7709836" y="2242686"/>
+            <a:ext cx="789271" cy="2492943"/>
+          </a:xfrm>
+          <a:prstGeom prst="straightConnector1">
+            <a:avLst/>
+          </a:prstGeom>
+          <a:ln w="28575">
+            <a:solidFill>
+              <a:srgbClr val="FF0000"/>
+            </a:solidFill>
+            <a:tailEnd type="triangle"/>
+          </a:ln>
+        </p:spPr>
+        <p:style>
+          <a:lnRef idx="1">
+            <a:schemeClr val="accent1"/>
+          </a:lnRef>
+          <a:fillRef idx="0">
+            <a:schemeClr val="accent1"/>
+          </a:fillRef>
+          <a:effectRef idx="0">
+            <a:schemeClr val="accent1"/>
+          </a:effectRef>
+          <a:fontRef idx="minor">
+            <a:schemeClr val="tx1"/>
+          </a:fontRef>
+        </p:style>
+      </p:cxnSp>
     </p:spTree>
     <p:extLst>
       <p:ext uri="{BB962C8B-B14F-4D97-AF65-F5344CB8AC3E}">
-        <p14:creationId xmlns:p14="http://schemas.microsoft.com/office/powerpoint/2010/main" val="2609123305"/>
+        <p14:creationId xmlns:p14="http://schemas.microsoft.com/office/powerpoint/2010/main" val="1094802300"/>
       </p:ext>
     </p:extLst>
   </p:cSld>
@@ -5389,54 +7248,45 @@
       </p:grpSpPr>
       <p:sp>
         <p:nvSpPr>
-          <p:cNvPr id="2" name="제목 1">
-            <a:extLst>
-              <a:ext uri="{FF2B5EF4-FFF2-40B4-BE49-F238E27FC236}">
-                <a16:creationId xmlns:a16="http://schemas.microsoft.com/office/drawing/2014/main" xmlns="" id="{635C47BF-19DD-7A68-913E-EF8F14DBA234}"/>
-              </a:ext>
-            </a:extLst>
-          </p:cNvPr>
-          <p:cNvSpPr>
-            <a:spLocks noGrp="1"/>
-          </p:cNvSpPr>
-          <p:nvPr>
-            <p:ph type="title"/>
-          </p:nvPr>
-        </p:nvSpPr>
-        <p:spPr>
-          <a:xfrm>
-            <a:off x="479323" y="550605"/>
-            <a:ext cx="9875520" cy="481781"/>
-          </a:xfrm>
-        </p:spPr>
-        <p:txBody>
-          <a:bodyPr>
-            <a:noAutofit/>
+          <p:cNvPr id="6" name="TextBox 5">
+            <a:extLst>
+              <a:ext uri="{FF2B5EF4-FFF2-40B4-BE49-F238E27FC236}">
+                <a16:creationId xmlns:a16="http://schemas.microsoft.com/office/drawing/2014/main" id="{40A99C6F-5916-7FFA-B877-92529612240A}"/>
+              </a:ext>
+            </a:extLst>
+          </p:cNvPr>
+          <p:cNvSpPr txBox="1"/>
+          <p:nvPr/>
+        </p:nvSpPr>
+        <p:spPr>
+          <a:xfrm>
+            <a:off x="536608" y="522791"/>
+            <a:ext cx="8819147" cy="461665"/>
+          </a:xfrm>
+          <a:prstGeom prst="rect">
+            <a:avLst/>
+          </a:prstGeom>
+          <a:noFill/>
+        </p:spPr>
+        <p:txBody>
+          <a:bodyPr wrap="square">
+            <a:spAutoFit/>
           </a:bodyPr>
           <a:lstStyle/>
           <a:p>
-            <a:pPr marL="571500" indent="-571500">
-              <a:buFont typeface="Arial" panose="020B0604020202020204" pitchFamily="34" charset="0"/>
-              <a:buChar char="•"/>
-            </a:pPr>
-            <a:r>
-              <a:rPr lang="ko-KR" altLang="en-US" sz="3200" dirty="0" err="1" smtClean="0">
-                <a:latin typeface="+mj-ea"/>
-              </a:rPr>
-              <a:t>ㅇ</a:t>
-            </a:r>
-            <a:endParaRPr lang="ko-KR" altLang="en-US" sz="3200" dirty="0">
-              <a:latin typeface="+mj-ea"/>
-            </a:endParaRPr>
-          </a:p>
-        </p:txBody>
-      </p:sp>
-      <p:sp>
-        <p:nvSpPr>
-          <p:cNvPr id="11" name="화살표: 오른쪽 2">
-            <a:extLst>
-              <a:ext uri="{FF2B5EF4-FFF2-40B4-BE49-F238E27FC236}">
-                <a16:creationId xmlns:a16="http://schemas.microsoft.com/office/drawing/2014/main" xmlns="" id="{5F46D10A-AEFB-C08C-F009-C76E5C32C589}"/>
+            <a:r>
+              <a:rPr lang="ko-KR" altLang="en-US" sz="2400" dirty="0"/>
+              <a:t>https://tomcat.apache.org/download-90.cgi</a:t>
+            </a:r>
+          </a:p>
+        </p:txBody>
+      </p:sp>
+      <p:sp>
+        <p:nvSpPr>
+          <p:cNvPr id="7" name="사각형: 둥근 모서리 6">
+            <a:extLst>
+              <a:ext uri="{FF2B5EF4-FFF2-40B4-BE49-F238E27FC236}">
+                <a16:creationId xmlns:a16="http://schemas.microsoft.com/office/drawing/2014/main" id="{92BB83D7-3093-EB0A-BD58-D429F864D389}"/>
               </a:ext>
             </a:extLst>
           </p:cNvPr>
@@ -5445,12 +7295,18 @@
         </p:nvSpPr>
         <p:spPr>
           <a:xfrm>
-            <a:off x="10461507" y="935233"/>
-            <a:ext cx="1335428" cy="666891"/>
-          </a:xfrm>
-          <a:prstGeom prst="rightArrow">
-            <a:avLst/>
-          </a:prstGeom>
+            <a:off x="536608" y="413886"/>
+            <a:ext cx="5719813" cy="693019"/>
+          </a:xfrm>
+          <a:prstGeom prst="roundRect">
+            <a:avLst/>
+          </a:prstGeom>
+          <a:noFill/>
+          <a:ln w="28575">
+            <a:solidFill>
+              <a:srgbClr val="FF0000"/>
+            </a:solidFill>
+          </a:ln>
         </p:spPr>
         <p:style>
           <a:lnRef idx="2">
@@ -5477,12 +7333,42 @@
           </a:p>
         </p:txBody>
       </p:sp>
-      <p:sp>
-        <p:nvSpPr>
-          <p:cNvPr id="12" name="TextBox 11">
-            <a:extLst>
-              <a:ext uri="{FF2B5EF4-FFF2-40B4-BE49-F238E27FC236}">
-                <a16:creationId xmlns:a16="http://schemas.microsoft.com/office/drawing/2014/main" xmlns="" id="{6215690D-0311-7CF3-12F2-BCBF28FE0859}"/>
+      <p:pic>
+        <p:nvPicPr>
+          <p:cNvPr id="9" name="그림 8">
+            <a:extLst>
+              <a:ext uri="{FF2B5EF4-FFF2-40B4-BE49-F238E27FC236}">
+                <a16:creationId xmlns:a16="http://schemas.microsoft.com/office/drawing/2014/main" id="{658CE50B-AAFC-0DCB-B67E-8C6EDBA2C712}"/>
+              </a:ext>
+            </a:extLst>
+          </p:cNvPr>
+          <p:cNvPicPr>
+            <a:picLocks noChangeAspect="1"/>
+          </p:cNvPicPr>
+          <p:nvPr/>
+        </p:nvPicPr>
+        <p:blipFill>
+          <a:blip r:embed="rId2"/>
+          <a:stretch>
+            <a:fillRect/>
+          </a:stretch>
+        </p:blipFill>
+        <p:spPr>
+          <a:xfrm>
+            <a:off x="536608" y="1335853"/>
+            <a:ext cx="6143325" cy="5119438"/>
+          </a:xfrm>
+          <a:prstGeom prst="rect">
+            <a:avLst/>
+          </a:prstGeom>
+        </p:spPr>
+      </p:pic>
+      <p:sp>
+        <p:nvSpPr>
+          <p:cNvPr id="10" name="TextBox 9">
+            <a:extLst>
+              <a:ext uri="{FF2B5EF4-FFF2-40B4-BE49-F238E27FC236}">
+                <a16:creationId xmlns:a16="http://schemas.microsoft.com/office/drawing/2014/main" id="{7620C96F-84A0-75A2-2DEA-2A8A92E78912}"/>
               </a:ext>
             </a:extLst>
           </p:cNvPr>
@@ -5491,8 +7377,8 @@
         </p:nvSpPr>
         <p:spPr>
           <a:xfrm>
-            <a:off x="10354843" y="313307"/>
-            <a:ext cx="1442092" cy="523220"/>
+            <a:off x="7507706" y="1335853"/>
+            <a:ext cx="3252537" cy="923330"/>
           </a:xfrm>
           <a:prstGeom prst="rect">
             <a:avLst/>
@@ -5505,42 +7391,145 @@
           </a:bodyPr>
           <a:lstStyle/>
           <a:p>
-            <a:r>
-              <a:rPr lang="en-US" altLang="ko-KR" sz="2800" dirty="0">
-                <a:solidFill>
-                  <a:schemeClr val="accent1"/>
-                </a:solidFill>
-              </a:rPr>
-              <a:t>&lt; </a:t>
-            </a:r>
-            <a:r>
-              <a:rPr lang="ko-KR" altLang="en-US" sz="2800" dirty="0">
-                <a:solidFill>
-                  <a:schemeClr val="accent1"/>
-                </a:solidFill>
-              </a:rPr>
-              <a:t>결과 </a:t>
-            </a:r>
-            <a:r>
-              <a:rPr lang="en-US" altLang="ko-KR" sz="2800" dirty="0">
-                <a:solidFill>
-                  <a:schemeClr val="accent1"/>
-                </a:solidFill>
-              </a:rPr>
-              <a:t>&gt;</a:t>
-            </a:r>
-            <a:endParaRPr lang="ko-KR" altLang="en-US" sz="2800" dirty="0">
-              <a:solidFill>
-                <a:schemeClr val="accent1"/>
-              </a:solidFill>
-            </a:endParaRPr>
-          </a:p>
-        </p:txBody>
-      </p:sp>
+            <a:pPr marL="285750" indent="-285750">
+              <a:buFont typeface="Arial" panose="020B0604020202020204" pitchFamily="34" charset="0"/>
+              <a:buChar char="•"/>
+            </a:pPr>
+            <a:r>
+              <a:rPr lang="ko-KR" altLang="en-US" dirty="0"/>
+              <a:t>해당 </a:t>
+            </a:r>
+            <a:r>
+              <a:rPr lang="en-US" altLang="ko-KR" dirty="0"/>
+              <a:t>URL</a:t>
+            </a:r>
+            <a:r>
+              <a:rPr lang="ko-KR" altLang="en-US" dirty="0"/>
+              <a:t>이동</a:t>
+            </a:r>
+            <a:endParaRPr lang="en-US" altLang="ko-KR" dirty="0"/>
+          </a:p>
+          <a:p>
+            <a:pPr marL="285750" indent="-285750">
+              <a:buFont typeface="Arial" panose="020B0604020202020204" pitchFamily="34" charset="0"/>
+              <a:buChar char="•"/>
+            </a:pPr>
+            <a:endParaRPr lang="en-US" altLang="ko-KR" dirty="0"/>
+          </a:p>
+          <a:p>
+            <a:pPr marL="285750" indent="-285750">
+              <a:buFont typeface="Arial" panose="020B0604020202020204" pitchFamily="34" charset="0"/>
+              <a:buChar char="•"/>
+            </a:pPr>
+            <a:r>
+              <a:rPr lang="en-US" altLang="ko-KR" dirty="0"/>
+              <a:t>tomcat</a:t>
+            </a:r>
+            <a:r>
+              <a:rPr lang="ko-KR" altLang="en-US" dirty="0"/>
+              <a:t> 다운로드 설치</a:t>
+            </a:r>
+          </a:p>
+        </p:txBody>
+      </p:sp>
+      <p:sp>
+        <p:nvSpPr>
+          <p:cNvPr id="11" name="사각형: 둥근 모서리 10">
+            <a:extLst>
+              <a:ext uri="{FF2B5EF4-FFF2-40B4-BE49-F238E27FC236}">
+                <a16:creationId xmlns:a16="http://schemas.microsoft.com/office/drawing/2014/main" id="{28B7DB99-240B-E174-5571-8D57B70412BF}"/>
+              </a:ext>
+            </a:extLst>
+          </p:cNvPr>
+          <p:cNvSpPr/>
+          <p:nvPr/>
+        </p:nvSpPr>
+        <p:spPr>
+          <a:xfrm>
+            <a:off x="2826619" y="3975234"/>
+            <a:ext cx="696228" cy="322995"/>
+          </a:xfrm>
+          <a:prstGeom prst="roundRect">
+            <a:avLst/>
+          </a:prstGeom>
+          <a:noFill/>
+          <a:ln w="28575">
+            <a:solidFill>
+              <a:srgbClr val="FF0000"/>
+            </a:solidFill>
+          </a:ln>
+        </p:spPr>
+        <p:style>
+          <a:lnRef idx="2">
+            <a:schemeClr val="accent1">
+              <a:shade val="50000"/>
+            </a:schemeClr>
+          </a:lnRef>
+          <a:fillRef idx="1">
+            <a:schemeClr val="accent1"/>
+          </a:fillRef>
+          <a:effectRef idx="0">
+            <a:schemeClr val="accent1"/>
+          </a:effectRef>
+          <a:fontRef idx="minor">
+            <a:schemeClr val="lt1"/>
+          </a:fontRef>
+        </p:style>
+        <p:txBody>
+          <a:bodyPr rtlCol="0" anchor="ctr"/>
+          <a:lstStyle/>
+          <a:p>
+            <a:pPr algn="ctr"/>
+            <a:endParaRPr lang="ko-KR" altLang="en-US"/>
+          </a:p>
+        </p:txBody>
+      </p:sp>
+      <p:cxnSp>
+        <p:nvCxnSpPr>
+          <p:cNvPr id="13" name="직선 화살표 연결선 12">
+            <a:extLst>
+              <a:ext uri="{FF2B5EF4-FFF2-40B4-BE49-F238E27FC236}">
+                <a16:creationId xmlns:a16="http://schemas.microsoft.com/office/drawing/2014/main" id="{8651579C-1C96-4384-A2A0-04496AA32E2A}"/>
+              </a:ext>
+            </a:extLst>
+          </p:cNvPr>
+          <p:cNvCxnSpPr/>
+          <p:nvPr/>
+        </p:nvCxnSpPr>
+        <p:spPr>
+          <a:xfrm flipV="1">
+            <a:off x="3522847" y="2146434"/>
+            <a:ext cx="3869355" cy="1828800"/>
+          </a:xfrm>
+          <a:prstGeom prst="straightConnector1">
+            <a:avLst/>
+          </a:prstGeom>
+          <a:ln w="28575">
+            <a:solidFill>
+              <a:srgbClr val="FF0000"/>
+            </a:solidFill>
+            <a:tailEnd type="triangle"/>
+          </a:ln>
+        </p:spPr>
+        <p:style>
+          <a:lnRef idx="1">
+            <a:schemeClr val="accent1"/>
+          </a:lnRef>
+          <a:fillRef idx="0">
+            <a:schemeClr val="accent1"/>
+          </a:fillRef>
+          <a:effectRef idx="0">
+            <a:schemeClr val="accent1"/>
+          </a:effectRef>
+          <a:fontRef idx="minor">
+            <a:schemeClr val="tx1"/>
+          </a:fontRef>
+        </p:style>
+      </p:cxnSp>
     </p:spTree>
     <p:extLst>
       <p:ext uri="{BB962C8B-B14F-4D97-AF65-F5344CB8AC3E}">
-        <p14:creationId xmlns:p14="http://schemas.microsoft.com/office/powerpoint/2010/main" val="2571076459"/>
+        <p14:creationId xmlns:p14="http://schemas.microsoft.com/office/powerpoint/2010/main" val="3467134157"/>
       </p:ext>
     </p:extLst>
   </p:cSld>
@@ -5567,56 +7556,120 @@
           <a:chExt cx="0" cy="0"/>
         </a:xfrm>
       </p:grpSpPr>
-      <p:sp>
-        <p:nvSpPr>
-          <p:cNvPr id="2" name="제목 1">
-            <a:extLst>
-              <a:ext uri="{FF2B5EF4-FFF2-40B4-BE49-F238E27FC236}">
-                <a16:creationId xmlns:a16="http://schemas.microsoft.com/office/drawing/2014/main" xmlns="" id="{635C47BF-19DD-7A68-913E-EF8F14DBA234}"/>
-              </a:ext>
-            </a:extLst>
-          </p:cNvPr>
-          <p:cNvSpPr>
-            <a:spLocks noGrp="1"/>
-          </p:cNvSpPr>
-          <p:nvPr>
-            <p:ph type="title"/>
-          </p:nvPr>
-        </p:nvSpPr>
-        <p:spPr>
-          <a:xfrm>
-            <a:off x="479323" y="550605"/>
-            <a:ext cx="9875520" cy="481781"/>
-          </a:xfrm>
-        </p:spPr>
-        <p:txBody>
-          <a:bodyPr>
-            <a:noAutofit/>
+      <p:pic>
+        <p:nvPicPr>
+          <p:cNvPr id="3" name="그림 2">
+            <a:extLst>
+              <a:ext uri="{FF2B5EF4-FFF2-40B4-BE49-F238E27FC236}">
+                <a16:creationId xmlns:a16="http://schemas.microsoft.com/office/drawing/2014/main" id="{D9584EB8-C128-2712-BB96-2119C7B270F3}"/>
+              </a:ext>
+            </a:extLst>
+          </p:cNvPr>
+          <p:cNvPicPr>
+            <a:picLocks noChangeAspect="1"/>
+          </p:cNvPicPr>
+          <p:nvPr/>
+        </p:nvPicPr>
+        <p:blipFill>
+          <a:blip r:embed="rId2"/>
+          <a:stretch>
+            <a:fillRect/>
+          </a:stretch>
+        </p:blipFill>
+        <p:spPr>
+          <a:xfrm>
+            <a:off x="474533" y="444093"/>
+            <a:ext cx="8341185" cy="6072210"/>
+          </a:xfrm>
+          <a:prstGeom prst="rect">
+            <a:avLst/>
+          </a:prstGeom>
+        </p:spPr>
+      </p:pic>
+      <p:sp>
+        <p:nvSpPr>
+          <p:cNvPr id="4" name="TextBox 3">
+            <a:extLst>
+              <a:ext uri="{FF2B5EF4-FFF2-40B4-BE49-F238E27FC236}">
+                <a16:creationId xmlns:a16="http://schemas.microsoft.com/office/drawing/2014/main" id="{C4659F71-917B-99E0-4646-86C27CA92C83}"/>
+              </a:ext>
+            </a:extLst>
+          </p:cNvPr>
+          <p:cNvSpPr txBox="1"/>
+          <p:nvPr/>
+        </p:nvSpPr>
+        <p:spPr>
+          <a:xfrm>
+            <a:off x="8815718" y="444093"/>
+            <a:ext cx="3252537" cy="1477328"/>
+          </a:xfrm>
+          <a:prstGeom prst="rect">
+            <a:avLst/>
+          </a:prstGeom>
+          <a:noFill/>
+        </p:spPr>
+        <p:txBody>
+          <a:bodyPr wrap="square" rtlCol="0">
+            <a:spAutoFit/>
           </a:bodyPr>
           <a:lstStyle/>
           <a:p>
-            <a:pPr marL="571500" indent="-571500">
+            <a:pPr marL="285750" indent="-285750">
               <a:buFont typeface="Arial" panose="020B0604020202020204" pitchFamily="34" charset="0"/>
               <a:buChar char="•"/>
             </a:pPr>
             <a:r>
-              <a:rPr lang="ko-KR" altLang="en-US" sz="3200" dirty="0" err="1" smtClean="0">
-                <a:latin typeface="+mj-ea"/>
-              </a:rPr>
-              <a:t>ㅇ</a:t>
-            </a:r>
-            <a:endParaRPr lang="ko-KR" altLang="en-US" sz="3200" dirty="0">
-              <a:latin typeface="+mj-ea"/>
-            </a:endParaRPr>
-          </a:p>
-        </p:txBody>
-      </p:sp>
-      <p:sp>
-        <p:nvSpPr>
-          <p:cNvPr id="11" name="화살표: 오른쪽 2">
-            <a:extLst>
-              <a:ext uri="{FF2B5EF4-FFF2-40B4-BE49-F238E27FC236}">
-                <a16:creationId xmlns:a16="http://schemas.microsoft.com/office/drawing/2014/main" xmlns="" id="{5F46D10A-AEFB-C08C-F009-C76E5C32C589}"/>
+              <a:rPr lang="ko-KR" altLang="en-US" dirty="0"/>
+              <a:t>이클립스 설치 후 </a:t>
+            </a:r>
+            <a:endParaRPr lang="en-US" altLang="ko-KR" dirty="0"/>
+          </a:p>
+          <a:p>
+            <a:pPr marL="285750" indent="-285750">
+              <a:buFont typeface="Arial" panose="020B0604020202020204" pitchFamily="34" charset="0"/>
+              <a:buChar char="•"/>
+            </a:pPr>
+            <a:endParaRPr lang="en-US" altLang="ko-KR" dirty="0"/>
+          </a:p>
+          <a:p>
+            <a:pPr marL="285750" indent="-285750">
+              <a:buFont typeface="Arial" panose="020B0604020202020204" pitchFamily="34" charset="0"/>
+              <a:buChar char="•"/>
+            </a:pPr>
+            <a:r>
+              <a:rPr lang="en-US" altLang="ko-KR" dirty="0"/>
+              <a:t>File -&gt; New</a:t>
+            </a:r>
+          </a:p>
+          <a:p>
+            <a:pPr marL="285750" indent="-285750">
+              <a:buFont typeface="Arial" panose="020B0604020202020204" pitchFamily="34" charset="0"/>
+              <a:buChar char="•"/>
+            </a:pPr>
+            <a:endParaRPr lang="en-US" altLang="ko-KR" dirty="0"/>
+          </a:p>
+          <a:p>
+            <a:pPr marL="285750" indent="-285750">
+              <a:buFont typeface="Arial" panose="020B0604020202020204" pitchFamily="34" charset="0"/>
+              <a:buChar char="•"/>
+            </a:pPr>
+            <a:r>
+              <a:rPr lang="en-US" altLang="ko-KR" dirty="0"/>
+              <a:t>Dynamic Web Project </a:t>
+            </a:r>
+            <a:r>
+              <a:rPr lang="ko-KR" altLang="en-US" dirty="0"/>
+              <a:t>생성</a:t>
+            </a:r>
+          </a:p>
+        </p:txBody>
+      </p:sp>
+      <p:sp>
+        <p:nvSpPr>
+          <p:cNvPr id="5" name="사각형: 둥근 모서리 4">
+            <a:extLst>
+              <a:ext uri="{FF2B5EF4-FFF2-40B4-BE49-F238E27FC236}">
+                <a16:creationId xmlns:a16="http://schemas.microsoft.com/office/drawing/2014/main" id="{27B243D3-E2D6-340A-73F4-2D16FA12C608}"/>
               </a:ext>
             </a:extLst>
           </p:cNvPr>
@@ -5625,12 +7678,18 @@
         </p:nvSpPr>
         <p:spPr>
           <a:xfrm>
-            <a:off x="10461507" y="935233"/>
-            <a:ext cx="1335428" cy="666891"/>
-          </a:xfrm>
-          <a:prstGeom prst="rightArrow">
-            <a:avLst/>
-          </a:prstGeom>
+            <a:off x="474533" y="654518"/>
+            <a:ext cx="824878" cy="519764"/>
+          </a:xfrm>
+          <a:prstGeom prst="roundRect">
+            <a:avLst/>
+          </a:prstGeom>
+          <a:noFill/>
+          <a:ln w="28575">
+            <a:solidFill>
+              <a:srgbClr val="FF0000"/>
+            </a:solidFill>
+          </a:ln>
         </p:spPr>
         <p:style>
           <a:lnRef idx="2">
@@ -5659,68 +7718,104 @@
       </p:sp>
       <p:sp>
         <p:nvSpPr>
-          <p:cNvPr id="12" name="TextBox 11">
-            <a:extLst>
-              <a:ext uri="{FF2B5EF4-FFF2-40B4-BE49-F238E27FC236}">
-                <a16:creationId xmlns:a16="http://schemas.microsoft.com/office/drawing/2014/main" xmlns="" id="{6215690D-0311-7CF3-12F2-BCBF28FE0859}"/>
-              </a:ext>
-            </a:extLst>
-          </p:cNvPr>
-          <p:cNvSpPr txBox="1"/>
+          <p:cNvPr id="6" name="사각형: 둥근 모서리 5">
+            <a:extLst>
+              <a:ext uri="{FF2B5EF4-FFF2-40B4-BE49-F238E27FC236}">
+                <a16:creationId xmlns:a16="http://schemas.microsoft.com/office/drawing/2014/main" id="{40155EA8-C0EB-8838-A060-4E25B34CB657}"/>
+              </a:ext>
+            </a:extLst>
+          </p:cNvPr>
+          <p:cNvSpPr/>
           <p:nvPr/>
         </p:nvSpPr>
         <p:spPr>
           <a:xfrm>
-            <a:off x="10354843" y="313307"/>
-            <a:ext cx="1442092" cy="523220"/>
-          </a:xfrm>
-          <a:prstGeom prst="rect">
+            <a:off x="4013223" y="1367424"/>
+            <a:ext cx="2166196" cy="297748"/>
+          </a:xfrm>
+          <a:prstGeom prst="roundRect">
             <a:avLst/>
           </a:prstGeom>
           <a:noFill/>
-        </p:spPr>
-        <p:txBody>
-          <a:bodyPr wrap="square" rtlCol="0">
-            <a:spAutoFit/>
-          </a:bodyPr>
-          <a:lstStyle/>
-          <a:p>
-            <a:r>
-              <a:rPr lang="en-US" altLang="ko-KR" sz="2800" dirty="0">
-                <a:solidFill>
-                  <a:schemeClr val="accent1"/>
-                </a:solidFill>
-              </a:rPr>
-              <a:t>&lt; </a:t>
-            </a:r>
-            <a:r>
-              <a:rPr lang="ko-KR" altLang="en-US" sz="2800" dirty="0">
-                <a:solidFill>
-                  <a:schemeClr val="accent1"/>
-                </a:solidFill>
-              </a:rPr>
-              <a:t>결과 </a:t>
-            </a:r>
-            <a:r>
-              <a:rPr lang="en-US" altLang="ko-KR" sz="2800" dirty="0">
-                <a:solidFill>
-                  <a:schemeClr val="accent1"/>
-                </a:solidFill>
-              </a:rPr>
-              <a:t>&gt;</a:t>
-            </a:r>
-            <a:endParaRPr lang="ko-KR" altLang="en-US" sz="2800" dirty="0">
-              <a:solidFill>
-                <a:schemeClr val="accent1"/>
-              </a:solidFill>
-            </a:endParaRPr>
-          </a:p>
-        </p:txBody>
-      </p:sp>
+          <a:ln w="28575">
+            <a:solidFill>
+              <a:srgbClr val="FF0000"/>
+            </a:solidFill>
+          </a:ln>
+        </p:spPr>
+        <p:style>
+          <a:lnRef idx="2">
+            <a:schemeClr val="accent1">
+              <a:shade val="50000"/>
+            </a:schemeClr>
+          </a:lnRef>
+          <a:fillRef idx="1">
+            <a:schemeClr val="accent1"/>
+          </a:fillRef>
+          <a:effectRef idx="0">
+            <a:schemeClr val="accent1"/>
+          </a:effectRef>
+          <a:fontRef idx="minor">
+            <a:schemeClr val="lt1"/>
+          </a:fontRef>
+        </p:style>
+        <p:txBody>
+          <a:bodyPr rtlCol="0" anchor="ctr"/>
+          <a:lstStyle/>
+          <a:p>
+            <a:pPr algn="ctr"/>
+            <a:endParaRPr lang="ko-KR" altLang="en-US"/>
+          </a:p>
+        </p:txBody>
+      </p:sp>
+      <p:cxnSp>
+        <p:nvCxnSpPr>
+          <p:cNvPr id="7" name="직선 화살표 연결선 6">
+            <a:extLst>
+              <a:ext uri="{FF2B5EF4-FFF2-40B4-BE49-F238E27FC236}">
+                <a16:creationId xmlns:a16="http://schemas.microsoft.com/office/drawing/2014/main" id="{FFAE1B56-6B73-015D-FCAC-483146CE293C}"/>
+              </a:ext>
+            </a:extLst>
+          </p:cNvPr>
+          <p:cNvCxnSpPr>
+            <a:cxnSpLocks/>
+          </p:cNvCxnSpPr>
+          <p:nvPr/>
+        </p:nvCxnSpPr>
+        <p:spPr>
+          <a:xfrm>
+            <a:off x="1299411" y="905758"/>
+            <a:ext cx="2636299" cy="610540"/>
+          </a:xfrm>
+          <a:prstGeom prst="straightConnector1">
+            <a:avLst/>
+          </a:prstGeom>
+          <a:ln w="28575">
+            <a:solidFill>
+              <a:srgbClr val="FF0000"/>
+            </a:solidFill>
+            <a:tailEnd type="triangle"/>
+          </a:ln>
+        </p:spPr>
+        <p:style>
+          <a:lnRef idx="1">
+            <a:schemeClr val="accent1"/>
+          </a:lnRef>
+          <a:fillRef idx="0">
+            <a:schemeClr val="accent1"/>
+          </a:fillRef>
+          <a:effectRef idx="0">
+            <a:schemeClr val="accent1"/>
+          </a:effectRef>
+          <a:fontRef idx="minor">
+            <a:schemeClr val="tx1"/>
+          </a:fontRef>
+        </p:style>
+      </p:cxnSp>
     </p:spTree>
     <p:extLst>
       <p:ext uri="{BB962C8B-B14F-4D97-AF65-F5344CB8AC3E}">
-        <p14:creationId xmlns:p14="http://schemas.microsoft.com/office/powerpoint/2010/main" val="1763487357"/>
+        <p14:creationId xmlns:p14="http://schemas.microsoft.com/office/powerpoint/2010/main" val="889157563"/>
       </p:ext>
     </p:extLst>
   </p:cSld>
@@ -5747,56 +7842,129 @@
           <a:chExt cx="0" cy="0"/>
         </a:xfrm>
       </p:grpSpPr>
-      <p:sp>
-        <p:nvSpPr>
-          <p:cNvPr id="2" name="제목 1">
-            <a:extLst>
-              <a:ext uri="{FF2B5EF4-FFF2-40B4-BE49-F238E27FC236}">
-                <a16:creationId xmlns:a16="http://schemas.microsoft.com/office/drawing/2014/main" xmlns="" id="{635C47BF-19DD-7A68-913E-EF8F14DBA234}"/>
-              </a:ext>
-            </a:extLst>
-          </p:cNvPr>
-          <p:cNvSpPr>
-            <a:spLocks noGrp="1"/>
-          </p:cNvSpPr>
-          <p:nvPr>
-            <p:ph type="title"/>
-          </p:nvPr>
-        </p:nvSpPr>
-        <p:spPr>
-          <a:xfrm>
-            <a:off x="479323" y="550605"/>
-            <a:ext cx="9875520" cy="481781"/>
-          </a:xfrm>
-        </p:spPr>
-        <p:txBody>
-          <a:bodyPr>
-            <a:noAutofit/>
+      <p:pic>
+        <p:nvPicPr>
+          <p:cNvPr id="3" name="그림 2">
+            <a:extLst>
+              <a:ext uri="{FF2B5EF4-FFF2-40B4-BE49-F238E27FC236}">
+                <a16:creationId xmlns:a16="http://schemas.microsoft.com/office/drawing/2014/main" id="{971E94BE-A0E9-82F0-F317-C5B4FFFC8773}"/>
+              </a:ext>
+            </a:extLst>
+          </p:cNvPr>
+          <p:cNvPicPr>
+            <a:picLocks noChangeAspect="1"/>
+          </p:cNvPicPr>
+          <p:nvPr/>
+        </p:nvPicPr>
+        <p:blipFill>
+          <a:blip r:embed="rId2"/>
+          <a:stretch>
+            <a:fillRect/>
+          </a:stretch>
+        </p:blipFill>
+        <p:spPr>
+          <a:xfrm>
+            <a:off x="347639" y="364984"/>
+            <a:ext cx="5523772" cy="6172101"/>
+          </a:xfrm>
+          <a:prstGeom prst="rect">
+            <a:avLst/>
+          </a:prstGeom>
+        </p:spPr>
+      </p:pic>
+      <p:sp>
+        <p:nvSpPr>
+          <p:cNvPr id="4" name="TextBox 3">
+            <a:extLst>
+              <a:ext uri="{FF2B5EF4-FFF2-40B4-BE49-F238E27FC236}">
+                <a16:creationId xmlns:a16="http://schemas.microsoft.com/office/drawing/2014/main" id="{4C881BC7-35FC-2440-BF48-9582E1466C95}"/>
+              </a:ext>
+            </a:extLst>
+          </p:cNvPr>
+          <p:cNvSpPr txBox="1"/>
+          <p:nvPr/>
+        </p:nvSpPr>
+        <p:spPr>
+          <a:xfrm>
+            <a:off x="6731610" y="471555"/>
+            <a:ext cx="5523772" cy="923330"/>
+          </a:xfrm>
+          <a:prstGeom prst="rect">
+            <a:avLst/>
+          </a:prstGeom>
+          <a:noFill/>
+        </p:spPr>
+        <p:txBody>
+          <a:bodyPr wrap="square" rtlCol="0">
+            <a:spAutoFit/>
           </a:bodyPr>
           <a:lstStyle/>
           <a:p>
-            <a:pPr marL="571500" indent="-571500">
+            <a:pPr marL="285750" indent="-285750">
               <a:buFont typeface="Arial" panose="020B0604020202020204" pitchFamily="34" charset="0"/>
               <a:buChar char="•"/>
             </a:pPr>
             <a:r>
-              <a:rPr lang="ko-KR" altLang="en-US" sz="3200" dirty="0" err="1" smtClean="0">
-                <a:latin typeface="+mj-ea"/>
-              </a:rPr>
-              <a:t>ㅇ</a:t>
-            </a:r>
-            <a:endParaRPr lang="ko-KR" altLang="en-US" sz="3200" dirty="0">
-              <a:latin typeface="+mj-ea"/>
-            </a:endParaRPr>
-          </a:p>
-        </p:txBody>
-      </p:sp>
-      <p:sp>
-        <p:nvSpPr>
-          <p:cNvPr id="11" name="화살표: 오른쪽 2">
-            <a:extLst>
-              <a:ext uri="{FF2B5EF4-FFF2-40B4-BE49-F238E27FC236}">
-                <a16:creationId xmlns:a16="http://schemas.microsoft.com/office/drawing/2014/main" xmlns="" id="{5F46D10A-AEFB-C08C-F009-C76E5C32C589}"/>
+              <a:rPr lang="ko-KR" altLang="en-US" dirty="0"/>
+              <a:t>프로젝트 이름 지정</a:t>
+            </a:r>
+            <a:endParaRPr lang="en-US" altLang="ko-KR" dirty="0"/>
+          </a:p>
+          <a:p>
+            <a:pPr marL="285750" indent="-285750">
+              <a:buFont typeface="Arial" panose="020B0604020202020204" pitchFamily="34" charset="0"/>
+              <a:buChar char="•"/>
+            </a:pPr>
+            <a:endParaRPr lang="en-US" altLang="ko-KR" dirty="0"/>
+          </a:p>
+          <a:p>
+            <a:pPr marL="285750" indent="-285750">
+              <a:buFont typeface="Arial" panose="020B0604020202020204" pitchFamily="34" charset="0"/>
+              <a:buChar char="•"/>
+            </a:pPr>
+            <a:r>
+              <a:rPr lang="ko-KR" altLang="en-US" dirty="0"/>
+              <a:t>프로젝트 생성 될 파일 경로 지정</a:t>
+            </a:r>
+          </a:p>
+        </p:txBody>
+      </p:sp>
+      <p:pic>
+        <p:nvPicPr>
+          <p:cNvPr id="6" name="그림 5">
+            <a:extLst>
+              <a:ext uri="{FF2B5EF4-FFF2-40B4-BE49-F238E27FC236}">
+                <a16:creationId xmlns:a16="http://schemas.microsoft.com/office/drawing/2014/main" id="{A2A24E27-DF55-E1FD-EFCD-3BC638ABE482}"/>
+              </a:ext>
+            </a:extLst>
+          </p:cNvPr>
+          <p:cNvPicPr>
+            <a:picLocks noChangeAspect="1"/>
+          </p:cNvPicPr>
+          <p:nvPr/>
+        </p:nvPicPr>
+        <p:blipFill>
+          <a:blip r:embed="rId3"/>
+          <a:stretch>
+            <a:fillRect/>
+          </a:stretch>
+        </p:blipFill>
+        <p:spPr>
+          <a:xfrm>
+            <a:off x="6785115" y="1934213"/>
+            <a:ext cx="4877481" cy="3715268"/>
+          </a:xfrm>
+          <a:prstGeom prst="rect">
+            <a:avLst/>
+          </a:prstGeom>
+        </p:spPr>
+      </p:pic>
+      <p:sp>
+        <p:nvSpPr>
+          <p:cNvPr id="7" name="사각형: 둥근 모서리 6">
+            <a:extLst>
+              <a:ext uri="{FF2B5EF4-FFF2-40B4-BE49-F238E27FC236}">
+                <a16:creationId xmlns:a16="http://schemas.microsoft.com/office/drawing/2014/main" id="{9B52EC90-AD9B-1F6F-AE98-CCF40F8753BD}"/>
               </a:ext>
             </a:extLst>
           </p:cNvPr>
@@ -5805,12 +7973,18 @@
         </p:nvSpPr>
         <p:spPr>
           <a:xfrm>
-            <a:off x="10461507" y="935233"/>
-            <a:ext cx="1335428" cy="666891"/>
-          </a:xfrm>
-          <a:prstGeom prst="rightArrow">
-            <a:avLst/>
-          </a:prstGeom>
+            <a:off x="347639" y="1222407"/>
+            <a:ext cx="1288656" cy="293889"/>
+          </a:xfrm>
+          <a:prstGeom prst="roundRect">
+            <a:avLst/>
+          </a:prstGeom>
+          <a:noFill/>
+          <a:ln w="28575">
+            <a:solidFill>
+              <a:srgbClr val="FF0000"/>
+            </a:solidFill>
+          </a:ln>
         </p:spPr>
         <p:style>
           <a:lnRef idx="2">
@@ -5839,10 +8013,246 @@
       </p:sp>
       <p:sp>
         <p:nvSpPr>
-          <p:cNvPr id="12" name="TextBox 11">
-            <a:extLst>
-              <a:ext uri="{FF2B5EF4-FFF2-40B4-BE49-F238E27FC236}">
-                <a16:creationId xmlns:a16="http://schemas.microsoft.com/office/drawing/2014/main" xmlns="" id="{6215690D-0311-7CF3-12F2-BCBF28FE0859}"/>
+          <p:cNvPr id="8" name="사각형: 둥근 모서리 7">
+            <a:extLst>
+              <a:ext uri="{FF2B5EF4-FFF2-40B4-BE49-F238E27FC236}">
+                <a16:creationId xmlns:a16="http://schemas.microsoft.com/office/drawing/2014/main" id="{60D93A83-B92C-961F-F2F6-B1A0907F0932}"/>
+              </a:ext>
+            </a:extLst>
+          </p:cNvPr>
+          <p:cNvSpPr/>
+          <p:nvPr/>
+        </p:nvSpPr>
+        <p:spPr>
+          <a:xfrm>
+            <a:off x="347638" y="1587239"/>
+            <a:ext cx="5523771" cy="693948"/>
+          </a:xfrm>
+          <a:prstGeom prst="roundRect">
+            <a:avLst/>
+          </a:prstGeom>
+          <a:noFill/>
+          <a:ln w="28575">
+            <a:solidFill>
+              <a:srgbClr val="FF0000"/>
+            </a:solidFill>
+          </a:ln>
+        </p:spPr>
+        <p:style>
+          <a:lnRef idx="2">
+            <a:schemeClr val="accent1">
+              <a:shade val="50000"/>
+            </a:schemeClr>
+          </a:lnRef>
+          <a:fillRef idx="1">
+            <a:schemeClr val="accent1"/>
+          </a:fillRef>
+          <a:effectRef idx="0">
+            <a:schemeClr val="accent1"/>
+          </a:effectRef>
+          <a:fontRef idx="minor">
+            <a:schemeClr val="lt1"/>
+          </a:fontRef>
+        </p:style>
+        <p:txBody>
+          <a:bodyPr rtlCol="0" anchor="ctr"/>
+          <a:lstStyle/>
+          <a:p>
+            <a:pPr algn="ctr"/>
+            <a:endParaRPr lang="ko-KR" altLang="en-US"/>
+          </a:p>
+        </p:txBody>
+      </p:sp>
+      <p:sp>
+        <p:nvSpPr>
+          <p:cNvPr id="9" name="사각형: 둥근 모서리 8">
+            <a:extLst>
+              <a:ext uri="{FF2B5EF4-FFF2-40B4-BE49-F238E27FC236}">
+                <a16:creationId xmlns:a16="http://schemas.microsoft.com/office/drawing/2014/main" id="{EEC84604-D9FE-FDBA-4982-2B0A0E3EABD5}"/>
+              </a:ext>
+            </a:extLst>
+          </p:cNvPr>
+          <p:cNvSpPr/>
+          <p:nvPr/>
+        </p:nvSpPr>
+        <p:spPr>
+          <a:xfrm>
+            <a:off x="4491280" y="2448382"/>
+            <a:ext cx="1283879" cy="297748"/>
+          </a:xfrm>
+          <a:prstGeom prst="roundRect">
+            <a:avLst/>
+          </a:prstGeom>
+          <a:noFill/>
+          <a:ln w="28575">
+            <a:solidFill>
+              <a:srgbClr val="FF0000"/>
+            </a:solidFill>
+          </a:ln>
+        </p:spPr>
+        <p:style>
+          <a:lnRef idx="2">
+            <a:schemeClr val="accent1">
+              <a:shade val="50000"/>
+            </a:schemeClr>
+          </a:lnRef>
+          <a:fillRef idx="1">
+            <a:schemeClr val="accent1"/>
+          </a:fillRef>
+          <a:effectRef idx="0">
+            <a:schemeClr val="accent1"/>
+          </a:effectRef>
+          <a:fontRef idx="minor">
+            <a:schemeClr val="lt1"/>
+          </a:fontRef>
+        </p:style>
+        <p:txBody>
+          <a:bodyPr rtlCol="0" anchor="ctr"/>
+          <a:lstStyle/>
+          <a:p>
+            <a:pPr algn="ctr"/>
+            <a:endParaRPr lang="ko-KR" altLang="en-US"/>
+          </a:p>
+        </p:txBody>
+      </p:sp>
+      <p:cxnSp>
+        <p:nvCxnSpPr>
+          <p:cNvPr id="10" name="직선 화살표 연결선 9">
+            <a:extLst>
+              <a:ext uri="{FF2B5EF4-FFF2-40B4-BE49-F238E27FC236}">
+                <a16:creationId xmlns:a16="http://schemas.microsoft.com/office/drawing/2014/main" id="{B57178F9-B36C-2DD8-DAE5-90E24C6AD1D8}"/>
+              </a:ext>
+            </a:extLst>
+          </p:cNvPr>
+          <p:cNvCxnSpPr>
+            <a:cxnSpLocks/>
+          </p:cNvCxnSpPr>
+          <p:nvPr/>
+        </p:nvCxnSpPr>
+        <p:spPr>
+          <a:xfrm flipV="1">
+            <a:off x="1636295" y="596766"/>
+            <a:ext cx="4908187" cy="625641"/>
+          </a:xfrm>
+          <a:prstGeom prst="straightConnector1">
+            <a:avLst/>
+          </a:prstGeom>
+          <a:ln w="28575">
+            <a:solidFill>
+              <a:srgbClr val="FF0000"/>
+            </a:solidFill>
+            <a:tailEnd type="triangle"/>
+          </a:ln>
+        </p:spPr>
+        <p:style>
+          <a:lnRef idx="1">
+            <a:schemeClr val="accent1"/>
+          </a:lnRef>
+          <a:fillRef idx="0">
+            <a:schemeClr val="accent1"/>
+          </a:fillRef>
+          <a:effectRef idx="0">
+            <a:schemeClr val="accent1"/>
+          </a:effectRef>
+          <a:fontRef idx="minor">
+            <a:schemeClr val="tx1"/>
+          </a:fontRef>
+        </p:style>
+      </p:cxnSp>
+      <p:cxnSp>
+        <p:nvCxnSpPr>
+          <p:cNvPr id="12" name="직선 화살표 연결선 11">
+            <a:extLst>
+              <a:ext uri="{FF2B5EF4-FFF2-40B4-BE49-F238E27FC236}">
+                <a16:creationId xmlns:a16="http://schemas.microsoft.com/office/drawing/2014/main" id="{95ECF6D5-DE72-6D98-A67A-C250377AFAAF}"/>
+              </a:ext>
+            </a:extLst>
+          </p:cNvPr>
+          <p:cNvCxnSpPr>
+            <a:cxnSpLocks/>
+          </p:cNvCxnSpPr>
+          <p:nvPr/>
+        </p:nvCxnSpPr>
+        <p:spPr>
+          <a:xfrm flipV="1">
+            <a:off x="5775159" y="1193936"/>
+            <a:ext cx="769323" cy="393303"/>
+          </a:xfrm>
+          <a:prstGeom prst="straightConnector1">
+            <a:avLst/>
+          </a:prstGeom>
+          <a:ln w="28575">
+            <a:solidFill>
+              <a:srgbClr val="FF0000"/>
+            </a:solidFill>
+            <a:tailEnd type="triangle"/>
+          </a:ln>
+        </p:spPr>
+        <p:style>
+          <a:lnRef idx="1">
+            <a:schemeClr val="accent1"/>
+          </a:lnRef>
+          <a:fillRef idx="0">
+            <a:schemeClr val="accent1"/>
+          </a:fillRef>
+          <a:effectRef idx="0">
+            <a:schemeClr val="accent1"/>
+          </a:effectRef>
+          <a:fontRef idx="minor">
+            <a:schemeClr val="tx1"/>
+          </a:fontRef>
+        </p:style>
+      </p:cxnSp>
+      <p:cxnSp>
+        <p:nvCxnSpPr>
+          <p:cNvPr id="15" name="직선 화살표 연결선 14">
+            <a:extLst>
+              <a:ext uri="{FF2B5EF4-FFF2-40B4-BE49-F238E27FC236}">
+                <a16:creationId xmlns:a16="http://schemas.microsoft.com/office/drawing/2014/main" id="{27FDBC30-053C-73A0-AF9F-8049915FA7F0}"/>
+              </a:ext>
+            </a:extLst>
+          </p:cNvPr>
+          <p:cNvCxnSpPr>
+            <a:cxnSpLocks/>
+          </p:cNvCxnSpPr>
+          <p:nvPr/>
+        </p:nvCxnSpPr>
+        <p:spPr>
+          <a:xfrm>
+            <a:off x="5724535" y="2730573"/>
+            <a:ext cx="1007075" cy="912399"/>
+          </a:xfrm>
+          <a:prstGeom prst="straightConnector1">
+            <a:avLst/>
+          </a:prstGeom>
+          <a:ln w="28575">
+            <a:solidFill>
+              <a:srgbClr val="FF0000"/>
+            </a:solidFill>
+            <a:tailEnd type="triangle"/>
+          </a:ln>
+        </p:spPr>
+        <p:style>
+          <a:lnRef idx="1">
+            <a:schemeClr val="accent1"/>
+          </a:lnRef>
+          <a:fillRef idx="0">
+            <a:schemeClr val="accent1"/>
+          </a:fillRef>
+          <a:effectRef idx="0">
+            <a:schemeClr val="accent1"/>
+          </a:effectRef>
+          <a:fontRef idx="minor">
+            <a:schemeClr val="tx1"/>
+          </a:fontRef>
+        </p:style>
+      </p:cxnSp>
+      <p:sp>
+        <p:nvSpPr>
+          <p:cNvPr id="18" name="TextBox 17">
+            <a:extLst>
+              <a:ext uri="{FF2B5EF4-FFF2-40B4-BE49-F238E27FC236}">
+                <a16:creationId xmlns:a16="http://schemas.microsoft.com/office/drawing/2014/main" id="{AFA5EF11-E017-B6A5-9272-1EDDB26990E6}"/>
               </a:ext>
             </a:extLst>
           </p:cNvPr>
@@ -5851,8 +8261,8 @@
         </p:nvSpPr>
         <p:spPr>
           <a:xfrm>
-            <a:off x="10354843" y="313307"/>
-            <a:ext cx="1442092" cy="523220"/>
+            <a:off x="6731610" y="5940113"/>
+            <a:ext cx="6097604" cy="369332"/>
           </a:xfrm>
           <a:prstGeom prst="rect">
             <a:avLst/>
@@ -5860,47 +8270,138 @@
           <a:noFill/>
         </p:spPr>
         <p:txBody>
-          <a:bodyPr wrap="square" rtlCol="0">
+          <a:bodyPr wrap="square">
             <a:spAutoFit/>
           </a:bodyPr>
           <a:lstStyle/>
           <a:p>
-            <a:r>
-              <a:rPr lang="en-US" altLang="ko-KR" sz="2800" dirty="0">
-                <a:solidFill>
-                  <a:schemeClr val="accent1"/>
-                </a:solidFill>
-              </a:rPr>
-              <a:t>&lt; </a:t>
-            </a:r>
-            <a:r>
-              <a:rPr lang="ko-KR" altLang="en-US" sz="2800" dirty="0">
-                <a:solidFill>
-                  <a:schemeClr val="accent1"/>
-                </a:solidFill>
-              </a:rPr>
-              <a:t>결과 </a:t>
-            </a:r>
-            <a:r>
-              <a:rPr lang="en-US" altLang="ko-KR" sz="2800" dirty="0">
-                <a:solidFill>
-                  <a:schemeClr val="accent1"/>
-                </a:solidFill>
-              </a:rPr>
-              <a:t>&gt;</a:t>
-            </a:r>
-            <a:endParaRPr lang="ko-KR" altLang="en-US" sz="2800" dirty="0">
-              <a:solidFill>
-                <a:schemeClr val="accent1"/>
-              </a:solidFill>
-            </a:endParaRPr>
-          </a:p>
-        </p:txBody>
-      </p:sp>
+            <a:pPr marL="285750" indent="-285750">
+              <a:buFont typeface="Arial" panose="020B0604020202020204" pitchFamily="34" charset="0"/>
+              <a:buChar char="•"/>
+            </a:pPr>
+            <a:r>
+              <a:rPr lang="en-US" altLang="ko-KR" dirty="0"/>
+              <a:t>Apache Tomcat </a:t>
+            </a:r>
+            <a:r>
+              <a:rPr lang="ko-KR" altLang="en-US" dirty="0"/>
+              <a:t>버전 선택 후 연결</a:t>
+            </a:r>
+            <a:r>
+              <a:rPr lang="en-US" altLang="ko-KR" dirty="0"/>
+              <a:t>, Finish</a:t>
+            </a:r>
+            <a:endParaRPr lang="ko-KR" altLang="en-US" dirty="0"/>
+          </a:p>
+        </p:txBody>
+      </p:sp>
+      <p:sp>
+        <p:nvSpPr>
+          <p:cNvPr id="19" name="사각형: 둥근 모서리 18">
+            <a:extLst>
+              <a:ext uri="{FF2B5EF4-FFF2-40B4-BE49-F238E27FC236}">
+                <a16:creationId xmlns:a16="http://schemas.microsoft.com/office/drawing/2014/main" id="{9BF747B5-0BFA-F1DD-A7D4-D23AA5BFC031}"/>
+              </a:ext>
+            </a:extLst>
+          </p:cNvPr>
+          <p:cNvSpPr/>
+          <p:nvPr/>
+        </p:nvSpPr>
+        <p:spPr>
+          <a:xfrm>
+            <a:off x="6886367" y="3642972"/>
+            <a:ext cx="1853372" cy="1233999"/>
+          </a:xfrm>
+          <a:prstGeom prst="roundRect">
+            <a:avLst/>
+          </a:prstGeom>
+          <a:noFill/>
+          <a:ln w="28575">
+            <a:solidFill>
+              <a:srgbClr val="FF0000"/>
+            </a:solidFill>
+          </a:ln>
+        </p:spPr>
+        <p:style>
+          <a:lnRef idx="2">
+            <a:schemeClr val="accent1">
+              <a:shade val="50000"/>
+            </a:schemeClr>
+          </a:lnRef>
+          <a:fillRef idx="1">
+            <a:schemeClr val="accent1"/>
+          </a:fillRef>
+          <a:effectRef idx="0">
+            <a:schemeClr val="accent1"/>
+          </a:effectRef>
+          <a:fontRef idx="minor">
+            <a:schemeClr val="lt1"/>
+          </a:fontRef>
+        </p:style>
+        <p:txBody>
+          <a:bodyPr rtlCol="0" anchor="ctr"/>
+          <a:lstStyle/>
+          <a:p>
+            <a:pPr algn="ctr"/>
+            <a:endParaRPr lang="ko-KR" altLang="en-US"/>
+          </a:p>
+        </p:txBody>
+      </p:sp>
+      <mc:AlternateContent xmlns:mc="http://schemas.openxmlformats.org/markup-compatibility/2006">
+        <mc:Choice xmlns:p14="http://schemas.microsoft.com/office/powerpoint/2010/main" xmlns:aink="http://schemas.microsoft.com/office/drawing/2016/ink" Requires="p14 aink">
+          <p:contentPart p14:bwMode="auto" r:id="rId4">
+            <p14:nvContentPartPr>
+              <p14:cNvPr id="27" name="잉크 26">
+                <a:extLst>
+                  <a:ext uri="{FF2B5EF4-FFF2-40B4-BE49-F238E27FC236}">
+                    <a16:creationId xmlns:a16="http://schemas.microsoft.com/office/drawing/2014/main" id="{1FAE2E2C-435C-2D63-0BE6-4E8EC18D6B4C}"/>
+                  </a:ext>
+                </a:extLst>
+              </p14:cNvPr>
+              <p14:cNvContentPartPr/>
+              <p14:nvPr/>
+            </p14:nvContentPartPr>
+            <p14:xfrm>
+              <a:off x="1058135" y="2055752"/>
+              <a:ext cx="3283560" cy="360"/>
+            </p14:xfrm>
+          </p:contentPart>
+        </mc:Choice>
+        <mc:Fallback>
+          <p:pic>
+            <p:nvPicPr>
+              <p:cNvPr id="27" name="잉크 26">
+                <a:extLst>
+                  <a:ext uri="{FF2B5EF4-FFF2-40B4-BE49-F238E27FC236}">
+                    <a16:creationId xmlns:a16="http://schemas.microsoft.com/office/drawing/2014/main" id="{1FAE2E2C-435C-2D63-0BE6-4E8EC18D6B4C}"/>
+                  </a:ext>
+                </a:extLst>
+              </p:cNvPr>
+              <p:cNvPicPr/>
+              <p:nvPr/>
+            </p:nvPicPr>
+            <p:blipFill>
+              <a:blip r:embed="rId5"/>
+              <a:stretch>
+                <a:fillRect/>
+              </a:stretch>
+            </p:blipFill>
+            <p:spPr>
+              <a:xfrm>
+                <a:off x="995495" y="1992752"/>
+                <a:ext cx="3409200" cy="126000"/>
+              </a:xfrm>
+              <a:prstGeom prst="rect">
+                <a:avLst/>
+              </a:prstGeom>
+            </p:spPr>
+          </p:pic>
+        </mc:Fallback>
+      </mc:AlternateContent>
     </p:spTree>
     <p:extLst>
       <p:ext uri="{BB962C8B-B14F-4D97-AF65-F5344CB8AC3E}">
-        <p14:creationId xmlns:p14="http://schemas.microsoft.com/office/powerpoint/2010/main" val="3738198476"/>
+        <p14:creationId xmlns:p14="http://schemas.microsoft.com/office/powerpoint/2010/main" val="4187790931"/>
       </p:ext>
     </p:extLst>
   </p:cSld>
@@ -5927,56 +8428,192 @@
           <a:chExt cx="0" cy="0"/>
         </a:xfrm>
       </p:grpSpPr>
-      <p:sp>
-        <p:nvSpPr>
-          <p:cNvPr id="2" name="제목 1">
-            <a:extLst>
-              <a:ext uri="{FF2B5EF4-FFF2-40B4-BE49-F238E27FC236}">
-                <a16:creationId xmlns:a16="http://schemas.microsoft.com/office/drawing/2014/main" xmlns="" id="{635C47BF-19DD-7A68-913E-EF8F14DBA234}"/>
-              </a:ext>
-            </a:extLst>
-          </p:cNvPr>
-          <p:cNvSpPr>
-            <a:spLocks noGrp="1"/>
-          </p:cNvSpPr>
-          <p:nvPr>
-            <p:ph type="title"/>
-          </p:nvPr>
-        </p:nvSpPr>
-        <p:spPr>
-          <a:xfrm>
-            <a:off x="479323" y="550605"/>
-            <a:ext cx="9875520" cy="481781"/>
-          </a:xfrm>
-        </p:spPr>
-        <p:txBody>
-          <a:bodyPr>
-            <a:noAutofit/>
+      <p:pic>
+        <p:nvPicPr>
+          <p:cNvPr id="3" name="그림 2">
+            <a:extLst>
+              <a:ext uri="{FF2B5EF4-FFF2-40B4-BE49-F238E27FC236}">
+                <a16:creationId xmlns:a16="http://schemas.microsoft.com/office/drawing/2014/main" id="{AA97DD6E-B56F-9C1D-6362-EC07D21DF376}"/>
+              </a:ext>
+            </a:extLst>
+          </p:cNvPr>
+          <p:cNvPicPr>
+            <a:picLocks noChangeAspect="1"/>
+          </p:cNvPicPr>
+          <p:nvPr/>
+        </p:nvPicPr>
+        <p:blipFill>
+          <a:blip r:embed="rId2"/>
+          <a:stretch>
+            <a:fillRect/>
+          </a:stretch>
+        </p:blipFill>
+        <p:spPr>
+          <a:xfrm>
+            <a:off x="369420" y="363841"/>
+            <a:ext cx="4612287" cy="6113962"/>
+          </a:xfrm>
+          <a:prstGeom prst="rect">
+            <a:avLst/>
+          </a:prstGeom>
+        </p:spPr>
+      </p:pic>
+      <p:sp>
+        <p:nvSpPr>
+          <p:cNvPr id="4" name="TextBox 3">
+            <a:extLst>
+              <a:ext uri="{FF2B5EF4-FFF2-40B4-BE49-F238E27FC236}">
+                <a16:creationId xmlns:a16="http://schemas.microsoft.com/office/drawing/2014/main" id="{9C6BAC86-F72C-C570-5DF8-5ACDAB54D19C}"/>
+              </a:ext>
+            </a:extLst>
+          </p:cNvPr>
+          <p:cNvSpPr txBox="1"/>
+          <p:nvPr/>
+        </p:nvSpPr>
+        <p:spPr>
+          <a:xfrm>
+            <a:off x="5745587" y="363841"/>
+            <a:ext cx="5523772" cy="1477328"/>
+          </a:xfrm>
+          <a:prstGeom prst="rect">
+            <a:avLst/>
+          </a:prstGeom>
+          <a:noFill/>
+        </p:spPr>
+        <p:txBody>
+          <a:bodyPr wrap="square" rtlCol="0">
+            <a:spAutoFit/>
           </a:bodyPr>
           <a:lstStyle/>
           <a:p>
-            <a:pPr marL="571500" indent="-571500">
+            <a:pPr marL="285750" indent="-285750">
               <a:buFont typeface="Arial" panose="020B0604020202020204" pitchFamily="34" charset="0"/>
               <a:buChar char="•"/>
             </a:pPr>
             <a:r>
-              <a:rPr lang="ko-KR" altLang="en-US" sz="3200" dirty="0" err="1" smtClean="0">
-                <a:latin typeface="+mj-ea"/>
-              </a:rPr>
-              <a:t>ㅇ</a:t>
-            </a:r>
-            <a:endParaRPr lang="ko-KR" altLang="en-US" sz="3200" dirty="0">
-              <a:latin typeface="+mj-ea"/>
-            </a:endParaRPr>
-          </a:p>
-        </p:txBody>
-      </p:sp>
-      <p:sp>
-        <p:nvSpPr>
-          <p:cNvPr id="11" name="화살표: 오른쪽 2">
-            <a:extLst>
-              <a:ext uri="{FF2B5EF4-FFF2-40B4-BE49-F238E27FC236}">
-                <a16:creationId xmlns:a16="http://schemas.microsoft.com/office/drawing/2014/main" xmlns="" id="{5F46D10A-AEFB-C08C-F009-C76E5C32C589}"/>
+              <a:rPr lang="ko-KR" altLang="en-US" dirty="0"/>
+              <a:t>클래스 </a:t>
+            </a:r>
+            <a:r>
+              <a:rPr lang="en-US" altLang="ko-KR" dirty="0"/>
+              <a:t>Build</a:t>
+            </a:r>
+            <a:r>
+              <a:rPr lang="ko-KR" altLang="en-US" dirty="0"/>
+              <a:t> </a:t>
+            </a:r>
+            <a:r>
+              <a:rPr lang="en-US" altLang="ko-KR" dirty="0"/>
+              <a:t>Path</a:t>
+            </a:r>
+            <a:r>
+              <a:rPr lang="ko-KR" altLang="en-US" dirty="0"/>
+              <a:t> </a:t>
+            </a:r>
+            <a:r>
+              <a:rPr lang="en-US" altLang="ko-KR" dirty="0"/>
+              <a:t>jar</a:t>
+            </a:r>
+            <a:r>
+              <a:rPr lang="ko-KR" altLang="en-US" dirty="0"/>
+              <a:t>파일 추가 할 시</a:t>
+            </a:r>
+            <a:endParaRPr lang="en-US" altLang="ko-KR" dirty="0"/>
+          </a:p>
+          <a:p>
+            <a:endParaRPr lang="en-US" altLang="ko-KR" dirty="0"/>
+          </a:p>
+          <a:p>
+            <a:pPr marL="285750" indent="-285750">
+              <a:buFont typeface="Arial" panose="020B0604020202020204" pitchFamily="34" charset="0"/>
+              <a:buChar char="•"/>
+            </a:pPr>
+            <a:r>
+              <a:rPr lang="en-US" altLang="ko-KR" dirty="0"/>
+              <a:t>WEB-INF </a:t>
+            </a:r>
+            <a:r>
+              <a:rPr lang="ko-KR" altLang="en-US" dirty="0"/>
+              <a:t>하위 </a:t>
+            </a:r>
+            <a:r>
+              <a:rPr lang="en-US" altLang="ko-KR" dirty="0"/>
+              <a:t>lib </a:t>
+            </a:r>
+            <a:r>
+              <a:rPr lang="ko-KR" altLang="en-US" dirty="0"/>
+              <a:t>파일 생성</a:t>
+            </a:r>
+            <a:endParaRPr lang="en-US" altLang="ko-KR" dirty="0"/>
+          </a:p>
+          <a:p>
+            <a:pPr marL="285750" indent="-285750">
+              <a:buFont typeface="Arial" panose="020B0604020202020204" pitchFamily="34" charset="0"/>
+              <a:buChar char="•"/>
+            </a:pPr>
+            <a:endParaRPr lang="en-US" altLang="ko-KR" dirty="0"/>
+          </a:p>
+          <a:p>
+            <a:pPr marL="285750" indent="-285750">
+              <a:buFont typeface="Arial" panose="020B0604020202020204" pitchFamily="34" charset="0"/>
+              <a:buChar char="•"/>
+            </a:pPr>
+            <a:r>
+              <a:rPr lang="en-US" altLang="ko-KR" dirty="0"/>
+              <a:t>lib</a:t>
+            </a:r>
+            <a:r>
+              <a:rPr lang="ko-KR" altLang="en-US" dirty="0"/>
+              <a:t> 파일에 추가 할 </a:t>
+            </a:r>
+            <a:r>
+              <a:rPr lang="en-US" altLang="ko-KR" dirty="0"/>
+              <a:t>jar</a:t>
+            </a:r>
+            <a:r>
+              <a:rPr lang="ko-KR" altLang="en-US" dirty="0"/>
+              <a:t>파일 복사 붙여넣기</a:t>
+            </a:r>
+            <a:endParaRPr lang="en-US" altLang="ko-KR" dirty="0"/>
+          </a:p>
+        </p:txBody>
+      </p:sp>
+      <p:pic>
+        <p:nvPicPr>
+          <p:cNvPr id="6" name="그림 5">
+            <a:extLst>
+              <a:ext uri="{FF2B5EF4-FFF2-40B4-BE49-F238E27FC236}">
+                <a16:creationId xmlns:a16="http://schemas.microsoft.com/office/drawing/2014/main" id="{A49D7D53-0623-2ACE-B908-9BF47FB4F04E}"/>
+              </a:ext>
+            </a:extLst>
+          </p:cNvPr>
+          <p:cNvPicPr>
+            <a:picLocks noChangeAspect="1"/>
+          </p:cNvPicPr>
+          <p:nvPr/>
+        </p:nvPicPr>
+        <p:blipFill>
+          <a:blip r:embed="rId3"/>
+          <a:stretch>
+            <a:fillRect/>
+          </a:stretch>
+        </p:blipFill>
+        <p:spPr>
+          <a:xfrm>
+            <a:off x="5745587" y="2089600"/>
+            <a:ext cx="6076993" cy="2660932"/>
+          </a:xfrm>
+          <a:prstGeom prst="rect">
+            <a:avLst/>
+          </a:prstGeom>
+        </p:spPr>
+      </p:pic>
+      <p:sp>
+        <p:nvSpPr>
+          <p:cNvPr id="7" name="사각형: 둥근 모서리 6">
+            <a:extLst>
+              <a:ext uri="{FF2B5EF4-FFF2-40B4-BE49-F238E27FC236}">
+                <a16:creationId xmlns:a16="http://schemas.microsoft.com/office/drawing/2014/main" id="{3659318D-04D3-103D-E917-1C2D7F991B5E}"/>
               </a:ext>
             </a:extLst>
           </p:cNvPr>
@@ -5985,12 +8622,18 @@
         </p:nvSpPr>
         <p:spPr>
           <a:xfrm>
-            <a:off x="10461507" y="935233"/>
-            <a:ext cx="1335428" cy="666891"/>
-          </a:xfrm>
-          <a:prstGeom prst="rightArrow">
-            <a:avLst/>
-          </a:prstGeom>
+            <a:off x="1391684" y="3959548"/>
+            <a:ext cx="3478699" cy="872333"/>
+          </a:xfrm>
+          <a:prstGeom prst="roundRect">
+            <a:avLst/>
+          </a:prstGeom>
+          <a:noFill/>
+          <a:ln w="28575">
+            <a:solidFill>
+              <a:srgbClr val="FF0000"/>
+            </a:solidFill>
+          </a:ln>
         </p:spPr>
         <p:style>
           <a:lnRef idx="2">
@@ -6017,12 +8660,57 @@
           </a:p>
         </p:txBody>
       </p:sp>
+      <p:cxnSp>
+        <p:nvCxnSpPr>
+          <p:cNvPr id="8" name="직선 화살표 연결선 7">
+            <a:extLst>
+              <a:ext uri="{FF2B5EF4-FFF2-40B4-BE49-F238E27FC236}">
+                <a16:creationId xmlns:a16="http://schemas.microsoft.com/office/drawing/2014/main" id="{D9704DAD-60BD-EA67-BFFA-38DD8090AA4C}"/>
+              </a:ext>
+            </a:extLst>
+          </p:cNvPr>
+          <p:cNvCxnSpPr>
+            <a:cxnSpLocks/>
+            <a:stCxn id="7" idx="0"/>
+          </p:cNvCxnSpPr>
+          <p:nvPr/>
+        </p:nvCxnSpPr>
+        <p:spPr>
+          <a:xfrm flipV="1">
+            <a:off x="3131034" y="1511166"/>
+            <a:ext cx="2490120" cy="2448382"/>
+          </a:xfrm>
+          <a:prstGeom prst="straightConnector1">
+            <a:avLst/>
+          </a:prstGeom>
+          <a:ln w="28575">
+            <a:solidFill>
+              <a:srgbClr val="FF0000"/>
+            </a:solidFill>
+            <a:tailEnd type="triangle"/>
+          </a:ln>
+        </p:spPr>
+        <p:style>
+          <a:lnRef idx="1">
+            <a:schemeClr val="accent1"/>
+          </a:lnRef>
+          <a:fillRef idx="0">
+            <a:schemeClr val="accent1"/>
+          </a:fillRef>
+          <a:effectRef idx="0">
+            <a:schemeClr val="accent1"/>
+          </a:effectRef>
+          <a:fontRef idx="minor">
+            <a:schemeClr val="tx1"/>
+          </a:fontRef>
+        </p:style>
+      </p:cxnSp>
       <p:sp>
         <p:nvSpPr>
           <p:cNvPr id="12" name="TextBox 11">
             <a:extLst>
               <a:ext uri="{FF2B5EF4-FFF2-40B4-BE49-F238E27FC236}">
-                <a16:creationId xmlns:a16="http://schemas.microsoft.com/office/drawing/2014/main" xmlns="" id="{6215690D-0311-7CF3-12F2-BCBF28FE0859}"/>
+                <a16:creationId xmlns:a16="http://schemas.microsoft.com/office/drawing/2014/main" id="{FC3F5364-A61E-350F-FCD9-A19DFDF666A2}"/>
               </a:ext>
             </a:extLst>
           </p:cNvPr>
@@ -6031,8 +8719,8 @@
         </p:nvSpPr>
         <p:spPr>
           <a:xfrm>
-            <a:off x="10354843" y="313307"/>
-            <a:ext cx="1442092" cy="523220"/>
+            <a:off x="5745587" y="4748402"/>
+            <a:ext cx="6097604" cy="1676741"/>
           </a:xfrm>
           <a:prstGeom prst="rect">
             <a:avLst/>
@@ -6040,47 +8728,147 @@
           <a:noFill/>
         </p:spPr>
         <p:txBody>
-          <a:bodyPr wrap="square" rtlCol="0">
+          <a:bodyPr wrap="square">
             <a:spAutoFit/>
           </a:bodyPr>
           <a:lstStyle/>
           <a:p>
-            <a:r>
-              <a:rPr lang="en-US" altLang="ko-KR" sz="2800" dirty="0">
-                <a:solidFill>
-                  <a:schemeClr val="accent1"/>
-                </a:solidFill>
-              </a:rPr>
-              <a:t>&lt; </a:t>
-            </a:r>
-            <a:r>
-              <a:rPr lang="ko-KR" altLang="en-US" sz="2800" dirty="0">
-                <a:solidFill>
-                  <a:schemeClr val="accent1"/>
-                </a:solidFill>
-              </a:rPr>
-              <a:t>결과 </a:t>
-            </a:r>
-            <a:r>
-              <a:rPr lang="en-US" altLang="ko-KR" sz="2800" dirty="0">
-                <a:solidFill>
-                  <a:schemeClr val="accent1"/>
-                </a:solidFill>
-              </a:rPr>
-              <a:t>&gt;</a:t>
-            </a:r>
-            <a:endParaRPr lang="ko-KR" altLang="en-US" sz="2800" dirty="0">
-              <a:solidFill>
-                <a:schemeClr val="accent1"/>
-              </a:solidFill>
-            </a:endParaRPr>
+            <a:pPr marL="285750" indent="-285750">
+              <a:lnSpc>
+                <a:spcPct val="200000"/>
+              </a:lnSpc>
+              <a:buFont typeface="Arial" panose="020B0604020202020204" pitchFamily="34" charset="0"/>
+              <a:buChar char="•"/>
+            </a:pPr>
+            <a:r>
+              <a:rPr lang="ko-KR" altLang="en-US" dirty="0"/>
+              <a:t>이렇게 </a:t>
+            </a:r>
+            <a:r>
+              <a:rPr lang="ko-KR" altLang="en-US" dirty="0" err="1"/>
+              <a:t>해놓으면</a:t>
+            </a:r>
+            <a:r>
+              <a:rPr lang="ko-KR" altLang="en-US" dirty="0"/>
+              <a:t> 해당 프로젝트는 어느 곳에 복사해 가도 </a:t>
+            </a:r>
+            <a:r>
+              <a:rPr lang="ko-KR" altLang="en-US" dirty="0" err="1"/>
+              <a:t>추가해놓은</a:t>
+            </a:r>
+            <a:r>
+              <a:rPr lang="ko-KR" altLang="en-US" dirty="0"/>
+              <a:t> </a:t>
+            </a:r>
+            <a:r>
+              <a:rPr lang="en-US" altLang="ko-KR" dirty="0"/>
+              <a:t>jar</a:t>
+            </a:r>
+            <a:r>
+              <a:rPr lang="ko-KR" altLang="en-US" dirty="0"/>
+              <a:t>파일을 다시 </a:t>
+            </a:r>
+            <a:r>
+              <a:rPr lang="en-US" altLang="ko-KR" dirty="0"/>
+              <a:t>Path </a:t>
+            </a:r>
+            <a:r>
+              <a:rPr lang="ko-KR" altLang="en-US" dirty="0"/>
+              <a:t>추가 할 필요가 없음</a:t>
+            </a:r>
+            <a:r>
+              <a:rPr lang="en-US" altLang="ko-KR" dirty="0"/>
+              <a:t>!</a:t>
+            </a:r>
+          </a:p>
+          <a:p>
+            <a:pPr marL="285750" indent="-285750">
+              <a:lnSpc>
+                <a:spcPct val="200000"/>
+              </a:lnSpc>
+              <a:buFont typeface="Arial" panose="020B0604020202020204" pitchFamily="34" charset="0"/>
+              <a:buChar char="•"/>
+            </a:pPr>
+            <a:r>
+              <a:rPr lang="en-US" altLang="ko-KR" dirty="0"/>
+              <a:t>WEB</a:t>
+            </a:r>
+            <a:r>
+              <a:rPr lang="ko-KR" altLang="en-US" dirty="0"/>
+              <a:t> 실행 시 해당 </a:t>
+            </a:r>
+            <a:r>
+              <a:rPr lang="en-US" altLang="ko-KR" dirty="0"/>
+              <a:t>jar</a:t>
+            </a:r>
+            <a:r>
+              <a:rPr lang="ko-KR" altLang="en-US" dirty="0"/>
+              <a:t>파일 자동 적용</a:t>
+            </a:r>
+            <a:r>
+              <a:rPr lang="en-US" altLang="ko-KR" dirty="0"/>
+              <a:t>~</a:t>
+            </a:r>
+            <a:endParaRPr lang="ko-KR" altLang="en-US" dirty="0"/>
+          </a:p>
+        </p:txBody>
+      </p:sp>
+      <p:sp>
+        <p:nvSpPr>
+          <p:cNvPr id="13" name="사각형: 둥근 모서리 12">
+            <a:extLst>
+              <a:ext uri="{FF2B5EF4-FFF2-40B4-BE49-F238E27FC236}">
+                <a16:creationId xmlns:a16="http://schemas.microsoft.com/office/drawing/2014/main" id="{2BBCE7A6-2CC5-69F7-405A-70670E73913B}"/>
+              </a:ext>
+            </a:extLst>
+          </p:cNvPr>
+          <p:cNvSpPr/>
+          <p:nvPr/>
+        </p:nvSpPr>
+        <p:spPr>
+          <a:xfrm>
+            <a:off x="7455861" y="4450654"/>
+            <a:ext cx="4366719" cy="297748"/>
+          </a:xfrm>
+          <a:prstGeom prst="roundRect">
+            <a:avLst/>
+          </a:prstGeom>
+          <a:noFill/>
+          <a:ln w="28575">
+            <a:solidFill>
+              <a:srgbClr val="FF0000"/>
+            </a:solidFill>
+          </a:ln>
+        </p:spPr>
+        <p:style>
+          <a:lnRef idx="2">
+            <a:schemeClr val="accent1">
+              <a:shade val="50000"/>
+            </a:schemeClr>
+          </a:lnRef>
+          <a:fillRef idx="1">
+            <a:schemeClr val="accent1"/>
+          </a:fillRef>
+          <a:effectRef idx="0">
+            <a:schemeClr val="accent1"/>
+          </a:effectRef>
+          <a:fontRef idx="minor">
+            <a:schemeClr val="lt1"/>
+          </a:fontRef>
+        </p:style>
+        <p:txBody>
+          <a:bodyPr rtlCol="0" anchor="ctr"/>
+          <a:lstStyle/>
+          <a:p>
+            <a:pPr algn="ctr"/>
+            <a:endParaRPr lang="ko-KR" altLang="en-US"/>
           </a:p>
         </p:txBody>
       </p:sp>
     </p:spTree>
     <p:extLst>
       <p:ext uri="{BB962C8B-B14F-4D97-AF65-F5344CB8AC3E}">
-        <p14:creationId xmlns:p14="http://schemas.microsoft.com/office/powerpoint/2010/main" val="2948694200"/>
+        <p14:creationId xmlns:p14="http://schemas.microsoft.com/office/powerpoint/2010/main" val="4095327147"/>
       </p:ext>
     </p:extLst>
   </p:cSld>
